--- a/Final-Group-Presentation/Group4ProjectPresentation.pptx
+++ b/Final-Group-Presentation/Group4ProjectPresentation.pptx
@@ -6,6 +6,15 @@
   </p:sldMasterIdLst>
   <p:sldIdLst>
     <p:sldId id="256" r:id="rId2"/>
+    <p:sldId id="257" r:id="rId3"/>
+    <p:sldId id="258" r:id="rId4"/>
+    <p:sldId id="259" r:id="rId5"/>
+    <p:sldId id="260" r:id="rId6"/>
+    <p:sldId id="261" r:id="rId7"/>
+    <p:sldId id="262" r:id="rId8"/>
+    <p:sldId id="265" r:id="rId9"/>
+    <p:sldId id="263" r:id="rId10"/>
+    <p:sldId id="264" r:id="rId11"/>
   </p:sldIdLst>
   <p:sldSz cx="12192000" cy="6858000"/>
   <p:notesSz cx="6858000" cy="9144000"/>
@@ -104,6 +113,11 @@
       </a:defRPr>
     </a:lvl9pPr>
   </p:defaultTextStyle>
+  <p:extLst>
+    <p:ext uri="{EFAFB233-063F-42B5-8137-9DF3F51BA10A}">
+      <p15:sldGuideLst xmlns:p15="http://schemas.microsoft.com/office/powerpoint/2012/main"/>
+    </p:ext>
+  </p:extLst>
 </p:presentation>
 </file>
 
@@ -254,9 +268,9 @@
           <a:p>
             <a:fld id="{D4B181B7-4E45-0F4E-BAB0-4C262B2B135A}" type="datetimeFigureOut">
               <a:rPr lang="en-US" smtClean="0"/>
-              <a:t>4/2/19</a:t>
+              <a:t>4/23/2019</a:t>
             </a:fld>
-            <a:endParaRPr lang="en-US"/>
+            <a:endParaRPr lang="en-US" dirty="0"/>
           </a:p>
         </p:txBody>
       </p:sp>
@@ -281,7 +295,7 @@
           <a:bodyPr/>
           <a:lstStyle/>
           <a:p>
-            <a:endParaRPr lang="en-US"/>
+            <a:endParaRPr lang="en-US" dirty="0"/>
           </a:p>
         </p:txBody>
       </p:sp>
@@ -310,7 +324,7 @@
               <a:rPr lang="en-US" smtClean="0"/>
               <a:t>‹#›</a:t>
             </a:fld>
-            <a:endParaRPr lang="en-US"/>
+            <a:endParaRPr lang="en-US" dirty="0"/>
           </a:p>
         </p:txBody>
       </p:sp>
@@ -452,9 +466,9 @@
           <a:p>
             <a:fld id="{D4B181B7-4E45-0F4E-BAB0-4C262B2B135A}" type="datetimeFigureOut">
               <a:rPr lang="en-US" smtClean="0"/>
-              <a:t>4/2/19</a:t>
+              <a:t>4/23/2019</a:t>
             </a:fld>
-            <a:endParaRPr lang="en-US"/>
+            <a:endParaRPr lang="en-US" dirty="0"/>
           </a:p>
         </p:txBody>
       </p:sp>
@@ -479,7 +493,7 @@
           <a:bodyPr/>
           <a:lstStyle/>
           <a:p>
-            <a:endParaRPr lang="en-US"/>
+            <a:endParaRPr lang="en-US" dirty="0"/>
           </a:p>
         </p:txBody>
       </p:sp>
@@ -508,7 +522,7 @@
               <a:rPr lang="en-US" smtClean="0"/>
               <a:t>‹#›</a:t>
             </a:fld>
-            <a:endParaRPr lang="en-US"/>
+            <a:endParaRPr lang="en-US" dirty="0"/>
           </a:p>
         </p:txBody>
       </p:sp>
@@ -660,9 +674,9 @@
           <a:p>
             <a:fld id="{D4B181B7-4E45-0F4E-BAB0-4C262B2B135A}" type="datetimeFigureOut">
               <a:rPr lang="en-US" smtClean="0"/>
-              <a:t>4/2/19</a:t>
+              <a:t>4/23/2019</a:t>
             </a:fld>
-            <a:endParaRPr lang="en-US"/>
+            <a:endParaRPr lang="en-US" dirty="0"/>
           </a:p>
         </p:txBody>
       </p:sp>
@@ -687,7 +701,7 @@
           <a:bodyPr/>
           <a:lstStyle/>
           <a:p>
-            <a:endParaRPr lang="en-US"/>
+            <a:endParaRPr lang="en-US" dirty="0"/>
           </a:p>
         </p:txBody>
       </p:sp>
@@ -716,7 +730,7 @@
               <a:rPr lang="en-US" smtClean="0"/>
               <a:t>‹#›</a:t>
             </a:fld>
-            <a:endParaRPr lang="en-US"/>
+            <a:endParaRPr lang="en-US" dirty="0"/>
           </a:p>
         </p:txBody>
       </p:sp>
@@ -858,9 +872,9 @@
           <a:p>
             <a:fld id="{D4B181B7-4E45-0F4E-BAB0-4C262B2B135A}" type="datetimeFigureOut">
               <a:rPr lang="en-US" smtClean="0"/>
-              <a:t>4/2/19</a:t>
+              <a:t>4/23/2019</a:t>
             </a:fld>
-            <a:endParaRPr lang="en-US"/>
+            <a:endParaRPr lang="en-US" dirty="0"/>
           </a:p>
         </p:txBody>
       </p:sp>
@@ -885,7 +899,7 @@
           <a:bodyPr/>
           <a:lstStyle/>
           <a:p>
-            <a:endParaRPr lang="en-US"/>
+            <a:endParaRPr lang="en-US" dirty="0"/>
           </a:p>
         </p:txBody>
       </p:sp>
@@ -914,7 +928,7 @@
               <a:rPr lang="en-US" smtClean="0"/>
               <a:t>‹#›</a:t>
             </a:fld>
-            <a:endParaRPr lang="en-US"/>
+            <a:endParaRPr lang="en-US" dirty="0"/>
           </a:p>
         </p:txBody>
       </p:sp>
@@ -1133,9 +1147,9 @@
           <a:p>
             <a:fld id="{D4B181B7-4E45-0F4E-BAB0-4C262B2B135A}" type="datetimeFigureOut">
               <a:rPr lang="en-US" smtClean="0"/>
-              <a:t>4/2/19</a:t>
+              <a:t>4/23/2019</a:t>
             </a:fld>
-            <a:endParaRPr lang="en-US"/>
+            <a:endParaRPr lang="en-US" dirty="0"/>
           </a:p>
         </p:txBody>
       </p:sp>
@@ -1160,7 +1174,7 @@
           <a:bodyPr/>
           <a:lstStyle/>
           <a:p>
-            <a:endParaRPr lang="en-US"/>
+            <a:endParaRPr lang="en-US" dirty="0"/>
           </a:p>
         </p:txBody>
       </p:sp>
@@ -1189,7 +1203,7 @@
               <a:rPr lang="en-US" smtClean="0"/>
               <a:t>‹#›</a:t>
             </a:fld>
-            <a:endParaRPr lang="en-US"/>
+            <a:endParaRPr lang="en-US" dirty="0"/>
           </a:p>
         </p:txBody>
       </p:sp>
@@ -1398,9 +1412,9 @@
           <a:p>
             <a:fld id="{D4B181B7-4E45-0F4E-BAB0-4C262B2B135A}" type="datetimeFigureOut">
               <a:rPr lang="en-US" smtClean="0"/>
-              <a:t>4/2/19</a:t>
+              <a:t>4/23/2019</a:t>
             </a:fld>
-            <a:endParaRPr lang="en-US"/>
+            <a:endParaRPr lang="en-US" dirty="0"/>
           </a:p>
         </p:txBody>
       </p:sp>
@@ -1425,7 +1439,7 @@
           <a:bodyPr/>
           <a:lstStyle/>
           <a:p>
-            <a:endParaRPr lang="en-US"/>
+            <a:endParaRPr lang="en-US" dirty="0"/>
           </a:p>
         </p:txBody>
       </p:sp>
@@ -1454,7 +1468,7 @@
               <a:rPr lang="en-US" smtClean="0"/>
               <a:t>‹#›</a:t>
             </a:fld>
-            <a:endParaRPr lang="en-US"/>
+            <a:endParaRPr lang="en-US" dirty="0"/>
           </a:p>
         </p:txBody>
       </p:sp>
@@ -1810,9 +1824,9 @@
           <a:p>
             <a:fld id="{D4B181B7-4E45-0F4E-BAB0-4C262B2B135A}" type="datetimeFigureOut">
               <a:rPr lang="en-US" smtClean="0"/>
-              <a:t>4/2/19</a:t>
+              <a:t>4/23/2019</a:t>
             </a:fld>
-            <a:endParaRPr lang="en-US"/>
+            <a:endParaRPr lang="en-US" dirty="0"/>
           </a:p>
         </p:txBody>
       </p:sp>
@@ -1837,7 +1851,7 @@
           <a:bodyPr/>
           <a:lstStyle/>
           <a:p>
-            <a:endParaRPr lang="en-US"/>
+            <a:endParaRPr lang="en-US" dirty="0"/>
           </a:p>
         </p:txBody>
       </p:sp>
@@ -1866,7 +1880,7 @@
               <a:rPr lang="en-US" smtClean="0"/>
               <a:t>‹#›</a:t>
             </a:fld>
-            <a:endParaRPr lang="en-US"/>
+            <a:endParaRPr lang="en-US" dirty="0"/>
           </a:p>
         </p:txBody>
       </p:sp>
@@ -1951,9 +1965,9 @@
           <a:p>
             <a:fld id="{D4B181B7-4E45-0F4E-BAB0-4C262B2B135A}" type="datetimeFigureOut">
               <a:rPr lang="en-US" smtClean="0"/>
-              <a:t>4/2/19</a:t>
+              <a:t>4/23/2019</a:t>
             </a:fld>
-            <a:endParaRPr lang="en-US"/>
+            <a:endParaRPr lang="en-US" dirty="0"/>
           </a:p>
         </p:txBody>
       </p:sp>
@@ -1978,7 +1992,7 @@
           <a:bodyPr/>
           <a:lstStyle/>
           <a:p>
-            <a:endParaRPr lang="en-US"/>
+            <a:endParaRPr lang="en-US" dirty="0"/>
           </a:p>
         </p:txBody>
       </p:sp>
@@ -2007,7 +2021,7 @@
               <a:rPr lang="en-US" smtClean="0"/>
               <a:t>‹#›</a:t>
             </a:fld>
-            <a:endParaRPr lang="en-US"/>
+            <a:endParaRPr lang="en-US" dirty="0"/>
           </a:p>
         </p:txBody>
       </p:sp>
@@ -2064,9 +2078,9 @@
           <a:p>
             <a:fld id="{D4B181B7-4E45-0F4E-BAB0-4C262B2B135A}" type="datetimeFigureOut">
               <a:rPr lang="en-US" smtClean="0"/>
-              <a:t>4/2/19</a:t>
+              <a:t>4/23/2019</a:t>
             </a:fld>
-            <a:endParaRPr lang="en-US"/>
+            <a:endParaRPr lang="en-US" dirty="0"/>
           </a:p>
         </p:txBody>
       </p:sp>
@@ -2091,7 +2105,7 @@
           <a:bodyPr/>
           <a:lstStyle/>
           <a:p>
-            <a:endParaRPr lang="en-US"/>
+            <a:endParaRPr lang="en-US" dirty="0"/>
           </a:p>
         </p:txBody>
       </p:sp>
@@ -2120,7 +2134,7 @@
               <a:rPr lang="en-US" smtClean="0"/>
               <a:t>‹#›</a:t>
             </a:fld>
-            <a:endParaRPr lang="en-US"/>
+            <a:endParaRPr lang="en-US" dirty="0"/>
           </a:p>
         </p:txBody>
       </p:sp>
@@ -2375,9 +2389,9 @@
           <a:p>
             <a:fld id="{D4B181B7-4E45-0F4E-BAB0-4C262B2B135A}" type="datetimeFigureOut">
               <a:rPr lang="en-US" smtClean="0"/>
-              <a:t>4/2/19</a:t>
+              <a:t>4/23/2019</a:t>
             </a:fld>
-            <a:endParaRPr lang="en-US"/>
+            <a:endParaRPr lang="en-US" dirty="0"/>
           </a:p>
         </p:txBody>
       </p:sp>
@@ -2402,7 +2416,7 @@
           <a:bodyPr/>
           <a:lstStyle/>
           <a:p>
-            <a:endParaRPr lang="en-US"/>
+            <a:endParaRPr lang="en-US" dirty="0"/>
           </a:p>
         </p:txBody>
       </p:sp>
@@ -2431,7 +2445,7 @@
               <a:rPr lang="en-US" smtClean="0"/>
               <a:t>‹#›</a:t>
             </a:fld>
-            <a:endParaRPr lang="en-US"/>
+            <a:endParaRPr lang="en-US" dirty="0"/>
           </a:p>
         </p:txBody>
       </p:sp>
@@ -2565,7 +2579,7 @@
             </a:lvl9pPr>
           </a:lstStyle>
           <a:p>
-            <a:endParaRPr lang="en-US"/>
+            <a:endParaRPr lang="en-US" dirty="0"/>
           </a:p>
         </p:txBody>
       </p:sp>
@@ -2663,9 +2677,9 @@
           <a:p>
             <a:fld id="{D4B181B7-4E45-0F4E-BAB0-4C262B2B135A}" type="datetimeFigureOut">
               <a:rPr lang="en-US" smtClean="0"/>
-              <a:t>4/2/19</a:t>
+              <a:t>4/23/2019</a:t>
             </a:fld>
-            <a:endParaRPr lang="en-US"/>
+            <a:endParaRPr lang="en-US" dirty="0"/>
           </a:p>
         </p:txBody>
       </p:sp>
@@ -2690,7 +2704,7 @@
           <a:bodyPr/>
           <a:lstStyle/>
           <a:p>
-            <a:endParaRPr lang="en-US"/>
+            <a:endParaRPr lang="en-US" dirty="0"/>
           </a:p>
         </p:txBody>
       </p:sp>
@@ -2719,7 +2733,7 @@
               <a:rPr lang="en-US" smtClean="0"/>
               <a:t>‹#›</a:t>
             </a:fld>
-            <a:endParaRPr lang="en-US"/>
+            <a:endParaRPr lang="en-US" dirty="0"/>
           </a:p>
         </p:txBody>
       </p:sp>
@@ -2904,9 +2918,9 @@
           <a:p>
             <a:fld id="{D4B181B7-4E45-0F4E-BAB0-4C262B2B135A}" type="datetimeFigureOut">
               <a:rPr lang="en-US" smtClean="0"/>
-              <a:t>4/2/19</a:t>
+              <a:t>4/23/2019</a:t>
             </a:fld>
-            <a:endParaRPr lang="en-US"/>
+            <a:endParaRPr lang="en-US" dirty="0"/>
           </a:p>
         </p:txBody>
       </p:sp>
@@ -2949,7 +2963,7 @@
             </a:lvl1pPr>
           </a:lstStyle>
           <a:p>
-            <a:endParaRPr lang="en-US"/>
+            <a:endParaRPr lang="en-US" dirty="0"/>
           </a:p>
         </p:txBody>
       </p:sp>
@@ -2996,7 +3010,7 @@
               <a:rPr lang="en-US" smtClean="0"/>
               <a:t>‹#›</a:t>
             </a:fld>
-            <a:endParaRPr lang="en-US"/>
+            <a:endParaRPr lang="en-US" dirty="0"/>
           </a:p>
         </p:txBody>
       </p:sp>
@@ -3390,6 +3404,1248 @@
 </p:sld>
 </file>
 
+<file path=ppt/slides/slide10.xml><?xml version="1.0" encoding="utf-8"?>
+<p:sld xmlns:a="http://schemas.openxmlformats.org/drawingml/2006/main" xmlns:r="http://schemas.openxmlformats.org/officeDocument/2006/relationships" xmlns:p="http://schemas.openxmlformats.org/presentationml/2006/main">
+  <p:cSld>
+    <p:spTree>
+      <p:nvGrpSpPr>
+        <p:cNvPr id="1" name=""/>
+        <p:cNvGrpSpPr/>
+        <p:nvPr/>
+      </p:nvGrpSpPr>
+      <p:grpSpPr>
+        <a:xfrm>
+          <a:off x="0" y="0"/>
+          <a:ext cx="0" cy="0"/>
+          <a:chOff x="0" y="0"/>
+          <a:chExt cx="0" cy="0"/>
+        </a:xfrm>
+      </p:grpSpPr>
+      <p:sp>
+        <p:nvSpPr>
+          <p:cNvPr id="2" name="Title 1">
+            <a:extLst>
+              <a:ext uri="{FF2B5EF4-FFF2-40B4-BE49-F238E27FC236}">
+                <a16:creationId xmlns:a16="http://schemas.microsoft.com/office/drawing/2014/main" id="{17A2265B-A4F2-42E0-858B-13D056CC899C}"/>
+              </a:ext>
+            </a:extLst>
+          </p:cNvPr>
+          <p:cNvSpPr>
+            <a:spLocks noGrp="1"/>
+          </p:cNvSpPr>
+          <p:nvPr>
+            <p:ph type="title"/>
+          </p:nvPr>
+        </p:nvSpPr>
+        <p:spPr/>
+        <p:txBody>
+          <a:bodyPr/>
+          <a:lstStyle/>
+          <a:p>
+            <a:r>
+              <a:rPr lang="en-US" dirty="0"/>
+              <a:t>Questions</a:t>
+            </a:r>
+          </a:p>
+        </p:txBody>
+      </p:sp>
+      <p:sp>
+        <p:nvSpPr>
+          <p:cNvPr id="3" name="Content Placeholder 2">
+            <a:extLst>
+              <a:ext uri="{FF2B5EF4-FFF2-40B4-BE49-F238E27FC236}">
+                <a16:creationId xmlns:a16="http://schemas.microsoft.com/office/drawing/2014/main" id="{942E0C6F-D2A9-4FF0-AB48-8C2A008B8F54}"/>
+              </a:ext>
+            </a:extLst>
+          </p:cNvPr>
+          <p:cNvSpPr>
+            <a:spLocks noGrp="1"/>
+          </p:cNvSpPr>
+          <p:nvPr>
+            <p:ph idx="1"/>
+          </p:nvPr>
+        </p:nvSpPr>
+        <p:spPr/>
+        <p:txBody>
+          <a:bodyPr/>
+          <a:lstStyle/>
+          <a:p>
+            <a:r>
+              <a:rPr lang="en-US" dirty="0"/>
+              <a:t>Thank you!</a:t>
+            </a:r>
+          </a:p>
+        </p:txBody>
+      </p:sp>
+    </p:spTree>
+    <p:extLst>
+      <p:ext uri="{BB962C8B-B14F-4D97-AF65-F5344CB8AC3E}">
+        <p14:creationId xmlns:p14="http://schemas.microsoft.com/office/powerpoint/2010/main" val="2275205702"/>
+      </p:ext>
+    </p:extLst>
+  </p:cSld>
+  <p:clrMapOvr>
+    <a:masterClrMapping/>
+  </p:clrMapOvr>
+</p:sld>
+</file>
+
+<file path=ppt/slides/slide2.xml><?xml version="1.0" encoding="utf-8"?>
+<p:sld xmlns:a="http://schemas.openxmlformats.org/drawingml/2006/main" xmlns:r="http://schemas.openxmlformats.org/officeDocument/2006/relationships" xmlns:p="http://schemas.openxmlformats.org/presentationml/2006/main">
+  <p:cSld>
+    <p:spTree>
+      <p:nvGrpSpPr>
+        <p:cNvPr id="1" name=""/>
+        <p:cNvGrpSpPr/>
+        <p:nvPr/>
+      </p:nvGrpSpPr>
+      <p:grpSpPr>
+        <a:xfrm>
+          <a:off x="0" y="0"/>
+          <a:ext cx="0" cy="0"/>
+          <a:chOff x="0" y="0"/>
+          <a:chExt cx="0" cy="0"/>
+        </a:xfrm>
+      </p:grpSpPr>
+      <p:sp>
+        <p:nvSpPr>
+          <p:cNvPr id="2" name="Title 1">
+            <a:extLst>
+              <a:ext uri="{FF2B5EF4-FFF2-40B4-BE49-F238E27FC236}">
+                <a16:creationId xmlns:a16="http://schemas.microsoft.com/office/drawing/2014/main" id="{F3916CDC-33ED-4A3E-8B8F-195F9734F3B5}"/>
+              </a:ext>
+            </a:extLst>
+          </p:cNvPr>
+          <p:cNvSpPr>
+            <a:spLocks noGrp="1"/>
+          </p:cNvSpPr>
+          <p:nvPr>
+            <p:ph type="title"/>
+          </p:nvPr>
+        </p:nvSpPr>
+        <p:spPr/>
+        <p:txBody>
+          <a:bodyPr/>
+          <a:lstStyle/>
+          <a:p>
+            <a:r>
+              <a:rPr lang="en-US" dirty="0"/>
+              <a:t>Introduction</a:t>
+            </a:r>
+          </a:p>
+        </p:txBody>
+      </p:sp>
+      <p:sp>
+        <p:nvSpPr>
+          <p:cNvPr id="3" name="Content Placeholder 2">
+            <a:extLst>
+              <a:ext uri="{FF2B5EF4-FFF2-40B4-BE49-F238E27FC236}">
+                <a16:creationId xmlns:a16="http://schemas.microsoft.com/office/drawing/2014/main" id="{FE6A61E6-EB94-4DE2-92DA-D75B9DA107E0}"/>
+              </a:ext>
+            </a:extLst>
+          </p:cNvPr>
+          <p:cNvSpPr>
+            <a:spLocks noGrp="1"/>
+          </p:cNvSpPr>
+          <p:nvPr>
+            <p:ph idx="1"/>
+          </p:nvPr>
+        </p:nvSpPr>
+        <p:spPr/>
+        <p:txBody>
+          <a:bodyPr/>
+          <a:lstStyle/>
+          <a:p>
+            <a:r>
+              <a:rPr lang="en-US" dirty="0"/>
+              <a:t>Image Classification using Convolutional Neural Network (CNN)</a:t>
+            </a:r>
+          </a:p>
+          <a:p>
+            <a:r>
+              <a:rPr lang="en-US" dirty="0"/>
+              <a:t>Fruit Classification Network</a:t>
+            </a:r>
+          </a:p>
+          <a:p>
+            <a:r>
+              <a:rPr lang="en-US" dirty="0"/>
+              <a:t>Utilized Python and Pytorch on 1 GPU</a:t>
+            </a:r>
+          </a:p>
+        </p:txBody>
+      </p:sp>
+    </p:spTree>
+    <p:extLst>
+      <p:ext uri="{BB962C8B-B14F-4D97-AF65-F5344CB8AC3E}">
+        <p14:creationId xmlns:p14="http://schemas.microsoft.com/office/powerpoint/2010/main" val="2784171526"/>
+      </p:ext>
+    </p:extLst>
+  </p:cSld>
+  <p:clrMapOvr>
+    <a:masterClrMapping/>
+  </p:clrMapOvr>
+</p:sld>
+</file>
+
+<file path=ppt/slides/slide3.xml><?xml version="1.0" encoding="utf-8"?>
+<p:sld xmlns:a="http://schemas.openxmlformats.org/drawingml/2006/main" xmlns:r="http://schemas.openxmlformats.org/officeDocument/2006/relationships" xmlns:p="http://schemas.openxmlformats.org/presentationml/2006/main">
+  <p:cSld>
+    <p:spTree>
+      <p:nvGrpSpPr>
+        <p:cNvPr id="1" name=""/>
+        <p:cNvGrpSpPr/>
+        <p:nvPr/>
+      </p:nvGrpSpPr>
+      <p:grpSpPr>
+        <a:xfrm>
+          <a:off x="0" y="0"/>
+          <a:ext cx="0" cy="0"/>
+          <a:chOff x="0" y="0"/>
+          <a:chExt cx="0" cy="0"/>
+        </a:xfrm>
+      </p:grpSpPr>
+      <p:sp>
+        <p:nvSpPr>
+          <p:cNvPr id="2" name="Title 1">
+            <a:extLst>
+              <a:ext uri="{FF2B5EF4-FFF2-40B4-BE49-F238E27FC236}">
+                <a16:creationId xmlns:a16="http://schemas.microsoft.com/office/drawing/2014/main" id="{B33E05FE-044F-4F65-BA48-2F742A8DA4ED}"/>
+              </a:ext>
+            </a:extLst>
+          </p:cNvPr>
+          <p:cNvSpPr>
+            <a:spLocks noGrp="1"/>
+          </p:cNvSpPr>
+          <p:nvPr>
+            <p:ph type="title"/>
+          </p:nvPr>
+        </p:nvSpPr>
+        <p:spPr/>
+        <p:txBody>
+          <a:bodyPr/>
+          <a:lstStyle/>
+          <a:p>
+            <a:r>
+              <a:rPr lang="en-US" dirty="0"/>
+              <a:t>Application </a:t>
+            </a:r>
+          </a:p>
+        </p:txBody>
+      </p:sp>
+      <p:sp>
+        <p:nvSpPr>
+          <p:cNvPr id="3" name="Content Placeholder 2">
+            <a:extLst>
+              <a:ext uri="{FF2B5EF4-FFF2-40B4-BE49-F238E27FC236}">
+                <a16:creationId xmlns:a16="http://schemas.microsoft.com/office/drawing/2014/main" id="{EB55DC79-2FA1-492A-820E-1FF85913030C}"/>
+              </a:ext>
+            </a:extLst>
+          </p:cNvPr>
+          <p:cNvSpPr>
+            <a:spLocks noGrp="1"/>
+          </p:cNvSpPr>
+          <p:nvPr>
+            <p:ph idx="1"/>
+          </p:nvPr>
+        </p:nvSpPr>
+        <p:spPr/>
+        <p:txBody>
+          <a:bodyPr/>
+          <a:lstStyle/>
+          <a:p>
+            <a:r>
+              <a:rPr lang="en-US" dirty="0"/>
+              <a:t>Automate Customs and Border Protections (CBP) processes for use in agriculture industry</a:t>
+            </a:r>
+          </a:p>
+          <a:p>
+            <a:r>
+              <a:rPr lang="en-US" dirty="0"/>
+              <a:t>In 2018, CBP apprehended 2.5 tons of prohibited fruit in Ohio</a:t>
+            </a:r>
+          </a:p>
+          <a:p>
+            <a:r>
+              <a:rPr lang="en-US" dirty="0"/>
+              <a:t>Prohibited due to disease and pest control measures</a:t>
+            </a:r>
+          </a:p>
+          <a:p>
+            <a:r>
+              <a:rPr lang="en-US" dirty="0"/>
+              <a:t>CBP officers inspect fruit by hand</a:t>
+            </a:r>
+          </a:p>
+          <a:p>
+            <a:r>
+              <a:rPr lang="en-US" dirty="0"/>
+              <a:t>Deep Learning could aid in the inspection with higher rates of </a:t>
+            </a:r>
+            <a:r>
+              <a:rPr lang="en-US" dirty="0" err="1"/>
+              <a:t>inpsection</a:t>
+            </a:r>
+            <a:endParaRPr lang="en-US" dirty="0"/>
+          </a:p>
+        </p:txBody>
+      </p:sp>
+    </p:spTree>
+    <p:extLst>
+      <p:ext uri="{BB962C8B-B14F-4D97-AF65-F5344CB8AC3E}">
+        <p14:creationId xmlns:p14="http://schemas.microsoft.com/office/powerpoint/2010/main" val="644918797"/>
+      </p:ext>
+    </p:extLst>
+  </p:cSld>
+  <p:clrMapOvr>
+    <a:masterClrMapping/>
+  </p:clrMapOvr>
+</p:sld>
+</file>
+
+<file path=ppt/slides/slide4.xml><?xml version="1.0" encoding="utf-8"?>
+<p:sld xmlns:a="http://schemas.openxmlformats.org/drawingml/2006/main" xmlns:r="http://schemas.openxmlformats.org/officeDocument/2006/relationships" xmlns:p="http://schemas.openxmlformats.org/presentationml/2006/main">
+  <p:cSld>
+    <p:spTree>
+      <p:nvGrpSpPr>
+        <p:cNvPr id="1" name=""/>
+        <p:cNvGrpSpPr/>
+        <p:nvPr/>
+      </p:nvGrpSpPr>
+      <p:grpSpPr>
+        <a:xfrm>
+          <a:off x="0" y="0"/>
+          <a:ext cx="0" cy="0"/>
+          <a:chOff x="0" y="0"/>
+          <a:chExt cx="0" cy="0"/>
+        </a:xfrm>
+      </p:grpSpPr>
+      <p:sp>
+        <p:nvSpPr>
+          <p:cNvPr id="2" name="Title 1">
+            <a:extLst>
+              <a:ext uri="{FF2B5EF4-FFF2-40B4-BE49-F238E27FC236}">
+                <a16:creationId xmlns:a16="http://schemas.microsoft.com/office/drawing/2014/main" id="{17A2265B-A4F2-42E0-858B-13D056CC899C}"/>
+              </a:ext>
+            </a:extLst>
+          </p:cNvPr>
+          <p:cNvSpPr>
+            <a:spLocks noGrp="1"/>
+          </p:cNvSpPr>
+          <p:nvPr>
+            <p:ph type="title"/>
+          </p:nvPr>
+        </p:nvSpPr>
+        <p:spPr/>
+        <p:txBody>
+          <a:bodyPr/>
+          <a:lstStyle/>
+          <a:p>
+            <a:r>
+              <a:rPr lang="en-US" dirty="0"/>
+              <a:t>Data</a:t>
+            </a:r>
+          </a:p>
+        </p:txBody>
+      </p:sp>
+      <p:sp>
+        <p:nvSpPr>
+          <p:cNvPr id="3" name="Content Placeholder 2">
+            <a:extLst>
+              <a:ext uri="{FF2B5EF4-FFF2-40B4-BE49-F238E27FC236}">
+                <a16:creationId xmlns:a16="http://schemas.microsoft.com/office/drawing/2014/main" id="{942E0C6F-D2A9-4FF0-AB48-8C2A008B8F54}"/>
+              </a:ext>
+            </a:extLst>
+          </p:cNvPr>
+          <p:cNvSpPr>
+            <a:spLocks noGrp="1"/>
+          </p:cNvSpPr>
+          <p:nvPr>
+            <p:ph idx="1"/>
+          </p:nvPr>
+        </p:nvSpPr>
+        <p:spPr/>
+        <p:txBody>
+          <a:bodyPr/>
+          <a:lstStyle/>
+          <a:p>
+            <a:r>
+              <a:rPr lang="en-US" dirty="0"/>
+              <a:t>Fruits 360: Kaggle </a:t>
+            </a:r>
+            <a:r>
+              <a:rPr lang="en-US" dirty="0">
+                <a:hlinkClick r:id="rId2"/>
+              </a:rPr>
+              <a:t>https://www.kaggle.com/moltean/fruits/version/2</a:t>
+            </a:r>
+            <a:endParaRPr lang="en-US" dirty="0"/>
+          </a:p>
+          <a:p>
+            <a:r>
+              <a:rPr lang="en-US" dirty="0"/>
+              <a:t>20,000 images with 33 classes of fruit</a:t>
+            </a:r>
+          </a:p>
+          <a:p>
+            <a:r>
+              <a:rPr lang="en-US" dirty="0"/>
+              <a:t>Images are full-color and 100 x 100 pixels</a:t>
+            </a:r>
+          </a:p>
+          <a:p>
+            <a:r>
+              <a:rPr lang="en-US" dirty="0"/>
+              <a:t>Training set: 15,506 images, Testing set: 5,195 images</a:t>
+            </a:r>
+          </a:p>
+          <a:p>
+            <a:r>
+              <a:rPr lang="en-US" dirty="0"/>
+              <a:t>Ran two networks</a:t>
+            </a:r>
+          </a:p>
+          <a:p>
+            <a:pPr lvl="1"/>
+            <a:r>
+              <a:rPr lang="en-US" dirty="0"/>
+              <a:t>Subset – 5 fruits</a:t>
+            </a:r>
+          </a:p>
+          <a:p>
+            <a:pPr lvl="1"/>
+            <a:r>
+              <a:rPr lang="en-US" dirty="0"/>
+              <a:t>Entire set – 33 fruits</a:t>
+            </a:r>
+          </a:p>
+        </p:txBody>
+      </p:sp>
+    </p:spTree>
+    <p:extLst>
+      <p:ext uri="{BB962C8B-B14F-4D97-AF65-F5344CB8AC3E}">
+        <p14:creationId xmlns:p14="http://schemas.microsoft.com/office/powerpoint/2010/main" val="2168904105"/>
+      </p:ext>
+    </p:extLst>
+  </p:cSld>
+  <p:clrMapOvr>
+    <a:masterClrMapping/>
+  </p:clrMapOvr>
+</p:sld>
+</file>
+
+<file path=ppt/slides/slide5.xml><?xml version="1.0" encoding="utf-8"?>
+<p:sld xmlns:a="http://schemas.openxmlformats.org/drawingml/2006/main" xmlns:r="http://schemas.openxmlformats.org/officeDocument/2006/relationships" xmlns:p="http://schemas.openxmlformats.org/presentationml/2006/main">
+  <p:cSld>
+    <p:spTree>
+      <p:nvGrpSpPr>
+        <p:cNvPr id="1" name=""/>
+        <p:cNvGrpSpPr/>
+        <p:nvPr/>
+      </p:nvGrpSpPr>
+      <p:grpSpPr>
+        <a:xfrm>
+          <a:off x="0" y="0"/>
+          <a:ext cx="0" cy="0"/>
+          <a:chOff x="0" y="0"/>
+          <a:chExt cx="0" cy="0"/>
+        </a:xfrm>
+      </p:grpSpPr>
+      <p:sp>
+        <p:nvSpPr>
+          <p:cNvPr id="2" name="Title 1">
+            <a:extLst>
+              <a:ext uri="{FF2B5EF4-FFF2-40B4-BE49-F238E27FC236}">
+                <a16:creationId xmlns:a16="http://schemas.microsoft.com/office/drawing/2014/main" id="{17A2265B-A4F2-42E0-858B-13D056CC899C}"/>
+              </a:ext>
+            </a:extLst>
+          </p:cNvPr>
+          <p:cNvSpPr>
+            <a:spLocks noGrp="1"/>
+          </p:cNvSpPr>
+          <p:nvPr>
+            <p:ph type="title"/>
+          </p:nvPr>
+        </p:nvSpPr>
+        <p:spPr/>
+        <p:txBody>
+          <a:bodyPr/>
+          <a:lstStyle/>
+          <a:p>
+            <a:r>
+              <a:rPr lang="en-US" dirty="0"/>
+              <a:t>Fruit Images</a:t>
+            </a:r>
+          </a:p>
+        </p:txBody>
+      </p:sp>
+      <p:pic>
+        <p:nvPicPr>
+          <p:cNvPr id="4" name="Picture 3">
+            <a:extLst>
+              <a:ext uri="{FF2B5EF4-FFF2-40B4-BE49-F238E27FC236}">
+                <a16:creationId xmlns:a16="http://schemas.microsoft.com/office/drawing/2014/main" id="{C0597F59-692F-4067-8B4A-113FEC430157}"/>
+              </a:ext>
+            </a:extLst>
+          </p:cNvPr>
+          <p:cNvPicPr>
+            <a:picLocks noChangeAspect="1"/>
+          </p:cNvPicPr>
+          <p:nvPr/>
+        </p:nvPicPr>
+        <p:blipFill rotWithShape="1">
+          <a:blip r:embed="rId2"/>
+          <a:srcRect l="23722" t="34341" r="20201" b="13566"/>
+          <a:stretch/>
+        </p:blipFill>
+        <p:spPr>
+          <a:xfrm>
+            <a:off x="1765005" y="1456772"/>
+            <a:ext cx="8442251" cy="4411502"/>
+          </a:xfrm>
+          <a:prstGeom prst="rect">
+            <a:avLst/>
+          </a:prstGeom>
+        </p:spPr>
+      </p:pic>
+    </p:spTree>
+    <p:extLst>
+      <p:ext uri="{BB962C8B-B14F-4D97-AF65-F5344CB8AC3E}">
+        <p14:creationId xmlns:p14="http://schemas.microsoft.com/office/powerpoint/2010/main" val="3723207306"/>
+      </p:ext>
+    </p:extLst>
+  </p:cSld>
+  <p:clrMapOvr>
+    <a:masterClrMapping/>
+  </p:clrMapOvr>
+</p:sld>
+</file>
+
+<file path=ppt/slides/slide6.xml><?xml version="1.0" encoding="utf-8"?>
+<p:sld xmlns:a="http://schemas.openxmlformats.org/drawingml/2006/main" xmlns:r="http://schemas.openxmlformats.org/officeDocument/2006/relationships" xmlns:p="http://schemas.openxmlformats.org/presentationml/2006/main">
+  <p:cSld>
+    <p:spTree>
+      <p:nvGrpSpPr>
+        <p:cNvPr id="1" name=""/>
+        <p:cNvGrpSpPr/>
+        <p:nvPr/>
+      </p:nvGrpSpPr>
+      <p:grpSpPr>
+        <a:xfrm>
+          <a:off x="0" y="0"/>
+          <a:ext cx="0" cy="0"/>
+          <a:chOff x="0" y="0"/>
+          <a:chExt cx="0" cy="0"/>
+        </a:xfrm>
+      </p:grpSpPr>
+      <p:sp>
+        <p:nvSpPr>
+          <p:cNvPr id="2" name="Title 1">
+            <a:extLst>
+              <a:ext uri="{FF2B5EF4-FFF2-40B4-BE49-F238E27FC236}">
+                <a16:creationId xmlns:a16="http://schemas.microsoft.com/office/drawing/2014/main" id="{17A2265B-A4F2-42E0-858B-13D056CC899C}"/>
+              </a:ext>
+            </a:extLst>
+          </p:cNvPr>
+          <p:cNvSpPr>
+            <a:spLocks noGrp="1"/>
+          </p:cNvSpPr>
+          <p:nvPr>
+            <p:ph type="title"/>
+          </p:nvPr>
+        </p:nvSpPr>
+        <p:spPr/>
+        <p:txBody>
+          <a:bodyPr/>
+          <a:lstStyle/>
+          <a:p>
+            <a:r>
+              <a:rPr lang="en-US" dirty="0"/>
+              <a:t>Code</a:t>
+            </a:r>
+          </a:p>
+        </p:txBody>
+      </p:sp>
+      <p:sp>
+        <p:nvSpPr>
+          <p:cNvPr id="3" name="Content Placeholder 2">
+            <a:extLst>
+              <a:ext uri="{FF2B5EF4-FFF2-40B4-BE49-F238E27FC236}">
+                <a16:creationId xmlns:a16="http://schemas.microsoft.com/office/drawing/2014/main" id="{942E0C6F-D2A9-4FF0-AB48-8C2A008B8F54}"/>
+              </a:ext>
+            </a:extLst>
+          </p:cNvPr>
+          <p:cNvSpPr>
+            <a:spLocks noGrp="1"/>
+          </p:cNvSpPr>
+          <p:nvPr>
+            <p:ph idx="1"/>
+          </p:nvPr>
+        </p:nvSpPr>
+        <p:spPr/>
+        <p:txBody>
+          <a:bodyPr>
+            <a:normAutofit fontScale="62500" lnSpcReduction="20000"/>
+          </a:bodyPr>
+          <a:lstStyle/>
+          <a:p>
+            <a:pPr marL="0" indent="0">
+              <a:lnSpc>
+                <a:spcPct val="120000"/>
+              </a:lnSpc>
+              <a:spcBef>
+                <a:spcPts val="0"/>
+              </a:spcBef>
+              <a:buNone/>
+            </a:pPr>
+            <a:r>
+              <a:rPr lang="en-US" dirty="0"/>
+              <a:t>class CNN(</a:t>
+            </a:r>
+            <a:r>
+              <a:rPr lang="en-US" dirty="0" err="1"/>
+              <a:t>nn.Module</a:t>
+            </a:r>
+            <a:r>
+              <a:rPr lang="en-US" dirty="0"/>
+              <a:t>):</a:t>
+            </a:r>
+          </a:p>
+          <a:p>
+            <a:pPr marL="0" indent="0">
+              <a:lnSpc>
+                <a:spcPct val="120000"/>
+              </a:lnSpc>
+              <a:spcBef>
+                <a:spcPts val="0"/>
+              </a:spcBef>
+              <a:buNone/>
+            </a:pPr>
+            <a:r>
+              <a:rPr lang="en-US" dirty="0"/>
+              <a:t>    def __</a:t>
+            </a:r>
+            <a:r>
+              <a:rPr lang="en-US" dirty="0" err="1"/>
+              <a:t>init</a:t>
+            </a:r>
+            <a:r>
+              <a:rPr lang="en-US" dirty="0"/>
+              <a:t>__(self):</a:t>
+            </a:r>
+          </a:p>
+          <a:p>
+            <a:pPr marL="0" indent="0">
+              <a:lnSpc>
+                <a:spcPct val="120000"/>
+              </a:lnSpc>
+              <a:spcBef>
+                <a:spcPts val="0"/>
+              </a:spcBef>
+              <a:buNone/>
+            </a:pPr>
+            <a:r>
+              <a:rPr lang="en-US" dirty="0"/>
+              <a:t>        super(CNN, self).__</a:t>
+            </a:r>
+            <a:r>
+              <a:rPr lang="en-US" dirty="0" err="1"/>
+              <a:t>init</a:t>
+            </a:r>
+            <a:r>
+              <a:rPr lang="en-US" dirty="0"/>
+              <a:t>__()</a:t>
+            </a:r>
+          </a:p>
+          <a:p>
+            <a:pPr marL="0" indent="0">
+              <a:lnSpc>
+                <a:spcPct val="120000"/>
+              </a:lnSpc>
+              <a:spcBef>
+                <a:spcPts val="0"/>
+              </a:spcBef>
+              <a:buNone/>
+            </a:pPr>
+            <a:r>
+              <a:rPr lang="en-US" dirty="0"/>
+              <a:t>        self.layer1 = </a:t>
+            </a:r>
+            <a:r>
+              <a:rPr lang="en-US" dirty="0" err="1"/>
+              <a:t>nn.Sequential</a:t>
+            </a:r>
+            <a:r>
+              <a:rPr lang="en-US" dirty="0"/>
+              <a:t>(</a:t>
+            </a:r>
+          </a:p>
+          <a:p>
+            <a:pPr marL="0" indent="0">
+              <a:lnSpc>
+                <a:spcPct val="120000"/>
+              </a:lnSpc>
+              <a:spcBef>
+                <a:spcPts val="0"/>
+              </a:spcBef>
+              <a:buNone/>
+            </a:pPr>
+            <a:r>
+              <a:rPr lang="en-US" dirty="0"/>
+              <a:t>           nn.Conv2d(</a:t>
+            </a:r>
+            <a:r>
+              <a:rPr lang="en-US" dirty="0" err="1"/>
+              <a:t>in_channels</a:t>
+            </a:r>
+            <a:r>
+              <a:rPr lang="en-US" dirty="0"/>
+              <a:t>=3, </a:t>
+            </a:r>
+            <a:r>
+              <a:rPr lang="en-US" dirty="0" err="1"/>
+              <a:t>out_channels</a:t>
+            </a:r>
+            <a:r>
+              <a:rPr lang="en-US" dirty="0"/>
+              <a:t>=32, </a:t>
+            </a:r>
+            <a:r>
+              <a:rPr lang="en-US" dirty="0" err="1"/>
+              <a:t>kernel_size</a:t>
+            </a:r>
+            <a:r>
+              <a:rPr lang="en-US" dirty="0"/>
+              <a:t>=5, padding=2),</a:t>
+            </a:r>
+          </a:p>
+          <a:p>
+            <a:pPr marL="0" indent="0">
+              <a:lnSpc>
+                <a:spcPct val="120000"/>
+              </a:lnSpc>
+              <a:spcBef>
+                <a:spcPts val="0"/>
+              </a:spcBef>
+              <a:buNone/>
+            </a:pPr>
+            <a:r>
+              <a:rPr lang="en-US" dirty="0"/>
+              <a:t>            nn.BatchNorm2d(</a:t>
+            </a:r>
+            <a:r>
+              <a:rPr lang="en-US" dirty="0" err="1"/>
+              <a:t>num_features</a:t>
+            </a:r>
+            <a:r>
+              <a:rPr lang="en-US" dirty="0"/>
+              <a:t>=32),</a:t>
+            </a:r>
+          </a:p>
+          <a:p>
+            <a:pPr marL="0" indent="0">
+              <a:lnSpc>
+                <a:spcPct val="120000"/>
+              </a:lnSpc>
+              <a:spcBef>
+                <a:spcPts val="0"/>
+              </a:spcBef>
+              <a:buNone/>
+            </a:pPr>
+            <a:r>
+              <a:rPr lang="en-US" dirty="0"/>
+              <a:t>            </a:t>
+            </a:r>
+            <a:r>
+              <a:rPr lang="en-US" dirty="0" err="1"/>
+              <a:t>nn.ReLU</a:t>
+            </a:r>
+            <a:r>
+              <a:rPr lang="en-US" dirty="0"/>
+              <a:t>(),</a:t>
+            </a:r>
+          </a:p>
+          <a:p>
+            <a:pPr marL="0" indent="0">
+              <a:lnSpc>
+                <a:spcPct val="120000"/>
+              </a:lnSpc>
+              <a:spcBef>
+                <a:spcPts val="0"/>
+              </a:spcBef>
+              <a:buNone/>
+            </a:pPr>
+            <a:r>
+              <a:rPr lang="en-US" dirty="0"/>
+              <a:t>            nn.MaxPool2d(</a:t>
+            </a:r>
+            <a:r>
+              <a:rPr lang="en-US" dirty="0" err="1"/>
+              <a:t>kernel_size</a:t>
+            </a:r>
+            <a:r>
+              <a:rPr lang="en-US" dirty="0"/>
+              <a:t>=2, stride=2))</a:t>
+            </a:r>
+          </a:p>
+          <a:p>
+            <a:pPr marL="0" indent="0">
+              <a:lnSpc>
+                <a:spcPct val="120000"/>
+              </a:lnSpc>
+              <a:spcBef>
+                <a:spcPts val="0"/>
+              </a:spcBef>
+              <a:buNone/>
+            </a:pPr>
+            <a:r>
+              <a:rPr lang="en-US" dirty="0"/>
+              <a:t>self.layer2 = </a:t>
+            </a:r>
+            <a:r>
+              <a:rPr lang="en-US" dirty="0" err="1"/>
+              <a:t>nn.Sequential</a:t>
+            </a:r>
+            <a:r>
+              <a:rPr lang="en-US" dirty="0"/>
+              <a:t>(</a:t>
+            </a:r>
+          </a:p>
+          <a:p>
+            <a:pPr marL="0" indent="0">
+              <a:lnSpc>
+                <a:spcPct val="120000"/>
+              </a:lnSpc>
+              <a:spcBef>
+                <a:spcPts val="0"/>
+              </a:spcBef>
+              <a:buNone/>
+            </a:pPr>
+            <a:r>
+              <a:rPr lang="en-US" dirty="0"/>
+              <a:t>            nn.Conv2d(</a:t>
+            </a:r>
+            <a:r>
+              <a:rPr lang="en-US" dirty="0" err="1"/>
+              <a:t>in_channels</a:t>
+            </a:r>
+            <a:r>
+              <a:rPr lang="en-US" dirty="0"/>
+              <a:t>=32, </a:t>
+            </a:r>
+            <a:r>
+              <a:rPr lang="en-US" dirty="0" err="1"/>
+              <a:t>out_channels</a:t>
+            </a:r>
+            <a:r>
+              <a:rPr lang="en-US" dirty="0"/>
+              <a:t>=64, </a:t>
+            </a:r>
+            <a:r>
+              <a:rPr lang="en-US" dirty="0" err="1"/>
+              <a:t>kernel_size</a:t>
+            </a:r>
+            <a:r>
+              <a:rPr lang="en-US" dirty="0"/>
+              <a:t>=5, padding=2),</a:t>
+            </a:r>
+          </a:p>
+          <a:p>
+            <a:pPr marL="0" indent="0">
+              <a:lnSpc>
+                <a:spcPct val="120000"/>
+              </a:lnSpc>
+              <a:spcBef>
+                <a:spcPts val="0"/>
+              </a:spcBef>
+              <a:buNone/>
+            </a:pPr>
+            <a:r>
+              <a:rPr lang="en-US" dirty="0"/>
+              <a:t>            nn.BatchNorm2d(</a:t>
+            </a:r>
+            <a:r>
+              <a:rPr lang="en-US" dirty="0" err="1"/>
+              <a:t>num_features</a:t>
+            </a:r>
+            <a:r>
+              <a:rPr lang="en-US" dirty="0"/>
+              <a:t>=64),</a:t>
+            </a:r>
+          </a:p>
+          <a:p>
+            <a:pPr marL="0" indent="0">
+              <a:lnSpc>
+                <a:spcPct val="120000"/>
+              </a:lnSpc>
+              <a:spcBef>
+                <a:spcPts val="0"/>
+              </a:spcBef>
+              <a:buNone/>
+            </a:pPr>
+            <a:r>
+              <a:rPr lang="en-US" dirty="0"/>
+              <a:t>            </a:t>
+            </a:r>
+            <a:r>
+              <a:rPr lang="en-US" dirty="0" err="1"/>
+              <a:t>nn.ReLU</a:t>
+            </a:r>
+            <a:r>
+              <a:rPr lang="en-US" dirty="0"/>
+              <a:t>(),</a:t>
+            </a:r>
+          </a:p>
+          <a:p>
+            <a:pPr marL="0" indent="0">
+              <a:lnSpc>
+                <a:spcPct val="120000"/>
+              </a:lnSpc>
+              <a:spcBef>
+                <a:spcPts val="0"/>
+              </a:spcBef>
+              <a:buNone/>
+            </a:pPr>
+            <a:r>
+              <a:rPr lang="en-US" dirty="0"/>
+              <a:t>            nn.MaxPool2d(</a:t>
+            </a:r>
+            <a:r>
+              <a:rPr lang="en-US" dirty="0" err="1"/>
+              <a:t>kernel_size</a:t>
+            </a:r>
+            <a:r>
+              <a:rPr lang="en-US" dirty="0"/>
+              <a:t>=2, stride=2))</a:t>
+            </a:r>
+          </a:p>
+          <a:p>
+            <a:pPr marL="0" indent="0">
+              <a:lnSpc>
+                <a:spcPct val="120000"/>
+              </a:lnSpc>
+              <a:spcBef>
+                <a:spcPts val="0"/>
+              </a:spcBef>
+              <a:buNone/>
+            </a:pPr>
+            <a:r>
+              <a:rPr lang="en-US" dirty="0" err="1"/>
+              <a:t>self.fc</a:t>
+            </a:r>
+            <a:r>
+              <a:rPr lang="en-US" dirty="0"/>
+              <a:t> = </a:t>
+            </a:r>
+            <a:r>
+              <a:rPr lang="en-US" dirty="0" err="1"/>
+              <a:t>nn.Linear</a:t>
+            </a:r>
+            <a:r>
+              <a:rPr lang="en-US" dirty="0"/>
+              <a:t>(</a:t>
+            </a:r>
+            <a:r>
+              <a:rPr lang="en-US" dirty="0" err="1"/>
+              <a:t>in_features</a:t>
+            </a:r>
+            <a:r>
+              <a:rPr lang="en-US" dirty="0"/>
+              <a:t>=40000, </a:t>
+            </a:r>
+            <a:r>
+              <a:rPr lang="en-US" dirty="0" err="1"/>
+              <a:t>out_features</a:t>
+            </a:r>
+            <a:r>
+              <a:rPr lang="en-US" dirty="0"/>
+              <a:t>=</a:t>
+            </a:r>
+            <a:r>
+              <a:rPr lang="en-US" dirty="0" err="1"/>
+              <a:t>num_classes</a:t>
+            </a:r>
+            <a:r>
+              <a:rPr lang="en-US" dirty="0"/>
+              <a:t>)</a:t>
+            </a:r>
+          </a:p>
+        </p:txBody>
+      </p:sp>
+    </p:spTree>
+    <p:extLst>
+      <p:ext uri="{BB962C8B-B14F-4D97-AF65-F5344CB8AC3E}">
+        <p14:creationId xmlns:p14="http://schemas.microsoft.com/office/powerpoint/2010/main" val="2338029045"/>
+      </p:ext>
+    </p:extLst>
+  </p:cSld>
+  <p:clrMapOvr>
+    <a:masterClrMapping/>
+  </p:clrMapOvr>
+</p:sld>
+</file>
+
+<file path=ppt/slides/slide7.xml><?xml version="1.0" encoding="utf-8"?>
+<p:sld xmlns:a="http://schemas.openxmlformats.org/drawingml/2006/main" xmlns:r="http://schemas.openxmlformats.org/officeDocument/2006/relationships" xmlns:p="http://schemas.openxmlformats.org/presentationml/2006/main">
+  <p:cSld>
+    <p:spTree>
+      <p:nvGrpSpPr>
+        <p:cNvPr id="1" name=""/>
+        <p:cNvGrpSpPr/>
+        <p:nvPr/>
+      </p:nvGrpSpPr>
+      <p:grpSpPr>
+        <a:xfrm>
+          <a:off x="0" y="0"/>
+          <a:ext cx="0" cy="0"/>
+          <a:chOff x="0" y="0"/>
+          <a:chExt cx="0" cy="0"/>
+        </a:xfrm>
+      </p:grpSpPr>
+      <p:sp>
+        <p:nvSpPr>
+          <p:cNvPr id="2" name="Title 1">
+            <a:extLst>
+              <a:ext uri="{FF2B5EF4-FFF2-40B4-BE49-F238E27FC236}">
+                <a16:creationId xmlns:a16="http://schemas.microsoft.com/office/drawing/2014/main" id="{17A2265B-A4F2-42E0-858B-13D056CC899C}"/>
+              </a:ext>
+            </a:extLst>
+          </p:cNvPr>
+          <p:cNvSpPr>
+            <a:spLocks noGrp="1"/>
+          </p:cNvSpPr>
+          <p:nvPr>
+            <p:ph type="title"/>
+          </p:nvPr>
+        </p:nvSpPr>
+        <p:spPr/>
+        <p:txBody>
+          <a:bodyPr/>
+          <a:lstStyle/>
+          <a:p>
+            <a:r>
+              <a:rPr lang="en-US" dirty="0"/>
+              <a:t>Results</a:t>
+            </a:r>
+          </a:p>
+        </p:txBody>
+      </p:sp>
+      <p:pic>
+        <p:nvPicPr>
+          <p:cNvPr id="6" name="Picture 5">
+            <a:extLst>
+              <a:ext uri="{FF2B5EF4-FFF2-40B4-BE49-F238E27FC236}">
+                <a16:creationId xmlns:a16="http://schemas.microsoft.com/office/drawing/2014/main" id="{16CAE3F6-EFD3-4FA6-B25A-AC766F0BCE6D}"/>
+              </a:ext>
+            </a:extLst>
+          </p:cNvPr>
+          <p:cNvPicPr>
+            <a:picLocks noChangeAspect="1"/>
+          </p:cNvPicPr>
+          <p:nvPr/>
+        </p:nvPicPr>
+        <p:blipFill rotWithShape="1">
+          <a:blip r:embed="rId2"/>
+          <a:srcRect l="23546" t="18605" r="19157" b="53333"/>
+          <a:stretch/>
+        </p:blipFill>
+        <p:spPr>
+          <a:xfrm>
+            <a:off x="1203954" y="1418229"/>
+            <a:ext cx="9784092" cy="2695465"/>
+          </a:xfrm>
+          <a:prstGeom prst="rect">
+            <a:avLst/>
+          </a:prstGeom>
+        </p:spPr>
+      </p:pic>
+      <p:pic>
+        <p:nvPicPr>
+          <p:cNvPr id="7" name="Picture 6">
+            <a:extLst>
+              <a:ext uri="{FF2B5EF4-FFF2-40B4-BE49-F238E27FC236}">
+                <a16:creationId xmlns:a16="http://schemas.microsoft.com/office/drawing/2014/main" id="{532DD904-0959-4E3A-A66B-958421055445}"/>
+              </a:ext>
+            </a:extLst>
+          </p:cNvPr>
+          <p:cNvPicPr>
+            <a:picLocks noChangeAspect="1"/>
+          </p:cNvPicPr>
+          <p:nvPr/>
+        </p:nvPicPr>
+        <p:blipFill rotWithShape="1">
+          <a:blip r:embed="rId2"/>
+          <a:srcRect l="23546" t="57107" r="19157" b="12713"/>
+          <a:stretch/>
+        </p:blipFill>
+        <p:spPr>
+          <a:xfrm>
+            <a:off x="1630325" y="3979347"/>
+            <a:ext cx="8540907" cy="2530549"/>
+          </a:xfrm>
+          <a:prstGeom prst="rect">
+            <a:avLst/>
+          </a:prstGeom>
+        </p:spPr>
+      </p:pic>
+    </p:spTree>
+    <p:extLst>
+      <p:ext uri="{BB962C8B-B14F-4D97-AF65-F5344CB8AC3E}">
+        <p14:creationId xmlns:p14="http://schemas.microsoft.com/office/powerpoint/2010/main" val="930668667"/>
+      </p:ext>
+    </p:extLst>
+  </p:cSld>
+  <p:clrMapOvr>
+    <a:masterClrMapping/>
+  </p:clrMapOvr>
+</p:sld>
+</file>
+
+<file path=ppt/slides/slide8.xml><?xml version="1.0" encoding="utf-8"?>
+<p:sld xmlns:a="http://schemas.openxmlformats.org/drawingml/2006/main" xmlns:r="http://schemas.openxmlformats.org/officeDocument/2006/relationships" xmlns:p="http://schemas.openxmlformats.org/presentationml/2006/main">
+  <p:cSld>
+    <p:spTree>
+      <p:nvGrpSpPr>
+        <p:cNvPr id="1" name=""/>
+        <p:cNvGrpSpPr/>
+        <p:nvPr/>
+      </p:nvGrpSpPr>
+      <p:grpSpPr>
+        <a:xfrm>
+          <a:off x="0" y="0"/>
+          <a:ext cx="0" cy="0"/>
+          <a:chOff x="0" y="0"/>
+          <a:chExt cx="0" cy="0"/>
+        </a:xfrm>
+      </p:grpSpPr>
+      <p:sp>
+        <p:nvSpPr>
+          <p:cNvPr id="2" name="Title 1">
+            <a:extLst>
+              <a:ext uri="{FF2B5EF4-FFF2-40B4-BE49-F238E27FC236}">
+                <a16:creationId xmlns:a16="http://schemas.microsoft.com/office/drawing/2014/main" id="{17A2265B-A4F2-42E0-858B-13D056CC899C}"/>
+              </a:ext>
+            </a:extLst>
+          </p:cNvPr>
+          <p:cNvSpPr>
+            <a:spLocks noGrp="1"/>
+          </p:cNvSpPr>
+          <p:nvPr>
+            <p:ph type="title"/>
+          </p:nvPr>
+        </p:nvSpPr>
+        <p:spPr/>
+        <p:txBody>
+          <a:bodyPr/>
+          <a:lstStyle/>
+          <a:p>
+            <a:r>
+              <a:rPr lang="en-US" dirty="0"/>
+              <a:t>Training Loss</a:t>
+            </a:r>
+          </a:p>
+        </p:txBody>
+      </p:sp>
+    </p:spTree>
+    <p:extLst>
+      <p:ext uri="{BB962C8B-B14F-4D97-AF65-F5344CB8AC3E}">
+        <p14:creationId xmlns:p14="http://schemas.microsoft.com/office/powerpoint/2010/main" val="3523901513"/>
+      </p:ext>
+    </p:extLst>
+  </p:cSld>
+  <p:clrMapOvr>
+    <a:masterClrMapping/>
+  </p:clrMapOvr>
+</p:sld>
+</file>
+
+<file path=ppt/slides/slide9.xml><?xml version="1.0" encoding="utf-8"?>
+<p:sld xmlns:a="http://schemas.openxmlformats.org/drawingml/2006/main" xmlns:r="http://schemas.openxmlformats.org/officeDocument/2006/relationships" xmlns:p="http://schemas.openxmlformats.org/presentationml/2006/main">
+  <p:cSld>
+    <p:spTree>
+      <p:nvGrpSpPr>
+        <p:cNvPr id="1" name=""/>
+        <p:cNvGrpSpPr/>
+        <p:nvPr/>
+      </p:nvGrpSpPr>
+      <p:grpSpPr>
+        <a:xfrm>
+          <a:off x="0" y="0"/>
+          <a:ext cx="0" cy="0"/>
+          <a:chOff x="0" y="0"/>
+          <a:chExt cx="0" cy="0"/>
+        </a:xfrm>
+      </p:grpSpPr>
+      <p:sp>
+        <p:nvSpPr>
+          <p:cNvPr id="2" name="Title 1">
+            <a:extLst>
+              <a:ext uri="{FF2B5EF4-FFF2-40B4-BE49-F238E27FC236}">
+                <a16:creationId xmlns:a16="http://schemas.microsoft.com/office/drawing/2014/main" id="{17A2265B-A4F2-42E0-858B-13D056CC899C}"/>
+              </a:ext>
+            </a:extLst>
+          </p:cNvPr>
+          <p:cNvSpPr>
+            <a:spLocks noGrp="1"/>
+          </p:cNvSpPr>
+          <p:nvPr>
+            <p:ph type="title"/>
+          </p:nvPr>
+        </p:nvSpPr>
+        <p:spPr/>
+        <p:txBody>
+          <a:bodyPr/>
+          <a:lstStyle/>
+          <a:p>
+            <a:r>
+              <a:rPr lang="en-US" dirty="0"/>
+              <a:t>Can You Tell the Difference?</a:t>
+            </a:r>
+          </a:p>
+        </p:txBody>
+      </p:sp>
+      <p:pic>
+        <p:nvPicPr>
+          <p:cNvPr id="4" name="Picture 3">
+            <a:extLst>
+              <a:ext uri="{FF2B5EF4-FFF2-40B4-BE49-F238E27FC236}">
+                <a16:creationId xmlns:a16="http://schemas.microsoft.com/office/drawing/2014/main" id="{86581660-D788-4040-A688-1278C82859D2}"/>
+              </a:ext>
+            </a:extLst>
+          </p:cNvPr>
+          <p:cNvPicPr>
+            <a:picLocks noChangeAspect="1"/>
+          </p:cNvPicPr>
+          <p:nvPr/>
+        </p:nvPicPr>
+        <p:blipFill rotWithShape="1">
+          <a:blip r:embed="rId2"/>
+          <a:srcRect l="3920" t="9109" r="4220" b="5038"/>
+          <a:stretch/>
+        </p:blipFill>
+        <p:spPr>
+          <a:xfrm>
+            <a:off x="2488019" y="1456661"/>
+            <a:ext cx="6719776" cy="4710223"/>
+          </a:xfrm>
+          <a:prstGeom prst="rect">
+            <a:avLst/>
+          </a:prstGeom>
+        </p:spPr>
+      </p:pic>
+    </p:spTree>
+    <p:extLst>
+      <p:ext uri="{BB962C8B-B14F-4D97-AF65-F5344CB8AC3E}">
+        <p14:creationId xmlns:p14="http://schemas.microsoft.com/office/powerpoint/2010/main" val="3307328347"/>
+      </p:ext>
+    </p:extLst>
+  </p:cSld>
+  <p:clrMapOvr>
+    <a:masterClrMapping/>
+  </p:clrMapOvr>
+</p:sld>
+</file>
+
 <file path=ppt/theme/theme1.xml><?xml version="1.0" encoding="utf-8"?>
 <a:theme xmlns:a="http://schemas.openxmlformats.org/drawingml/2006/main" name="Office Theme">
   <a:themeElements>

--- a/Final-Group-Presentation/Group4ProjectPresentation.pptx
+++ b/Final-Group-Presentation/Group4ProjectPresentation.pptx
@@ -10,11 +10,12 @@
     <p:sldId id="258" r:id="rId4"/>
     <p:sldId id="259" r:id="rId5"/>
     <p:sldId id="260" r:id="rId6"/>
-    <p:sldId id="261" r:id="rId7"/>
-    <p:sldId id="262" r:id="rId8"/>
+    <p:sldId id="266" r:id="rId7"/>
+    <p:sldId id="261" r:id="rId8"/>
     <p:sldId id="265" r:id="rId9"/>
-    <p:sldId id="263" r:id="rId10"/>
-    <p:sldId id="264" r:id="rId11"/>
+    <p:sldId id="262" r:id="rId10"/>
+    <p:sldId id="263" r:id="rId11"/>
+    <p:sldId id="264" r:id="rId12"/>
   </p:sldIdLst>
   <p:sldSz cx="12192000" cy="6858000"/>
   <p:notesSz cx="6858000" cy="9144000"/>
@@ -3444,6 +3445,93 @@
           <a:p>
             <a:r>
               <a:rPr lang="en-US" dirty="0"/>
+              <a:t>Can You Tell the Difference?</a:t>
+            </a:r>
+          </a:p>
+        </p:txBody>
+      </p:sp>
+      <p:pic>
+        <p:nvPicPr>
+          <p:cNvPr id="4" name="Picture 3">
+            <a:extLst>
+              <a:ext uri="{FF2B5EF4-FFF2-40B4-BE49-F238E27FC236}">
+                <a16:creationId xmlns:a16="http://schemas.microsoft.com/office/drawing/2014/main" id="{86581660-D788-4040-A688-1278C82859D2}"/>
+              </a:ext>
+            </a:extLst>
+          </p:cNvPr>
+          <p:cNvPicPr>
+            <a:picLocks noChangeAspect="1"/>
+          </p:cNvPicPr>
+          <p:nvPr/>
+        </p:nvPicPr>
+        <p:blipFill rotWithShape="1">
+          <a:blip r:embed="rId2"/>
+          <a:srcRect l="3920" t="9109" r="4220" b="5038"/>
+          <a:stretch/>
+        </p:blipFill>
+        <p:spPr>
+          <a:xfrm>
+            <a:off x="2488019" y="1456661"/>
+            <a:ext cx="6719776" cy="4710223"/>
+          </a:xfrm>
+          <a:prstGeom prst="rect">
+            <a:avLst/>
+          </a:prstGeom>
+        </p:spPr>
+      </p:pic>
+    </p:spTree>
+    <p:extLst>
+      <p:ext uri="{BB962C8B-B14F-4D97-AF65-F5344CB8AC3E}">
+        <p14:creationId xmlns:p14="http://schemas.microsoft.com/office/powerpoint/2010/main" val="3307328347"/>
+      </p:ext>
+    </p:extLst>
+  </p:cSld>
+  <p:clrMapOvr>
+    <a:masterClrMapping/>
+  </p:clrMapOvr>
+</p:sld>
+</file>
+
+<file path=ppt/slides/slide11.xml><?xml version="1.0" encoding="utf-8"?>
+<p:sld xmlns:a="http://schemas.openxmlformats.org/drawingml/2006/main" xmlns:r="http://schemas.openxmlformats.org/officeDocument/2006/relationships" xmlns:p="http://schemas.openxmlformats.org/presentationml/2006/main">
+  <p:cSld>
+    <p:spTree>
+      <p:nvGrpSpPr>
+        <p:cNvPr id="1" name=""/>
+        <p:cNvGrpSpPr/>
+        <p:nvPr/>
+      </p:nvGrpSpPr>
+      <p:grpSpPr>
+        <a:xfrm>
+          <a:off x="0" y="0"/>
+          <a:ext cx="0" cy="0"/>
+          <a:chOff x="0" y="0"/>
+          <a:chExt cx="0" cy="0"/>
+        </a:xfrm>
+      </p:grpSpPr>
+      <p:sp>
+        <p:nvSpPr>
+          <p:cNvPr id="2" name="Title 1">
+            <a:extLst>
+              <a:ext uri="{FF2B5EF4-FFF2-40B4-BE49-F238E27FC236}">
+                <a16:creationId xmlns:a16="http://schemas.microsoft.com/office/drawing/2014/main" id="{17A2265B-A4F2-42E0-858B-13D056CC899C}"/>
+              </a:ext>
+            </a:extLst>
+          </p:cNvPr>
+          <p:cNvSpPr>
+            <a:spLocks noGrp="1"/>
+          </p:cNvSpPr>
+          <p:nvPr>
+            <p:ph type="title"/>
+          </p:nvPr>
+        </p:nvSpPr>
+        <p:spPr/>
+        <p:txBody>
+          <a:bodyPr/>
+          <a:lstStyle/>
+          <a:p>
+            <a:r>
+              <a:rPr lang="en-US" dirty="0"/>
               <a:t>Questions</a:t>
             </a:r>
           </a:p>
@@ -3680,13 +3768,8 @@
           <a:p>
             <a:r>
               <a:rPr lang="en-US" dirty="0"/>
-              <a:t>Deep Learning could aid in the inspection with higher rates of </a:t>
-            </a:r>
-            <a:r>
-              <a:rPr lang="en-US" dirty="0" err="1"/>
-              <a:t>inpsection</a:t>
-            </a:r>
-            <a:endParaRPr lang="en-US" dirty="0"/>
+              <a:t>Deep Learning could aid in the inspection with higher rates of inspection</a:t>
+            </a:r>
           </a:p>
         </p:txBody>
       </p:sp>
@@ -3961,7 +4044,7 @@
           <a:p>
             <a:r>
               <a:rPr lang="en-US" dirty="0"/>
-              <a:t>Code</a:t>
+              <a:t>Network</a:t>
             </a:r>
           </a:p>
         </p:txBody>
@@ -3984,390 +4067,42 @@
         </p:nvSpPr>
         <p:spPr/>
         <p:txBody>
-          <a:bodyPr>
-            <a:normAutofit fontScale="62500" lnSpcReduction="20000"/>
-          </a:bodyPr>
-          <a:lstStyle/>
-          <a:p>
-            <a:pPr marL="0" indent="0">
-              <a:lnSpc>
-                <a:spcPct val="120000"/>
-              </a:lnSpc>
-              <a:spcBef>
-                <a:spcPts val="0"/>
-              </a:spcBef>
-              <a:buNone/>
-            </a:pPr>
-            <a:r>
-              <a:rPr lang="en-US" dirty="0"/>
-              <a:t>class CNN(</a:t>
+          <a:bodyPr/>
+          <a:lstStyle/>
+          <a:p>
+            <a:r>
+              <a:rPr lang="en-US" dirty="0"/>
+              <a:t>2-dimension architecture</a:t>
+            </a:r>
+          </a:p>
+          <a:p>
+            <a:r>
+              <a:rPr lang="en-US" dirty="0"/>
+              <a:t>BatchNorm2D</a:t>
+            </a:r>
+          </a:p>
+          <a:p>
+            <a:r>
+              <a:rPr lang="en-US" dirty="0"/>
+              <a:t>Non-linear activation function – </a:t>
             </a:r>
             <a:r>
               <a:rPr lang="en-US" dirty="0" err="1"/>
-              <a:t>nn.Module</a:t>
-            </a:r>
-            <a:r>
-              <a:rPr lang="en-US" dirty="0"/>
-              <a:t>):</a:t>
-            </a:r>
-          </a:p>
-          <a:p>
-            <a:pPr marL="0" indent="0">
-              <a:lnSpc>
-                <a:spcPct val="120000"/>
-              </a:lnSpc>
-              <a:spcBef>
-                <a:spcPts val="0"/>
-              </a:spcBef>
-              <a:buNone/>
-            </a:pPr>
-            <a:r>
-              <a:rPr lang="en-US" dirty="0"/>
-              <a:t>    def __</a:t>
-            </a:r>
-            <a:r>
-              <a:rPr lang="en-US" dirty="0" err="1"/>
-              <a:t>init</a:t>
-            </a:r>
-            <a:r>
-              <a:rPr lang="en-US" dirty="0"/>
-              <a:t>__(self):</a:t>
-            </a:r>
-          </a:p>
-          <a:p>
-            <a:pPr marL="0" indent="0">
-              <a:lnSpc>
-                <a:spcPct val="120000"/>
-              </a:lnSpc>
-              <a:spcBef>
-                <a:spcPts val="0"/>
-              </a:spcBef>
-              <a:buNone/>
-            </a:pPr>
-            <a:r>
-              <a:rPr lang="en-US" dirty="0"/>
-              <a:t>        super(CNN, self).__</a:t>
-            </a:r>
-            <a:r>
-              <a:rPr lang="en-US" dirty="0" err="1"/>
-              <a:t>init</a:t>
-            </a:r>
-            <a:r>
-              <a:rPr lang="en-US" dirty="0"/>
-              <a:t>__()</a:t>
-            </a:r>
-          </a:p>
-          <a:p>
-            <a:pPr marL="0" indent="0">
-              <a:lnSpc>
-                <a:spcPct val="120000"/>
-              </a:lnSpc>
-              <a:spcBef>
-                <a:spcPts val="0"/>
-              </a:spcBef>
-              <a:buNone/>
-            </a:pPr>
-            <a:r>
-              <a:rPr lang="en-US" dirty="0"/>
-              <a:t>        self.layer1 = </a:t>
-            </a:r>
-            <a:r>
-              <a:rPr lang="en-US" dirty="0" err="1"/>
-              <a:t>nn.Sequential</a:t>
-            </a:r>
-            <a:r>
-              <a:rPr lang="en-US" dirty="0"/>
-              <a:t>(</a:t>
-            </a:r>
-          </a:p>
-          <a:p>
-            <a:pPr marL="0" indent="0">
-              <a:lnSpc>
-                <a:spcPct val="120000"/>
-              </a:lnSpc>
-              <a:spcBef>
-                <a:spcPts val="0"/>
-              </a:spcBef>
-              <a:buNone/>
-            </a:pPr>
-            <a:r>
-              <a:rPr lang="en-US" dirty="0"/>
-              <a:t>           nn.Conv2d(</a:t>
-            </a:r>
-            <a:r>
-              <a:rPr lang="en-US" dirty="0" err="1"/>
-              <a:t>in_channels</a:t>
-            </a:r>
-            <a:r>
-              <a:rPr lang="en-US" dirty="0"/>
-              <a:t>=3, </a:t>
-            </a:r>
-            <a:r>
-              <a:rPr lang="en-US" dirty="0" err="1"/>
-              <a:t>out_channels</a:t>
-            </a:r>
-            <a:r>
-              <a:rPr lang="en-US" dirty="0"/>
-              <a:t>=32, </a:t>
-            </a:r>
-            <a:r>
-              <a:rPr lang="en-US" dirty="0" err="1"/>
-              <a:t>kernel_size</a:t>
-            </a:r>
-            <a:r>
-              <a:rPr lang="en-US" dirty="0"/>
-              <a:t>=5, padding=2),</a:t>
-            </a:r>
-          </a:p>
-          <a:p>
-            <a:pPr marL="0" indent="0">
-              <a:lnSpc>
-                <a:spcPct val="120000"/>
-              </a:lnSpc>
-              <a:spcBef>
-                <a:spcPts val="0"/>
-              </a:spcBef>
-              <a:buNone/>
-            </a:pPr>
-            <a:r>
-              <a:rPr lang="en-US" dirty="0"/>
-              <a:t>            nn.BatchNorm2d(</a:t>
-            </a:r>
-            <a:r>
-              <a:rPr lang="en-US" dirty="0" err="1"/>
-              <a:t>num_features</a:t>
-            </a:r>
-            <a:r>
-              <a:rPr lang="en-US" dirty="0"/>
-              <a:t>=32),</a:t>
-            </a:r>
-          </a:p>
-          <a:p>
-            <a:pPr marL="0" indent="0">
-              <a:lnSpc>
-                <a:spcPct val="120000"/>
-              </a:lnSpc>
-              <a:spcBef>
-                <a:spcPts val="0"/>
-              </a:spcBef>
-              <a:buNone/>
-            </a:pPr>
-            <a:r>
-              <a:rPr lang="en-US" dirty="0"/>
-              <a:t>            </a:t>
-            </a:r>
-            <a:r>
-              <a:rPr lang="en-US" dirty="0" err="1"/>
-              <a:t>nn.ReLU</a:t>
-            </a:r>
-            <a:r>
-              <a:rPr lang="en-US" dirty="0"/>
-              <a:t>(),</a:t>
-            </a:r>
-          </a:p>
-          <a:p>
-            <a:pPr marL="0" indent="0">
-              <a:lnSpc>
-                <a:spcPct val="120000"/>
-              </a:lnSpc>
-              <a:spcBef>
-                <a:spcPts val="0"/>
-              </a:spcBef>
-              <a:buNone/>
-            </a:pPr>
-            <a:r>
-              <a:rPr lang="en-US" dirty="0"/>
-              <a:t>            nn.MaxPool2d(</a:t>
-            </a:r>
-            <a:r>
-              <a:rPr lang="en-US" dirty="0" err="1"/>
-              <a:t>kernel_size</a:t>
-            </a:r>
-            <a:r>
-              <a:rPr lang="en-US" dirty="0"/>
-              <a:t>=2, stride=2))</a:t>
-            </a:r>
-          </a:p>
-          <a:p>
-            <a:pPr marL="0" indent="0">
-              <a:lnSpc>
-                <a:spcPct val="120000"/>
-              </a:lnSpc>
-              <a:spcBef>
-                <a:spcPts val="0"/>
-              </a:spcBef>
-              <a:buNone/>
-            </a:pPr>
-            <a:r>
-              <a:rPr lang="en-US" dirty="0"/>
-              <a:t>self.layer2 = </a:t>
-            </a:r>
-            <a:r>
-              <a:rPr lang="en-US" dirty="0" err="1"/>
-              <a:t>nn.Sequential</a:t>
-            </a:r>
-            <a:r>
-              <a:rPr lang="en-US" dirty="0"/>
-              <a:t>(</a:t>
-            </a:r>
-          </a:p>
-          <a:p>
-            <a:pPr marL="0" indent="0">
-              <a:lnSpc>
-                <a:spcPct val="120000"/>
-              </a:lnSpc>
-              <a:spcBef>
-                <a:spcPts val="0"/>
-              </a:spcBef>
-              <a:buNone/>
-            </a:pPr>
-            <a:r>
-              <a:rPr lang="en-US" dirty="0"/>
-              <a:t>            nn.Conv2d(</a:t>
-            </a:r>
-            <a:r>
-              <a:rPr lang="en-US" dirty="0" err="1"/>
-              <a:t>in_channels</a:t>
-            </a:r>
-            <a:r>
-              <a:rPr lang="en-US" dirty="0"/>
-              <a:t>=32, </a:t>
-            </a:r>
-            <a:r>
-              <a:rPr lang="en-US" dirty="0" err="1"/>
-              <a:t>out_channels</a:t>
-            </a:r>
-            <a:r>
-              <a:rPr lang="en-US" dirty="0"/>
-              <a:t>=64, </a:t>
-            </a:r>
-            <a:r>
-              <a:rPr lang="en-US" dirty="0" err="1"/>
-              <a:t>kernel_size</a:t>
-            </a:r>
-            <a:r>
-              <a:rPr lang="en-US" dirty="0"/>
-              <a:t>=5, padding=2),</a:t>
-            </a:r>
-          </a:p>
-          <a:p>
-            <a:pPr marL="0" indent="0">
-              <a:lnSpc>
-                <a:spcPct val="120000"/>
-              </a:lnSpc>
-              <a:spcBef>
-                <a:spcPts val="0"/>
-              </a:spcBef>
-              <a:buNone/>
-            </a:pPr>
-            <a:r>
-              <a:rPr lang="en-US" dirty="0"/>
-              <a:t>            nn.BatchNorm2d(</a:t>
-            </a:r>
-            <a:r>
-              <a:rPr lang="en-US" dirty="0" err="1"/>
-              <a:t>num_features</a:t>
-            </a:r>
-            <a:r>
-              <a:rPr lang="en-US" dirty="0"/>
-              <a:t>=64),</a:t>
-            </a:r>
-          </a:p>
-          <a:p>
-            <a:pPr marL="0" indent="0">
-              <a:lnSpc>
-                <a:spcPct val="120000"/>
-              </a:lnSpc>
-              <a:spcBef>
-                <a:spcPts val="0"/>
-              </a:spcBef>
-              <a:buNone/>
-            </a:pPr>
-            <a:r>
-              <a:rPr lang="en-US" dirty="0"/>
-              <a:t>            </a:t>
-            </a:r>
-            <a:r>
-              <a:rPr lang="en-US" dirty="0" err="1"/>
-              <a:t>nn.ReLU</a:t>
-            </a:r>
-            <a:r>
-              <a:rPr lang="en-US" dirty="0"/>
-              <a:t>(),</a:t>
-            </a:r>
-          </a:p>
-          <a:p>
-            <a:pPr marL="0" indent="0">
-              <a:lnSpc>
-                <a:spcPct val="120000"/>
-              </a:lnSpc>
-              <a:spcBef>
-                <a:spcPts val="0"/>
-              </a:spcBef>
-              <a:buNone/>
-            </a:pPr>
-            <a:r>
-              <a:rPr lang="en-US" dirty="0"/>
-              <a:t>            nn.MaxPool2d(</a:t>
-            </a:r>
-            <a:r>
-              <a:rPr lang="en-US" dirty="0" err="1"/>
-              <a:t>kernel_size</a:t>
-            </a:r>
-            <a:r>
-              <a:rPr lang="en-US" dirty="0"/>
-              <a:t>=2, stride=2))</a:t>
-            </a:r>
-          </a:p>
-          <a:p>
-            <a:pPr marL="0" indent="0">
-              <a:lnSpc>
-                <a:spcPct val="120000"/>
-              </a:lnSpc>
-              <a:spcBef>
-                <a:spcPts val="0"/>
-              </a:spcBef>
-              <a:buNone/>
-            </a:pPr>
-            <a:r>
-              <a:rPr lang="en-US" dirty="0" err="1"/>
-              <a:t>self.fc</a:t>
-            </a:r>
-            <a:r>
-              <a:rPr lang="en-US" dirty="0"/>
-              <a:t> = </a:t>
-            </a:r>
-            <a:r>
-              <a:rPr lang="en-US" dirty="0" err="1"/>
-              <a:t>nn.Linear</a:t>
-            </a:r>
-            <a:r>
-              <a:rPr lang="en-US" dirty="0"/>
-              <a:t>(</a:t>
-            </a:r>
-            <a:r>
-              <a:rPr lang="en-US" dirty="0" err="1"/>
-              <a:t>in_features</a:t>
-            </a:r>
-            <a:r>
-              <a:rPr lang="en-US" dirty="0"/>
-              <a:t>=40000, </a:t>
-            </a:r>
-            <a:r>
-              <a:rPr lang="en-US" dirty="0" err="1"/>
-              <a:t>out_features</a:t>
-            </a:r>
-            <a:r>
-              <a:rPr lang="en-US" dirty="0"/>
-              <a:t>=</a:t>
-            </a:r>
-            <a:r>
-              <a:rPr lang="en-US" dirty="0" err="1"/>
-              <a:t>num_classes</a:t>
-            </a:r>
-            <a:r>
-              <a:rPr lang="en-US" dirty="0"/>
-              <a:t>)</a:t>
+              <a:t>ReLU</a:t>
+            </a:r>
+            <a:endParaRPr lang="en-US" dirty="0"/>
+          </a:p>
+          <a:p>
+            <a:r>
+              <a:rPr lang="en-US" dirty="0"/>
+              <a:t>ADAM optimizer</a:t>
+            </a:r>
+          </a:p>
+          <a:p>
+            <a:pPr lvl="1"/>
+            <a:r>
+              <a:rPr lang="en-US" dirty="0"/>
+              <a:t>Computes individual learning rates for different parameters </a:t>
             </a:r>
           </a:p>
         </p:txBody>
@@ -4375,7 +4110,7 @@
     </p:spTree>
     <p:extLst>
       <p:ext uri="{BB962C8B-B14F-4D97-AF65-F5344CB8AC3E}">
-        <p14:creationId xmlns:p14="http://schemas.microsoft.com/office/powerpoint/2010/main" val="2338029045"/>
+        <p14:creationId xmlns:p14="http://schemas.microsoft.com/office/powerpoint/2010/main" val="2784663178"/>
       </p:ext>
     </p:extLst>
   </p:cSld>
@@ -4425,73 +4160,421 @@
           <a:p>
             <a:r>
               <a:rPr lang="en-US" dirty="0"/>
-              <a:t>Results</a:t>
-            </a:r>
-          </a:p>
-        </p:txBody>
-      </p:sp>
-      <p:pic>
-        <p:nvPicPr>
-          <p:cNvPr id="6" name="Picture 5">
-            <a:extLst>
-              <a:ext uri="{FF2B5EF4-FFF2-40B4-BE49-F238E27FC236}">
-                <a16:creationId xmlns:a16="http://schemas.microsoft.com/office/drawing/2014/main" id="{16CAE3F6-EFD3-4FA6-B25A-AC766F0BCE6D}"/>
-              </a:ext>
-            </a:extLst>
-          </p:cNvPr>
-          <p:cNvPicPr>
-            <a:picLocks noChangeAspect="1"/>
-          </p:cNvPicPr>
-          <p:nvPr/>
-        </p:nvPicPr>
-        <p:blipFill rotWithShape="1">
-          <a:blip r:embed="rId2"/>
-          <a:srcRect l="23546" t="18605" r="19157" b="53333"/>
-          <a:stretch/>
-        </p:blipFill>
-        <p:spPr>
-          <a:xfrm>
-            <a:off x="1203954" y="1418229"/>
-            <a:ext cx="9784092" cy="2695465"/>
-          </a:xfrm>
-          <a:prstGeom prst="rect">
-            <a:avLst/>
-          </a:prstGeom>
-        </p:spPr>
-      </p:pic>
-      <p:pic>
-        <p:nvPicPr>
-          <p:cNvPr id="7" name="Picture 6">
-            <a:extLst>
-              <a:ext uri="{FF2B5EF4-FFF2-40B4-BE49-F238E27FC236}">
-                <a16:creationId xmlns:a16="http://schemas.microsoft.com/office/drawing/2014/main" id="{532DD904-0959-4E3A-A66B-958421055445}"/>
-              </a:ext>
-            </a:extLst>
-          </p:cNvPr>
-          <p:cNvPicPr>
-            <a:picLocks noChangeAspect="1"/>
-          </p:cNvPicPr>
-          <p:nvPr/>
-        </p:nvPicPr>
-        <p:blipFill rotWithShape="1">
-          <a:blip r:embed="rId2"/>
-          <a:srcRect l="23546" t="57107" r="19157" b="12713"/>
-          <a:stretch/>
-        </p:blipFill>
-        <p:spPr>
-          <a:xfrm>
-            <a:off x="1630325" y="3979347"/>
-            <a:ext cx="8540907" cy="2530549"/>
-          </a:xfrm>
-          <a:prstGeom prst="rect">
-            <a:avLst/>
-          </a:prstGeom>
-        </p:spPr>
-      </p:pic>
+              <a:t>Code</a:t>
+            </a:r>
+          </a:p>
+        </p:txBody>
+      </p:sp>
+      <p:sp>
+        <p:nvSpPr>
+          <p:cNvPr id="3" name="Content Placeholder 2">
+            <a:extLst>
+              <a:ext uri="{FF2B5EF4-FFF2-40B4-BE49-F238E27FC236}">
+                <a16:creationId xmlns:a16="http://schemas.microsoft.com/office/drawing/2014/main" id="{942E0C6F-D2A9-4FF0-AB48-8C2A008B8F54}"/>
+              </a:ext>
+            </a:extLst>
+          </p:cNvPr>
+          <p:cNvSpPr>
+            <a:spLocks noGrp="1"/>
+          </p:cNvSpPr>
+          <p:nvPr>
+            <p:ph idx="1"/>
+          </p:nvPr>
+        </p:nvSpPr>
+        <p:spPr/>
+        <p:txBody>
+          <a:bodyPr>
+            <a:normAutofit fontScale="62500" lnSpcReduction="20000"/>
+          </a:bodyPr>
+          <a:lstStyle/>
+          <a:p>
+            <a:pPr marL="0" indent="0">
+              <a:lnSpc>
+                <a:spcPct val="120000"/>
+              </a:lnSpc>
+              <a:spcBef>
+                <a:spcPts val="0"/>
+              </a:spcBef>
+              <a:buNone/>
+            </a:pPr>
+            <a:r>
+              <a:rPr lang="en-US" dirty="0"/>
+              <a:t>class CNN(</a:t>
+            </a:r>
+            <a:r>
+              <a:rPr lang="en-US" dirty="0" err="1"/>
+              <a:t>nn.Module</a:t>
+            </a:r>
+            <a:r>
+              <a:rPr lang="en-US" dirty="0"/>
+              <a:t>):</a:t>
+            </a:r>
+          </a:p>
+          <a:p>
+            <a:pPr marL="0" indent="0">
+              <a:lnSpc>
+                <a:spcPct val="120000"/>
+              </a:lnSpc>
+              <a:spcBef>
+                <a:spcPts val="0"/>
+              </a:spcBef>
+              <a:buNone/>
+            </a:pPr>
+            <a:r>
+              <a:rPr lang="en-US" dirty="0"/>
+              <a:t>    def __</a:t>
+            </a:r>
+            <a:r>
+              <a:rPr lang="en-US" dirty="0" err="1"/>
+              <a:t>init</a:t>
+            </a:r>
+            <a:r>
+              <a:rPr lang="en-US" dirty="0"/>
+              <a:t>__(self):</a:t>
+            </a:r>
+          </a:p>
+          <a:p>
+            <a:pPr marL="0" indent="0">
+              <a:lnSpc>
+                <a:spcPct val="120000"/>
+              </a:lnSpc>
+              <a:spcBef>
+                <a:spcPts val="0"/>
+              </a:spcBef>
+              <a:buNone/>
+            </a:pPr>
+            <a:r>
+              <a:rPr lang="en-US" dirty="0"/>
+              <a:t>        super(CNN, self).__</a:t>
+            </a:r>
+            <a:r>
+              <a:rPr lang="en-US" dirty="0" err="1"/>
+              <a:t>init</a:t>
+            </a:r>
+            <a:r>
+              <a:rPr lang="en-US" dirty="0"/>
+              <a:t>__()</a:t>
+            </a:r>
+          </a:p>
+          <a:p>
+            <a:pPr marL="0" indent="0">
+              <a:lnSpc>
+                <a:spcPct val="120000"/>
+              </a:lnSpc>
+              <a:spcBef>
+                <a:spcPts val="0"/>
+              </a:spcBef>
+              <a:buNone/>
+            </a:pPr>
+            <a:r>
+              <a:rPr lang="en-US" dirty="0"/>
+              <a:t>        self.layer1 = </a:t>
+            </a:r>
+            <a:r>
+              <a:rPr lang="en-US" dirty="0" err="1"/>
+              <a:t>nn.Sequential</a:t>
+            </a:r>
+            <a:r>
+              <a:rPr lang="en-US" dirty="0"/>
+              <a:t>(</a:t>
+            </a:r>
+          </a:p>
+          <a:p>
+            <a:pPr marL="0" indent="0">
+              <a:lnSpc>
+                <a:spcPct val="120000"/>
+              </a:lnSpc>
+              <a:spcBef>
+                <a:spcPts val="0"/>
+              </a:spcBef>
+              <a:buNone/>
+            </a:pPr>
+            <a:r>
+              <a:rPr lang="en-US" dirty="0"/>
+              <a:t>           nn.Conv2d(</a:t>
+            </a:r>
+            <a:r>
+              <a:rPr lang="en-US" dirty="0" err="1"/>
+              <a:t>in_channels</a:t>
+            </a:r>
+            <a:r>
+              <a:rPr lang="en-US" dirty="0"/>
+              <a:t>=3, </a:t>
+            </a:r>
+            <a:r>
+              <a:rPr lang="en-US" dirty="0" err="1"/>
+              <a:t>out_channels</a:t>
+            </a:r>
+            <a:r>
+              <a:rPr lang="en-US" dirty="0"/>
+              <a:t>=32, </a:t>
+            </a:r>
+            <a:r>
+              <a:rPr lang="en-US" dirty="0" err="1"/>
+              <a:t>kernel_size</a:t>
+            </a:r>
+            <a:r>
+              <a:rPr lang="en-US" dirty="0"/>
+              <a:t>=5, padding=2),</a:t>
+            </a:r>
+          </a:p>
+          <a:p>
+            <a:pPr marL="0" indent="0">
+              <a:lnSpc>
+                <a:spcPct val="120000"/>
+              </a:lnSpc>
+              <a:spcBef>
+                <a:spcPts val="0"/>
+              </a:spcBef>
+              <a:buNone/>
+            </a:pPr>
+            <a:r>
+              <a:rPr lang="en-US" dirty="0"/>
+              <a:t>            nn.BatchNorm2d(</a:t>
+            </a:r>
+            <a:r>
+              <a:rPr lang="en-US" dirty="0" err="1"/>
+              <a:t>num_features</a:t>
+            </a:r>
+            <a:r>
+              <a:rPr lang="en-US" dirty="0"/>
+              <a:t>=32),</a:t>
+            </a:r>
+          </a:p>
+          <a:p>
+            <a:pPr marL="0" indent="0">
+              <a:lnSpc>
+                <a:spcPct val="120000"/>
+              </a:lnSpc>
+              <a:spcBef>
+                <a:spcPts val="0"/>
+              </a:spcBef>
+              <a:buNone/>
+            </a:pPr>
+            <a:r>
+              <a:rPr lang="en-US" dirty="0"/>
+              <a:t>            </a:t>
+            </a:r>
+            <a:r>
+              <a:rPr lang="en-US" dirty="0" err="1"/>
+              <a:t>nn.ReLU</a:t>
+            </a:r>
+            <a:r>
+              <a:rPr lang="en-US" dirty="0"/>
+              <a:t>(),</a:t>
+            </a:r>
+          </a:p>
+          <a:p>
+            <a:pPr marL="0" indent="0">
+              <a:lnSpc>
+                <a:spcPct val="120000"/>
+              </a:lnSpc>
+              <a:spcBef>
+                <a:spcPts val="0"/>
+              </a:spcBef>
+              <a:buNone/>
+            </a:pPr>
+            <a:r>
+              <a:rPr lang="en-US" dirty="0"/>
+              <a:t>            nn.MaxPool2d(</a:t>
+            </a:r>
+            <a:r>
+              <a:rPr lang="en-US" dirty="0" err="1"/>
+              <a:t>kernel_size</a:t>
+            </a:r>
+            <a:r>
+              <a:rPr lang="en-US" dirty="0"/>
+              <a:t>=2, stride=2))</a:t>
+            </a:r>
+          </a:p>
+          <a:p>
+            <a:pPr marL="0" indent="0">
+              <a:lnSpc>
+                <a:spcPct val="120000"/>
+              </a:lnSpc>
+              <a:spcBef>
+                <a:spcPts val="0"/>
+              </a:spcBef>
+              <a:buNone/>
+            </a:pPr>
+            <a:r>
+              <a:rPr lang="en-US" dirty="0"/>
+              <a:t>self.layer2 = </a:t>
+            </a:r>
+            <a:r>
+              <a:rPr lang="en-US" dirty="0" err="1"/>
+              <a:t>nn.Sequential</a:t>
+            </a:r>
+            <a:r>
+              <a:rPr lang="en-US" dirty="0"/>
+              <a:t>(</a:t>
+            </a:r>
+          </a:p>
+          <a:p>
+            <a:pPr marL="0" indent="0">
+              <a:lnSpc>
+                <a:spcPct val="120000"/>
+              </a:lnSpc>
+              <a:spcBef>
+                <a:spcPts val="0"/>
+              </a:spcBef>
+              <a:buNone/>
+            </a:pPr>
+            <a:r>
+              <a:rPr lang="en-US" dirty="0"/>
+              <a:t>            nn.Conv2d(</a:t>
+            </a:r>
+            <a:r>
+              <a:rPr lang="en-US" dirty="0" err="1"/>
+              <a:t>in_channels</a:t>
+            </a:r>
+            <a:r>
+              <a:rPr lang="en-US" dirty="0"/>
+              <a:t>=32, </a:t>
+            </a:r>
+            <a:r>
+              <a:rPr lang="en-US" dirty="0" err="1"/>
+              <a:t>out_channels</a:t>
+            </a:r>
+            <a:r>
+              <a:rPr lang="en-US" dirty="0"/>
+              <a:t>=64, </a:t>
+            </a:r>
+            <a:r>
+              <a:rPr lang="en-US" dirty="0" err="1"/>
+              <a:t>kernel_size</a:t>
+            </a:r>
+            <a:r>
+              <a:rPr lang="en-US" dirty="0"/>
+              <a:t>=5, padding=2),</a:t>
+            </a:r>
+          </a:p>
+          <a:p>
+            <a:pPr marL="0" indent="0">
+              <a:lnSpc>
+                <a:spcPct val="120000"/>
+              </a:lnSpc>
+              <a:spcBef>
+                <a:spcPts val="0"/>
+              </a:spcBef>
+              <a:buNone/>
+            </a:pPr>
+            <a:r>
+              <a:rPr lang="en-US" dirty="0"/>
+              <a:t>            nn.BatchNorm2d(</a:t>
+            </a:r>
+            <a:r>
+              <a:rPr lang="en-US" dirty="0" err="1"/>
+              <a:t>num_features</a:t>
+            </a:r>
+            <a:r>
+              <a:rPr lang="en-US" dirty="0"/>
+              <a:t>=64),</a:t>
+            </a:r>
+          </a:p>
+          <a:p>
+            <a:pPr marL="0" indent="0">
+              <a:lnSpc>
+                <a:spcPct val="120000"/>
+              </a:lnSpc>
+              <a:spcBef>
+                <a:spcPts val="0"/>
+              </a:spcBef>
+              <a:buNone/>
+            </a:pPr>
+            <a:r>
+              <a:rPr lang="en-US" dirty="0"/>
+              <a:t>            </a:t>
+            </a:r>
+            <a:r>
+              <a:rPr lang="en-US" dirty="0" err="1"/>
+              <a:t>nn.ReLU</a:t>
+            </a:r>
+            <a:r>
+              <a:rPr lang="en-US" dirty="0"/>
+              <a:t>(),</a:t>
+            </a:r>
+          </a:p>
+          <a:p>
+            <a:pPr marL="0" indent="0">
+              <a:lnSpc>
+                <a:spcPct val="120000"/>
+              </a:lnSpc>
+              <a:spcBef>
+                <a:spcPts val="0"/>
+              </a:spcBef>
+              <a:buNone/>
+            </a:pPr>
+            <a:r>
+              <a:rPr lang="en-US" dirty="0"/>
+              <a:t>            nn.MaxPool2d(</a:t>
+            </a:r>
+            <a:r>
+              <a:rPr lang="en-US" dirty="0" err="1"/>
+              <a:t>kernel_size</a:t>
+            </a:r>
+            <a:r>
+              <a:rPr lang="en-US" dirty="0"/>
+              <a:t>=2, stride=2))</a:t>
+            </a:r>
+          </a:p>
+          <a:p>
+            <a:pPr marL="0" indent="0">
+              <a:lnSpc>
+                <a:spcPct val="120000"/>
+              </a:lnSpc>
+              <a:spcBef>
+                <a:spcPts val="0"/>
+              </a:spcBef>
+              <a:buNone/>
+            </a:pPr>
+            <a:r>
+              <a:rPr lang="en-US" dirty="0" err="1"/>
+              <a:t>self.fc</a:t>
+            </a:r>
+            <a:r>
+              <a:rPr lang="en-US" dirty="0"/>
+              <a:t> = </a:t>
+            </a:r>
+            <a:r>
+              <a:rPr lang="en-US" dirty="0" err="1"/>
+              <a:t>nn.Linear</a:t>
+            </a:r>
+            <a:r>
+              <a:rPr lang="en-US" dirty="0"/>
+              <a:t>(</a:t>
+            </a:r>
+            <a:r>
+              <a:rPr lang="en-US" dirty="0" err="1"/>
+              <a:t>in_features</a:t>
+            </a:r>
+            <a:r>
+              <a:rPr lang="en-US" dirty="0"/>
+              <a:t>=40000, </a:t>
+            </a:r>
+            <a:r>
+              <a:rPr lang="en-US" dirty="0" err="1"/>
+              <a:t>out_features</a:t>
+            </a:r>
+            <a:r>
+              <a:rPr lang="en-US" dirty="0"/>
+              <a:t>=</a:t>
+            </a:r>
+            <a:r>
+              <a:rPr lang="en-US" dirty="0" err="1"/>
+              <a:t>num_classes</a:t>
+            </a:r>
+            <a:r>
+              <a:rPr lang="en-US" dirty="0"/>
+              <a:t>)</a:t>
+            </a:r>
+          </a:p>
+        </p:txBody>
+      </p:sp>
     </p:spTree>
     <p:extLst>
       <p:ext uri="{BB962C8B-B14F-4D97-AF65-F5344CB8AC3E}">
-        <p14:creationId xmlns:p14="http://schemas.microsoft.com/office/powerpoint/2010/main" val="930668667"/>
+        <p14:creationId xmlns:p14="http://schemas.microsoft.com/office/powerpoint/2010/main" val="2338029045"/>
       </p:ext>
     </p:extLst>
   </p:cSld>
@@ -4599,17 +4682,17 @@
           <a:p>
             <a:r>
               <a:rPr lang="en-US" dirty="0"/>
-              <a:t>Can You Tell the Difference?</a:t>
+              <a:t>Results</a:t>
             </a:r>
           </a:p>
         </p:txBody>
       </p:sp>
       <p:pic>
         <p:nvPicPr>
-          <p:cNvPr id="4" name="Picture 3">
-            <a:extLst>
-              <a:ext uri="{FF2B5EF4-FFF2-40B4-BE49-F238E27FC236}">
-                <a16:creationId xmlns:a16="http://schemas.microsoft.com/office/drawing/2014/main" id="{86581660-D788-4040-A688-1278C82859D2}"/>
+          <p:cNvPr id="6" name="Picture 5">
+            <a:extLst>
+              <a:ext uri="{FF2B5EF4-FFF2-40B4-BE49-F238E27FC236}">
+                <a16:creationId xmlns:a16="http://schemas.microsoft.com/office/drawing/2014/main" id="{16CAE3F6-EFD3-4FA6-B25A-AC766F0BCE6D}"/>
               </a:ext>
             </a:extLst>
           </p:cNvPr>
@@ -4620,13 +4703,42 @@
         </p:nvPicPr>
         <p:blipFill rotWithShape="1">
           <a:blip r:embed="rId2"/>
-          <a:srcRect l="3920" t="9109" r="4220" b="5038"/>
+          <a:srcRect l="23546" t="18605" r="19157" b="53333"/>
           <a:stretch/>
         </p:blipFill>
         <p:spPr>
           <a:xfrm>
-            <a:off x="2488019" y="1456661"/>
-            <a:ext cx="6719776" cy="4710223"/>
+            <a:off x="1203954" y="1418229"/>
+            <a:ext cx="9784092" cy="2695465"/>
+          </a:xfrm>
+          <a:prstGeom prst="rect">
+            <a:avLst/>
+          </a:prstGeom>
+        </p:spPr>
+      </p:pic>
+      <p:pic>
+        <p:nvPicPr>
+          <p:cNvPr id="7" name="Picture 6">
+            <a:extLst>
+              <a:ext uri="{FF2B5EF4-FFF2-40B4-BE49-F238E27FC236}">
+                <a16:creationId xmlns:a16="http://schemas.microsoft.com/office/drawing/2014/main" id="{532DD904-0959-4E3A-A66B-958421055445}"/>
+              </a:ext>
+            </a:extLst>
+          </p:cNvPr>
+          <p:cNvPicPr>
+            <a:picLocks noChangeAspect="1"/>
+          </p:cNvPicPr>
+          <p:nvPr/>
+        </p:nvPicPr>
+        <p:blipFill rotWithShape="1">
+          <a:blip r:embed="rId2"/>
+          <a:srcRect l="23546" t="57107" r="19157" b="12713"/>
+          <a:stretch/>
+        </p:blipFill>
+        <p:spPr>
+          <a:xfrm>
+            <a:off x="1630325" y="3979347"/>
+            <a:ext cx="8540907" cy="2530549"/>
           </a:xfrm>
           <a:prstGeom prst="rect">
             <a:avLst/>
@@ -4636,7 +4748,7 @@
     </p:spTree>
     <p:extLst>
       <p:ext uri="{BB962C8B-B14F-4D97-AF65-F5344CB8AC3E}">
-        <p14:creationId xmlns:p14="http://schemas.microsoft.com/office/powerpoint/2010/main" val="3307328347"/>
+        <p14:creationId xmlns:p14="http://schemas.microsoft.com/office/powerpoint/2010/main" val="930668667"/>
       </p:ext>
     </p:extLst>
   </p:cSld>

--- a/Final-Group-Presentation/Group4ProjectPresentation.pptx
+++ b/Final-Group-Presentation/Group4ProjectPresentation.pptx
@@ -2,8 +2,11 @@
 <file path=ppt/presentation.xml><?xml version="1.0" encoding="utf-8"?>
 <p:presentation xmlns:a="http://schemas.openxmlformats.org/drawingml/2006/main" xmlns:r="http://schemas.openxmlformats.org/officeDocument/2006/relationships" xmlns:p="http://schemas.openxmlformats.org/presentationml/2006/main" saveSubsetFonts="1" autoCompressPictures="0">
   <p:sldMasterIdLst>
-    <p:sldMasterId id="2147483648" r:id="rId1"/>
+    <p:sldMasterId id="2147483660" r:id="rId1"/>
   </p:sldMasterIdLst>
+  <p:notesMasterIdLst>
+    <p:notesMasterId r:id="rId15"/>
+  </p:notesMasterIdLst>
   <p:sldIdLst>
     <p:sldId id="256" r:id="rId2"/>
     <p:sldId id="257" r:id="rId3"/>
@@ -13,9 +16,11 @@
     <p:sldId id="266" r:id="rId7"/>
     <p:sldId id="261" r:id="rId8"/>
     <p:sldId id="265" r:id="rId9"/>
-    <p:sldId id="262" r:id="rId10"/>
-    <p:sldId id="263" r:id="rId11"/>
-    <p:sldId id="264" r:id="rId12"/>
+    <p:sldId id="267" r:id="rId10"/>
+    <p:sldId id="262" r:id="rId11"/>
+    <p:sldId id="263" r:id="rId12"/>
+    <p:sldId id="268" r:id="rId13"/>
+    <p:sldId id="264" r:id="rId14"/>
   </p:sldIdLst>
   <p:sldSz cx="12192000" cy="6858000"/>
   <p:notesSz cx="6858000" cy="9144000"/>
@@ -23,7 +28,7 @@
     <a:defPPr>
       <a:defRPr lang="en-US"/>
     </a:defPPr>
-    <a:lvl1pPr marL="0" algn="l" defTabSz="914400" rtl="0" eaLnBrk="1" latinLnBrk="0" hangingPunct="1">
+    <a:lvl1pPr marL="0" algn="l" defTabSz="457200" rtl="0" eaLnBrk="1" latinLnBrk="0" hangingPunct="1">
       <a:defRPr sz="1800" kern="1200">
         <a:solidFill>
           <a:schemeClr val="tx1"/>
@@ -33,7 +38,7 @@
         <a:cs typeface="+mn-cs"/>
       </a:defRPr>
     </a:lvl1pPr>
-    <a:lvl2pPr marL="457200" algn="l" defTabSz="914400" rtl="0" eaLnBrk="1" latinLnBrk="0" hangingPunct="1">
+    <a:lvl2pPr marL="457200" algn="l" defTabSz="457200" rtl="0" eaLnBrk="1" latinLnBrk="0" hangingPunct="1">
       <a:defRPr sz="1800" kern="1200">
         <a:solidFill>
           <a:schemeClr val="tx1"/>
@@ -43,7 +48,7 @@
         <a:cs typeface="+mn-cs"/>
       </a:defRPr>
     </a:lvl2pPr>
-    <a:lvl3pPr marL="914400" algn="l" defTabSz="914400" rtl="0" eaLnBrk="1" latinLnBrk="0" hangingPunct="1">
+    <a:lvl3pPr marL="914400" algn="l" defTabSz="457200" rtl="0" eaLnBrk="1" latinLnBrk="0" hangingPunct="1">
       <a:defRPr sz="1800" kern="1200">
         <a:solidFill>
           <a:schemeClr val="tx1"/>
@@ -53,7 +58,7 @@
         <a:cs typeface="+mn-cs"/>
       </a:defRPr>
     </a:lvl3pPr>
-    <a:lvl4pPr marL="1371600" algn="l" defTabSz="914400" rtl="0" eaLnBrk="1" latinLnBrk="0" hangingPunct="1">
+    <a:lvl4pPr marL="1371600" algn="l" defTabSz="457200" rtl="0" eaLnBrk="1" latinLnBrk="0" hangingPunct="1">
       <a:defRPr sz="1800" kern="1200">
         <a:solidFill>
           <a:schemeClr val="tx1"/>
@@ -63,7 +68,7 @@
         <a:cs typeface="+mn-cs"/>
       </a:defRPr>
     </a:lvl4pPr>
-    <a:lvl5pPr marL="1828800" algn="l" defTabSz="914400" rtl="0" eaLnBrk="1" latinLnBrk="0" hangingPunct="1">
+    <a:lvl5pPr marL="1828800" algn="l" defTabSz="457200" rtl="0" eaLnBrk="1" latinLnBrk="0" hangingPunct="1">
       <a:defRPr sz="1800" kern="1200">
         <a:solidFill>
           <a:schemeClr val="tx1"/>
@@ -73,7 +78,7 @@
         <a:cs typeface="+mn-cs"/>
       </a:defRPr>
     </a:lvl5pPr>
-    <a:lvl6pPr marL="2286000" algn="l" defTabSz="914400" rtl="0" eaLnBrk="1" latinLnBrk="0" hangingPunct="1">
+    <a:lvl6pPr marL="2286000" algn="l" defTabSz="457200" rtl="0" eaLnBrk="1" latinLnBrk="0" hangingPunct="1">
       <a:defRPr sz="1800" kern="1200">
         <a:solidFill>
           <a:schemeClr val="tx1"/>
@@ -83,7 +88,7 @@
         <a:cs typeface="+mn-cs"/>
       </a:defRPr>
     </a:lvl6pPr>
-    <a:lvl7pPr marL="2743200" algn="l" defTabSz="914400" rtl="0" eaLnBrk="1" latinLnBrk="0" hangingPunct="1">
+    <a:lvl7pPr marL="2743200" algn="l" defTabSz="457200" rtl="0" eaLnBrk="1" latinLnBrk="0" hangingPunct="1">
       <a:defRPr sz="1800" kern="1200">
         <a:solidFill>
           <a:schemeClr val="tx1"/>
@@ -93,7 +98,7 @@
         <a:cs typeface="+mn-cs"/>
       </a:defRPr>
     </a:lvl7pPr>
-    <a:lvl8pPr marL="3200400" algn="l" defTabSz="914400" rtl="0" eaLnBrk="1" latinLnBrk="0" hangingPunct="1">
+    <a:lvl8pPr marL="3200400" algn="l" defTabSz="457200" rtl="0" eaLnBrk="1" latinLnBrk="0" hangingPunct="1">
       <a:defRPr sz="1800" kern="1200">
         <a:solidFill>
           <a:schemeClr val="tx1"/>
@@ -103,7 +108,7 @@
         <a:cs typeface="+mn-cs"/>
       </a:defRPr>
     </a:lvl8pPr>
-    <a:lvl9pPr marL="3657600" algn="l" defTabSz="914400" rtl="0" eaLnBrk="1" latinLnBrk="0" hangingPunct="1">
+    <a:lvl9pPr marL="3657600" algn="l" defTabSz="457200" rtl="0" eaLnBrk="1" latinLnBrk="0" hangingPunct="1">
       <a:defRPr sz="1800" kern="1200">
         <a:solidFill>
           <a:schemeClr val="tx1"/>
@@ -122,9 +127,14 @@
 </p:presentation>
 </file>
 
-<file path=ppt/slideLayouts/slideLayout1.xml><?xml version="1.0" encoding="utf-8"?>
-<p:sldLayout xmlns:a="http://schemas.openxmlformats.org/drawingml/2006/main" xmlns:r="http://schemas.openxmlformats.org/officeDocument/2006/relationships" xmlns:p="http://schemas.openxmlformats.org/presentationml/2006/main" type="title" preserve="1">
-  <p:cSld name="Title Slide">
+<file path=ppt/notesMasters/notesMaster1.xml><?xml version="1.0" encoding="utf-8"?>
+<p:notesMaster xmlns:a="http://schemas.openxmlformats.org/drawingml/2006/main" xmlns:r="http://schemas.openxmlformats.org/officeDocument/2006/relationships" xmlns:p="http://schemas.openxmlformats.org/presentationml/2006/main">
+  <p:cSld>
+    <p:bg>
+      <p:bgRef idx="1001">
+        <a:schemeClr val="bg1"/>
+      </p:bgRef>
+    </p:bg>
     <p:spTree>
       <p:nvGrpSpPr>
         <p:cNvPr id="1" name=""/>
@@ -141,31 +151,475 @@
       </p:grpSpPr>
       <p:sp>
         <p:nvSpPr>
-          <p:cNvPr id="2" name="Title 1">
-            <a:extLst>
-              <a:ext uri="{FF2B5EF4-FFF2-40B4-BE49-F238E27FC236}">
-                <a16:creationId xmlns:a16="http://schemas.microsoft.com/office/drawing/2014/main" id="{634EA2F4-6B97-1D4C-86F3-A3B9D92F6D46}"/>
-              </a:ext>
-            </a:extLst>
-          </p:cNvPr>
-          <p:cNvSpPr>
-            <a:spLocks noGrp="1"/>
-          </p:cNvSpPr>
-          <p:nvPr>
-            <p:ph type="ctrTitle"/>
+          <p:cNvPr id="2" name="Header Placeholder 1"/>
+          <p:cNvSpPr>
+            <a:spLocks noGrp="1"/>
+          </p:cNvSpPr>
+          <p:nvPr>
+            <p:ph type="hdr" sz="quarter"/>
           </p:nvPr>
         </p:nvSpPr>
         <p:spPr>
           <a:xfrm>
-            <a:off x="1524000" y="1122363"/>
-            <a:ext cx="9144000" cy="2387600"/>
+            <a:off x="0" y="0"/>
+            <a:ext cx="2971800" cy="458788"/>
+          </a:xfrm>
+          <a:prstGeom prst="rect">
+            <a:avLst/>
+          </a:prstGeom>
+        </p:spPr>
+        <p:txBody>
+          <a:bodyPr vert="horz" lIns="91440" tIns="45720" rIns="91440" bIns="45720" rtlCol="0"/>
+          <a:lstStyle>
+            <a:lvl1pPr algn="l">
+              <a:defRPr sz="1200"/>
+            </a:lvl1pPr>
+          </a:lstStyle>
+          <a:p>
+            <a:endParaRPr lang="en-US"/>
+          </a:p>
+        </p:txBody>
+      </p:sp>
+      <p:sp>
+        <p:nvSpPr>
+          <p:cNvPr id="3" name="Date Placeholder 2"/>
+          <p:cNvSpPr>
+            <a:spLocks noGrp="1"/>
+          </p:cNvSpPr>
+          <p:nvPr>
+            <p:ph type="dt" idx="1"/>
+          </p:nvPr>
+        </p:nvSpPr>
+        <p:spPr>
+          <a:xfrm>
+            <a:off x="3884613" y="0"/>
+            <a:ext cx="2971800" cy="458788"/>
+          </a:xfrm>
+          <a:prstGeom prst="rect">
+            <a:avLst/>
+          </a:prstGeom>
+        </p:spPr>
+        <p:txBody>
+          <a:bodyPr vert="horz" lIns="91440" tIns="45720" rIns="91440" bIns="45720" rtlCol="0"/>
+          <a:lstStyle>
+            <a:lvl1pPr algn="r">
+              <a:defRPr sz="1200"/>
+            </a:lvl1pPr>
+          </a:lstStyle>
+          <a:p>
+            <a:fld id="{4E26F6D6-55DC-3845-A197-6CBD79D642D6}" type="datetimeFigureOut">
+              <a:rPr lang="en-US" smtClean="0"/>
+              <a:t>4/23/19</a:t>
+            </a:fld>
+            <a:endParaRPr lang="en-US"/>
+          </a:p>
+        </p:txBody>
+      </p:sp>
+      <p:sp>
+        <p:nvSpPr>
+          <p:cNvPr id="4" name="Slide Image Placeholder 3"/>
+          <p:cNvSpPr>
+            <a:spLocks noGrp="1" noRot="1" noChangeAspect="1"/>
+          </p:cNvSpPr>
+          <p:nvPr>
+            <p:ph type="sldImg" idx="2"/>
+          </p:nvPr>
+        </p:nvSpPr>
+        <p:spPr>
+          <a:xfrm>
+            <a:off x="685800" y="1143000"/>
+            <a:ext cx="5486400" cy="3086100"/>
+          </a:xfrm>
+          <a:prstGeom prst="rect">
+            <a:avLst/>
+          </a:prstGeom>
+          <a:noFill/>
+          <a:ln w="12700">
+            <a:solidFill>
+              <a:prstClr val="black"/>
+            </a:solidFill>
+          </a:ln>
+        </p:spPr>
+        <p:txBody>
+          <a:bodyPr vert="horz" lIns="91440" tIns="45720" rIns="91440" bIns="45720" rtlCol="0" anchor="ctr"/>
+          <a:lstStyle/>
+          <a:p>
+            <a:endParaRPr lang="en-US"/>
+          </a:p>
+        </p:txBody>
+      </p:sp>
+      <p:sp>
+        <p:nvSpPr>
+          <p:cNvPr id="5" name="Notes Placeholder 4"/>
+          <p:cNvSpPr>
+            <a:spLocks noGrp="1"/>
+          </p:cNvSpPr>
+          <p:nvPr>
+            <p:ph type="body" sz="quarter" idx="3"/>
+          </p:nvPr>
+        </p:nvSpPr>
+        <p:spPr>
+          <a:xfrm>
+            <a:off x="685800" y="4400550"/>
+            <a:ext cx="5486400" cy="3600450"/>
+          </a:xfrm>
+          <a:prstGeom prst="rect">
+            <a:avLst/>
+          </a:prstGeom>
+        </p:spPr>
+        <p:txBody>
+          <a:bodyPr vert="horz" lIns="91440" tIns="45720" rIns="91440" bIns="45720" rtlCol="0"/>
+          <a:lstStyle/>
+          <a:p>
+            <a:pPr lvl="0"/>
+            <a:r>
+              <a:rPr lang="en-US"/>
+              <a:t>Click to edit Master text styles</a:t>
+            </a:r>
+          </a:p>
+          <a:p>
+            <a:pPr lvl="1"/>
+            <a:r>
+              <a:rPr lang="en-US"/>
+              <a:t>Second level</a:t>
+            </a:r>
+          </a:p>
+          <a:p>
+            <a:pPr lvl="2"/>
+            <a:r>
+              <a:rPr lang="en-US"/>
+              <a:t>Third level</a:t>
+            </a:r>
+          </a:p>
+          <a:p>
+            <a:pPr lvl="3"/>
+            <a:r>
+              <a:rPr lang="en-US"/>
+              <a:t>Fourth level</a:t>
+            </a:r>
+          </a:p>
+          <a:p>
+            <a:pPr lvl="4"/>
+            <a:r>
+              <a:rPr lang="en-US"/>
+              <a:t>Fifth level</a:t>
+            </a:r>
+          </a:p>
+        </p:txBody>
+      </p:sp>
+      <p:sp>
+        <p:nvSpPr>
+          <p:cNvPr id="6" name="Footer Placeholder 5"/>
+          <p:cNvSpPr>
+            <a:spLocks noGrp="1"/>
+          </p:cNvSpPr>
+          <p:nvPr>
+            <p:ph type="ftr" sz="quarter" idx="4"/>
+          </p:nvPr>
+        </p:nvSpPr>
+        <p:spPr>
+          <a:xfrm>
+            <a:off x="0" y="8685213"/>
+            <a:ext cx="2971800" cy="458787"/>
+          </a:xfrm>
+          <a:prstGeom prst="rect">
+            <a:avLst/>
+          </a:prstGeom>
+        </p:spPr>
+        <p:txBody>
+          <a:bodyPr vert="horz" lIns="91440" tIns="45720" rIns="91440" bIns="45720" rtlCol="0" anchor="b"/>
+          <a:lstStyle>
+            <a:lvl1pPr algn="l">
+              <a:defRPr sz="1200"/>
+            </a:lvl1pPr>
+          </a:lstStyle>
+          <a:p>
+            <a:endParaRPr lang="en-US"/>
+          </a:p>
+        </p:txBody>
+      </p:sp>
+      <p:sp>
+        <p:nvSpPr>
+          <p:cNvPr id="7" name="Slide Number Placeholder 6"/>
+          <p:cNvSpPr>
+            <a:spLocks noGrp="1"/>
+          </p:cNvSpPr>
+          <p:nvPr>
+            <p:ph type="sldNum" sz="quarter" idx="5"/>
+          </p:nvPr>
+        </p:nvSpPr>
+        <p:spPr>
+          <a:xfrm>
+            <a:off x="3884613" y="8685213"/>
+            <a:ext cx="2971800" cy="458787"/>
+          </a:xfrm>
+          <a:prstGeom prst="rect">
+            <a:avLst/>
+          </a:prstGeom>
+        </p:spPr>
+        <p:txBody>
+          <a:bodyPr vert="horz" lIns="91440" tIns="45720" rIns="91440" bIns="45720" rtlCol="0" anchor="b"/>
+          <a:lstStyle>
+            <a:lvl1pPr algn="r">
+              <a:defRPr sz="1200"/>
+            </a:lvl1pPr>
+          </a:lstStyle>
+          <a:p>
+            <a:fld id="{4F09C00D-51CF-5D4C-BEED-BADDAAFB451E}" type="slidenum">
+              <a:rPr lang="en-US" smtClean="0"/>
+              <a:t>‹#›</a:t>
+            </a:fld>
+            <a:endParaRPr lang="en-US"/>
+          </a:p>
+        </p:txBody>
+      </p:sp>
+    </p:spTree>
+    <p:extLst>
+      <p:ext uri="{BB962C8B-B14F-4D97-AF65-F5344CB8AC3E}">
+        <p14:creationId xmlns:p14="http://schemas.microsoft.com/office/powerpoint/2010/main" val="582108967"/>
+      </p:ext>
+    </p:extLst>
+  </p:cSld>
+  <p:clrMap bg1="lt1" tx1="dk1" bg2="lt2" tx2="dk2" accent1="accent1" accent2="accent2" accent3="accent3" accent4="accent4" accent5="accent5" accent6="accent6" hlink="hlink" folHlink="folHlink"/>
+  <p:notesStyle>
+    <a:lvl1pPr marL="0" algn="l" defTabSz="914400" rtl="0" eaLnBrk="1" latinLnBrk="0" hangingPunct="1">
+      <a:defRPr sz="1200" kern="1200">
+        <a:solidFill>
+          <a:schemeClr val="tx1"/>
+        </a:solidFill>
+        <a:latin typeface="+mn-lt"/>
+        <a:ea typeface="+mn-ea"/>
+        <a:cs typeface="+mn-cs"/>
+      </a:defRPr>
+    </a:lvl1pPr>
+    <a:lvl2pPr marL="457200" algn="l" defTabSz="914400" rtl="0" eaLnBrk="1" latinLnBrk="0" hangingPunct="1">
+      <a:defRPr sz="1200" kern="1200">
+        <a:solidFill>
+          <a:schemeClr val="tx1"/>
+        </a:solidFill>
+        <a:latin typeface="+mn-lt"/>
+        <a:ea typeface="+mn-ea"/>
+        <a:cs typeface="+mn-cs"/>
+      </a:defRPr>
+    </a:lvl2pPr>
+    <a:lvl3pPr marL="914400" algn="l" defTabSz="914400" rtl="0" eaLnBrk="1" latinLnBrk="0" hangingPunct="1">
+      <a:defRPr sz="1200" kern="1200">
+        <a:solidFill>
+          <a:schemeClr val="tx1"/>
+        </a:solidFill>
+        <a:latin typeface="+mn-lt"/>
+        <a:ea typeface="+mn-ea"/>
+        <a:cs typeface="+mn-cs"/>
+      </a:defRPr>
+    </a:lvl3pPr>
+    <a:lvl4pPr marL="1371600" algn="l" defTabSz="914400" rtl="0" eaLnBrk="1" latinLnBrk="0" hangingPunct="1">
+      <a:defRPr sz="1200" kern="1200">
+        <a:solidFill>
+          <a:schemeClr val="tx1"/>
+        </a:solidFill>
+        <a:latin typeface="+mn-lt"/>
+        <a:ea typeface="+mn-ea"/>
+        <a:cs typeface="+mn-cs"/>
+      </a:defRPr>
+    </a:lvl4pPr>
+    <a:lvl5pPr marL="1828800" algn="l" defTabSz="914400" rtl="0" eaLnBrk="1" latinLnBrk="0" hangingPunct="1">
+      <a:defRPr sz="1200" kern="1200">
+        <a:solidFill>
+          <a:schemeClr val="tx1"/>
+        </a:solidFill>
+        <a:latin typeface="+mn-lt"/>
+        <a:ea typeface="+mn-ea"/>
+        <a:cs typeface="+mn-cs"/>
+      </a:defRPr>
+    </a:lvl5pPr>
+    <a:lvl6pPr marL="2286000" algn="l" defTabSz="914400" rtl="0" eaLnBrk="1" latinLnBrk="0" hangingPunct="1">
+      <a:defRPr sz="1200" kern="1200">
+        <a:solidFill>
+          <a:schemeClr val="tx1"/>
+        </a:solidFill>
+        <a:latin typeface="+mn-lt"/>
+        <a:ea typeface="+mn-ea"/>
+        <a:cs typeface="+mn-cs"/>
+      </a:defRPr>
+    </a:lvl6pPr>
+    <a:lvl7pPr marL="2743200" algn="l" defTabSz="914400" rtl="0" eaLnBrk="1" latinLnBrk="0" hangingPunct="1">
+      <a:defRPr sz="1200" kern="1200">
+        <a:solidFill>
+          <a:schemeClr val="tx1"/>
+        </a:solidFill>
+        <a:latin typeface="+mn-lt"/>
+        <a:ea typeface="+mn-ea"/>
+        <a:cs typeface="+mn-cs"/>
+      </a:defRPr>
+    </a:lvl7pPr>
+    <a:lvl8pPr marL="3200400" algn="l" defTabSz="914400" rtl="0" eaLnBrk="1" latinLnBrk="0" hangingPunct="1">
+      <a:defRPr sz="1200" kern="1200">
+        <a:solidFill>
+          <a:schemeClr val="tx1"/>
+        </a:solidFill>
+        <a:latin typeface="+mn-lt"/>
+        <a:ea typeface="+mn-ea"/>
+        <a:cs typeface="+mn-cs"/>
+      </a:defRPr>
+    </a:lvl8pPr>
+    <a:lvl9pPr marL="3657600" algn="l" defTabSz="914400" rtl="0" eaLnBrk="1" latinLnBrk="0" hangingPunct="1">
+      <a:defRPr sz="1200" kern="1200">
+        <a:solidFill>
+          <a:schemeClr val="tx1"/>
+        </a:solidFill>
+        <a:latin typeface="+mn-lt"/>
+        <a:ea typeface="+mn-ea"/>
+        <a:cs typeface="+mn-cs"/>
+      </a:defRPr>
+    </a:lvl9pPr>
+  </p:notesStyle>
+</p:notesMaster>
+</file>
+
+<file path=ppt/notesSlides/notesSlide1.xml><?xml version="1.0" encoding="utf-8"?>
+<p:notes xmlns:a="http://schemas.openxmlformats.org/drawingml/2006/main" xmlns:r="http://schemas.openxmlformats.org/officeDocument/2006/relationships" xmlns:p="http://schemas.openxmlformats.org/presentationml/2006/main">
+  <p:cSld>
+    <p:spTree>
+      <p:nvGrpSpPr>
+        <p:cNvPr id="1" name=""/>
+        <p:cNvGrpSpPr/>
+        <p:nvPr/>
+      </p:nvGrpSpPr>
+      <p:grpSpPr>
+        <a:xfrm>
+          <a:off x="0" y="0"/>
+          <a:ext cx="0" cy="0"/>
+          <a:chOff x="0" y="0"/>
+          <a:chExt cx="0" cy="0"/>
+        </a:xfrm>
+      </p:grpSpPr>
+      <p:sp>
+        <p:nvSpPr>
+          <p:cNvPr id="2" name="Slide Image Placeholder 1"/>
+          <p:cNvSpPr>
+            <a:spLocks noGrp="1" noRot="1" noChangeAspect="1"/>
+          </p:cNvSpPr>
+          <p:nvPr>
+            <p:ph type="sldImg"/>
+          </p:nvPr>
+        </p:nvSpPr>
+        <p:spPr/>
+      </p:sp>
+      <p:sp>
+        <p:nvSpPr>
+          <p:cNvPr id="3" name="Notes Placeholder 2"/>
+          <p:cNvSpPr>
+            <a:spLocks noGrp="1"/>
+          </p:cNvSpPr>
+          <p:nvPr>
+            <p:ph type="body" idx="1"/>
+          </p:nvPr>
+        </p:nvSpPr>
+        <p:spPr/>
+        <p:txBody>
+          <a:bodyPr/>
+          <a:lstStyle/>
+          <a:p>
+            <a:r>
+              <a:rPr lang="en-US" dirty="0"/>
+              <a:t>2 layer </a:t>
+            </a:r>
+            <a:r>
+              <a:rPr lang="en-US" dirty="0" err="1"/>
+              <a:t>cnn</a:t>
+            </a:r>
+            <a:endParaRPr lang="en-US" dirty="0"/>
+          </a:p>
+        </p:txBody>
+      </p:sp>
+      <p:sp>
+        <p:nvSpPr>
+          <p:cNvPr id="4" name="Slide Number Placeholder 3"/>
+          <p:cNvSpPr>
+            <a:spLocks noGrp="1"/>
+          </p:cNvSpPr>
+          <p:nvPr>
+            <p:ph type="sldNum" sz="quarter" idx="5"/>
+          </p:nvPr>
+        </p:nvSpPr>
+        <p:spPr/>
+        <p:txBody>
+          <a:bodyPr/>
+          <a:lstStyle/>
+          <a:p>
+            <a:fld id="{4F09C00D-51CF-5D4C-BEED-BADDAAFB451E}" type="slidenum">
+              <a:rPr lang="en-US" smtClean="0"/>
+              <a:t>7</a:t>
+            </a:fld>
+            <a:endParaRPr lang="en-US"/>
+          </a:p>
+        </p:txBody>
+      </p:sp>
+    </p:spTree>
+    <p:extLst>
+      <p:ext uri="{BB962C8B-B14F-4D97-AF65-F5344CB8AC3E}">
+        <p14:creationId xmlns:p14="http://schemas.microsoft.com/office/powerpoint/2010/main" val="2221560080"/>
+      </p:ext>
+    </p:extLst>
+  </p:cSld>
+  <p:clrMapOvr>
+    <a:masterClrMapping/>
+  </p:clrMapOvr>
+</p:notes>
+</file>
+
+<file path=ppt/slideLayouts/slideLayout1.xml><?xml version="1.0" encoding="utf-8"?>
+<p:sldLayout xmlns:a="http://schemas.openxmlformats.org/drawingml/2006/main" xmlns:r="http://schemas.openxmlformats.org/officeDocument/2006/relationships" xmlns:p="http://schemas.openxmlformats.org/presentationml/2006/main" showMasterSp="0" type="title" preserve="1">
+  <p:cSld name="Title Slide">
+    <p:bg>
+      <p:bgPr>
+        <a:solidFill>
+          <a:schemeClr val="bg2"/>
+        </a:solidFill>
+        <a:effectLst/>
+      </p:bgPr>
+    </p:bg>
+    <p:spTree>
+      <p:nvGrpSpPr>
+        <p:cNvPr id="1" name=""/>
+        <p:cNvGrpSpPr/>
+        <p:nvPr/>
+      </p:nvGrpSpPr>
+      <p:grpSpPr>
+        <a:xfrm>
+          <a:off x="0" y="0"/>
+          <a:ext cx="0" cy="0"/>
+          <a:chOff x="0" y="0"/>
+          <a:chExt cx="0" cy="0"/>
+        </a:xfrm>
+      </p:grpSpPr>
+      <p:sp>
+        <p:nvSpPr>
+          <p:cNvPr id="2" name="Title 1"/>
+          <p:cNvSpPr>
+            <a:spLocks noGrp="1"/>
+          </p:cNvSpPr>
+          <p:nvPr>
+            <p:ph type="ctrTitle"/>
+          </p:nvPr>
+        </p:nvSpPr>
+        <p:spPr>
+          <a:xfrm>
+            <a:off x="1915128" y="1788454"/>
+            <a:ext cx="8361229" cy="2098226"/>
           </a:xfrm>
         </p:spPr>
         <p:txBody>
-          <a:bodyPr anchor="b"/>
+          <a:bodyPr anchor="b">
+            <a:noAutofit/>
+          </a:bodyPr>
           <a:lstStyle>
             <a:lvl1pPr algn="ctr">
-              <a:defRPr sz="6000"/>
+              <a:defRPr sz="7200" cap="all" baseline="0">
+                <a:solidFill>
+                  <a:schemeClr val="tx2"/>
+                </a:solidFill>
+              </a:defRPr>
             </a:lvl1pPr>
           </a:lstStyle>
           <a:p>
@@ -173,18 +627,13 @@
               <a:rPr lang="en-US"/>
               <a:t>Click to edit Master title style</a:t>
             </a:r>
-          </a:p>
-        </p:txBody>
-      </p:sp>
-      <p:sp>
-        <p:nvSpPr>
-          <p:cNvPr id="3" name="Subtitle 2">
-            <a:extLst>
-              <a:ext uri="{FF2B5EF4-FFF2-40B4-BE49-F238E27FC236}">
-                <a16:creationId xmlns:a16="http://schemas.microsoft.com/office/drawing/2014/main" id="{82F06573-02A2-FF48-B936-A9086E1DF7BB}"/>
-              </a:ext>
-            </a:extLst>
-          </p:cNvPr>
+            <a:endParaRPr lang="en-US" dirty="0"/>
+          </a:p>
+        </p:txBody>
+      </p:sp>
+      <p:sp>
+        <p:nvSpPr>
+          <p:cNvPr id="3" name="Subtitle 2"/>
           <p:cNvSpPr>
             <a:spLocks noGrp="1"/>
           </p:cNvSpPr>
@@ -194,16 +643,27 @@
         </p:nvSpPr>
         <p:spPr>
           <a:xfrm>
-            <a:off x="1524000" y="3602038"/>
-            <a:ext cx="9144000" cy="1655762"/>
+            <a:off x="2679906" y="3956279"/>
+            <a:ext cx="6831673" cy="1086237"/>
           </a:xfrm>
         </p:spPr>
         <p:txBody>
-          <a:bodyPr/>
+          <a:bodyPr>
+            <a:normAutofit/>
+          </a:bodyPr>
           <a:lstStyle>
             <a:lvl1pPr marL="0" indent="0" algn="ctr">
-              <a:buNone/>
-              <a:defRPr sz="2400"/>
+              <a:lnSpc>
+                <a:spcPct val="112000"/>
+              </a:lnSpc>
+              <a:spcBef>
+                <a:spcPts val="0"/>
+              </a:spcBef>
+              <a:spcAft>
+                <a:spcPts val="0"/>
+              </a:spcAft>
+              <a:buNone/>
+              <a:defRPr sz="2300"/>
             </a:lvl1pPr>
             <a:lvl2pPr marL="457200" indent="0" algn="ctr">
               <a:buNone/>
@@ -243,18 +703,13 @@
               <a:rPr lang="en-US"/>
               <a:t>Click to edit Master subtitle style</a:t>
             </a:r>
-          </a:p>
-        </p:txBody>
-      </p:sp>
-      <p:sp>
-        <p:nvSpPr>
-          <p:cNvPr id="4" name="Date Placeholder 3">
-            <a:extLst>
-              <a:ext uri="{FF2B5EF4-FFF2-40B4-BE49-F238E27FC236}">
-                <a16:creationId xmlns:a16="http://schemas.microsoft.com/office/drawing/2014/main" id="{9AFCB634-3E2C-1D4A-BD40-5AB83C27086B}"/>
-              </a:ext>
-            </a:extLst>
-          </p:cNvPr>
+            <a:endParaRPr lang="en-US" dirty="0"/>
+          </a:p>
+        </p:txBody>
+      </p:sp>
+      <p:sp>
+        <p:nvSpPr>
+          <p:cNvPr id="4" name="Date Placeholder 3"/>
           <p:cNvSpPr>
             <a:spLocks noGrp="1"/>
           </p:cNvSpPr>
@@ -262,14 +717,27 @@
             <p:ph type="dt" sz="half" idx="10"/>
           </p:nvPr>
         </p:nvSpPr>
-        <p:spPr/>
+        <p:spPr>
+          <a:xfrm>
+            <a:off x="752858" y="6453386"/>
+            <a:ext cx="1607944" cy="404614"/>
+          </a:xfrm>
+        </p:spPr>
         <p:txBody>
           <a:bodyPr/>
-          <a:lstStyle/>
+          <a:lstStyle>
+            <a:lvl1pPr>
+              <a:defRPr baseline="0">
+                <a:solidFill>
+                  <a:schemeClr val="tx2"/>
+                </a:solidFill>
+              </a:defRPr>
+            </a:lvl1pPr>
+          </a:lstStyle>
           <a:p>
             <a:fld id="{D4B181B7-4E45-0F4E-BAB0-4C262B2B135A}" type="datetimeFigureOut">
               <a:rPr lang="en-US" smtClean="0"/>
-              <a:t>4/23/2019</a:t>
+              <a:t>4/23/19</a:t>
             </a:fld>
             <a:endParaRPr lang="en-US" dirty="0"/>
           </a:p>
@@ -277,13 +745,7 @@
       </p:sp>
       <p:sp>
         <p:nvSpPr>
-          <p:cNvPr id="5" name="Footer Placeholder 4">
-            <a:extLst>
-              <a:ext uri="{FF2B5EF4-FFF2-40B4-BE49-F238E27FC236}">
-                <a16:creationId xmlns:a16="http://schemas.microsoft.com/office/drawing/2014/main" id="{F9C9CE0E-E1E2-C14D-92DF-1557158B5247}"/>
-              </a:ext>
-            </a:extLst>
-          </p:cNvPr>
+          <p:cNvPr id="5" name="Footer Placeholder 4"/>
           <p:cNvSpPr>
             <a:spLocks noGrp="1"/>
           </p:cNvSpPr>
@@ -291,10 +753,23 @@
             <p:ph type="ftr" sz="quarter" idx="11"/>
           </p:nvPr>
         </p:nvSpPr>
-        <p:spPr/>
+        <p:spPr>
+          <a:xfrm>
+            <a:off x="2584054" y="6453386"/>
+            <a:ext cx="7023377" cy="404614"/>
+          </a:xfrm>
+        </p:spPr>
         <p:txBody>
           <a:bodyPr/>
-          <a:lstStyle/>
+          <a:lstStyle>
+            <a:lvl1pPr algn="ctr">
+              <a:defRPr baseline="0">
+                <a:solidFill>
+                  <a:schemeClr val="tx2"/>
+                </a:solidFill>
+              </a:defRPr>
+            </a:lvl1pPr>
+          </a:lstStyle>
           <a:p>
             <a:endParaRPr lang="en-US" dirty="0"/>
           </a:p>
@@ -302,13 +777,7 @@
       </p:sp>
       <p:sp>
         <p:nvSpPr>
-          <p:cNvPr id="6" name="Slide Number Placeholder 5">
-            <a:extLst>
-              <a:ext uri="{FF2B5EF4-FFF2-40B4-BE49-F238E27FC236}">
-                <a16:creationId xmlns:a16="http://schemas.microsoft.com/office/drawing/2014/main" id="{90FFFF3A-91E6-1440-B9A2-B707ADF3BFB8}"/>
-              </a:ext>
-            </a:extLst>
-          </p:cNvPr>
+          <p:cNvPr id="6" name="Slide Number Placeholder 5"/>
           <p:cNvSpPr>
             <a:spLocks noGrp="1"/>
           </p:cNvSpPr>
@@ -316,10 +785,23 @@
             <p:ph type="sldNum" sz="quarter" idx="12"/>
           </p:nvPr>
         </p:nvSpPr>
-        <p:spPr/>
+        <p:spPr>
+          <a:xfrm>
+            <a:off x="9830683" y="6453386"/>
+            <a:ext cx="1596292" cy="404614"/>
+          </a:xfrm>
+        </p:spPr>
         <p:txBody>
           <a:bodyPr/>
-          <a:lstStyle/>
+          <a:lstStyle>
+            <a:lvl1pPr>
+              <a:defRPr baseline="0">
+                <a:solidFill>
+                  <a:schemeClr val="tx2"/>
+                </a:solidFill>
+              </a:defRPr>
+            </a:lvl1pPr>
+          </a:lstStyle>
           <a:p>
             <a:fld id="{78D92046-99EC-4E47-86C6-7670AF7EDC70}" type="slidenum">
               <a:rPr lang="en-US" smtClean="0"/>
@@ -329,15 +811,144 @@
           </a:p>
         </p:txBody>
       </p:sp>
+      <p:grpSp>
+        <p:nvGrpSpPr>
+          <p:cNvPr id="7" name="Group 6"/>
+          <p:cNvGrpSpPr/>
+          <p:nvPr/>
+        </p:nvGrpSpPr>
+        <p:grpSpPr>
+          <a:xfrm>
+            <a:off x="752858" y="744469"/>
+            <a:ext cx="10674117" cy="5349671"/>
+            <a:chOff x="752858" y="744469"/>
+            <a:chExt cx="10674117" cy="5349671"/>
+          </a:xfrm>
+        </p:grpSpPr>
+        <p:sp>
+          <p:nvSpPr>
+            <p:cNvPr id="11" name="Freeform 6"/>
+            <p:cNvSpPr/>
+            <p:nvPr/>
+          </p:nvSpPr>
+          <p:spPr bwMode="auto">
+            <a:xfrm>
+              <a:off x="8151962" y="1685652"/>
+              <a:ext cx="3275013" cy="4408488"/>
+            </a:xfrm>
+            <a:custGeom>
+              <a:avLst/>
+              <a:gdLst/>
+              <a:ahLst/>
+              <a:cxnLst/>
+              <a:rect l="l" t="t" r="r" b="b"/>
+              <a:pathLst>
+                <a:path w="10000" h="10000">
+                  <a:moveTo>
+                    <a:pt x="8761" y="0"/>
+                  </a:moveTo>
+                  <a:lnTo>
+                    <a:pt x="10000" y="0"/>
+                  </a:lnTo>
+                  <a:lnTo>
+                    <a:pt x="10000" y="10000"/>
+                  </a:lnTo>
+                  <a:lnTo>
+                    <a:pt x="0" y="10000"/>
+                  </a:lnTo>
+                  <a:lnTo>
+                    <a:pt x="0" y="9126"/>
+                  </a:lnTo>
+                  <a:lnTo>
+                    <a:pt x="8761" y="9127"/>
+                  </a:lnTo>
+                  <a:lnTo>
+                    <a:pt x="8761" y="0"/>
+                  </a:lnTo>
+                  <a:close/>
+                </a:path>
+              </a:pathLst>
+            </a:custGeom>
+            <a:solidFill>
+              <a:schemeClr val="tx2"/>
+            </a:solidFill>
+            <a:ln w="0">
+              <a:noFill/>
+              <a:prstDash val="solid"/>
+              <a:round/>
+              <a:headEnd/>
+              <a:tailEnd/>
+            </a:ln>
+          </p:spPr>
+        </p:sp>
+        <p:sp>
+          <p:nvSpPr>
+            <p:cNvPr id="14" name="Freeform 6"/>
+            <p:cNvSpPr/>
+            <p:nvPr/>
+          </p:nvSpPr>
+          <p:spPr bwMode="auto">
+            <a:xfrm flipH="1" flipV="1">
+              <a:off x="752858" y="744469"/>
+              <a:ext cx="3275668" cy="4408488"/>
+            </a:xfrm>
+            <a:custGeom>
+              <a:avLst/>
+              <a:gdLst/>
+              <a:ahLst/>
+              <a:cxnLst/>
+              <a:rect l="l" t="t" r="r" b="b"/>
+              <a:pathLst>
+                <a:path w="10002" h="10000">
+                  <a:moveTo>
+                    <a:pt x="8763" y="0"/>
+                  </a:moveTo>
+                  <a:lnTo>
+                    <a:pt x="10002" y="0"/>
+                  </a:lnTo>
+                  <a:lnTo>
+                    <a:pt x="10002" y="10000"/>
+                  </a:lnTo>
+                  <a:lnTo>
+                    <a:pt x="2" y="10000"/>
+                  </a:lnTo>
+                  <a:cubicBezTo>
+                    <a:pt x="-2" y="9698"/>
+                    <a:pt x="4" y="9427"/>
+                    <a:pt x="0" y="9125"/>
+                  </a:cubicBezTo>
+                  <a:lnTo>
+                    <a:pt x="8763" y="9128"/>
+                  </a:lnTo>
+                  <a:lnTo>
+                    <a:pt x="8763" y="0"/>
+                  </a:lnTo>
+                  <a:close/>
+                </a:path>
+              </a:pathLst>
+            </a:custGeom>
+            <a:solidFill>
+              <a:schemeClr val="tx2"/>
+            </a:solidFill>
+            <a:ln w="0">
+              <a:noFill/>
+              <a:prstDash val="solid"/>
+              <a:round/>
+              <a:headEnd/>
+              <a:tailEnd/>
+            </a:ln>
+          </p:spPr>
+        </p:sp>
+      </p:grpSp>
     </p:spTree>
     <p:extLst>
       <p:ext uri="{BB962C8B-B14F-4D97-AF65-F5344CB8AC3E}">
-        <p14:creationId xmlns:p14="http://schemas.microsoft.com/office/powerpoint/2010/main" val="3017819727"/>
+        <p14:creationId xmlns:p14="http://schemas.microsoft.com/office/powerpoint/2010/main" val="708593728"/>
       </p:ext>
     </p:extLst>
   </p:cSld>
   <p:clrMapOvr>
-    <a:masterClrMapping/>
+    <a:overrideClrMapping bg1="lt1" tx1="dk1" bg2="lt2" tx2="dk2" accent1="accent1" accent2="accent2" accent3="accent3" accent4="accent4" accent5="accent5" accent6="accent6" hlink="hlink" folHlink="folHlink"/>
   </p:clrMapOvr>
 </p:sldLayout>
 </file>
@@ -361,13 +972,7 @@
       </p:grpSpPr>
       <p:sp>
         <p:nvSpPr>
-          <p:cNvPr id="2" name="Title 1">
-            <a:extLst>
-              <a:ext uri="{FF2B5EF4-FFF2-40B4-BE49-F238E27FC236}">
-                <a16:creationId xmlns:a16="http://schemas.microsoft.com/office/drawing/2014/main" id="{6AE29CB2-3B62-8A49-B36B-E172878A4D3F}"/>
-              </a:ext>
-            </a:extLst>
-          </p:cNvPr>
+          <p:cNvPr id="2" name="Title 1"/>
           <p:cNvSpPr>
             <a:spLocks noGrp="1"/>
           </p:cNvSpPr>
@@ -384,18 +989,13 @@
               <a:rPr lang="en-US"/>
               <a:t>Click to edit Master title style</a:t>
             </a:r>
-          </a:p>
-        </p:txBody>
-      </p:sp>
-      <p:sp>
-        <p:nvSpPr>
-          <p:cNvPr id="3" name="Vertical Text Placeholder 2">
-            <a:extLst>
-              <a:ext uri="{FF2B5EF4-FFF2-40B4-BE49-F238E27FC236}">
-                <a16:creationId xmlns:a16="http://schemas.microsoft.com/office/drawing/2014/main" id="{5930CBB7-B36C-764A-9B1E-12DEC3AD36E0}"/>
-              </a:ext>
-            </a:extLst>
-          </p:cNvPr>
+            <a:endParaRPr lang="en-US" dirty="0"/>
+          </a:p>
+        </p:txBody>
+      </p:sp>
+      <p:sp>
+        <p:nvSpPr>
+          <p:cNvPr id="3" name="Vertical Text Placeholder 2"/>
           <p:cNvSpPr>
             <a:spLocks noGrp="1"/>
           </p:cNvSpPr>
@@ -403,7 +1003,12 @@
             <p:ph type="body" orient="vert" idx="1"/>
           </p:nvPr>
         </p:nvSpPr>
-        <p:spPr/>
+        <p:spPr>
+          <a:xfrm>
+            <a:off x="1371600" y="2295525"/>
+            <a:ext cx="9601200" cy="3571875"/>
+          </a:xfrm>
+        </p:spPr>
         <p:txBody>
           <a:bodyPr vert="eaVert"/>
           <a:lstStyle/>
@@ -441,18 +1046,13 @@
               <a:rPr lang="en-US"/>
               <a:t>Fifth level</a:t>
             </a:r>
-          </a:p>
-        </p:txBody>
-      </p:sp>
-      <p:sp>
-        <p:nvSpPr>
-          <p:cNvPr id="4" name="Date Placeholder 3">
-            <a:extLst>
-              <a:ext uri="{FF2B5EF4-FFF2-40B4-BE49-F238E27FC236}">
-                <a16:creationId xmlns:a16="http://schemas.microsoft.com/office/drawing/2014/main" id="{0F239653-1705-194B-88E6-63D02B522C53}"/>
-              </a:ext>
-            </a:extLst>
-          </p:cNvPr>
+            <a:endParaRPr lang="en-US" dirty="0"/>
+          </a:p>
+        </p:txBody>
+      </p:sp>
+      <p:sp>
+        <p:nvSpPr>
+          <p:cNvPr id="4" name="Date Placeholder 3"/>
           <p:cNvSpPr>
             <a:spLocks noGrp="1"/>
           </p:cNvSpPr>
@@ -467,7 +1067,7 @@
           <a:p>
             <a:fld id="{D4B181B7-4E45-0F4E-BAB0-4C262B2B135A}" type="datetimeFigureOut">
               <a:rPr lang="en-US" smtClean="0"/>
-              <a:t>4/23/2019</a:t>
+              <a:t>4/23/19</a:t>
             </a:fld>
             <a:endParaRPr lang="en-US" dirty="0"/>
           </a:p>
@@ -475,13 +1075,7 @@
       </p:sp>
       <p:sp>
         <p:nvSpPr>
-          <p:cNvPr id="5" name="Footer Placeholder 4">
-            <a:extLst>
-              <a:ext uri="{FF2B5EF4-FFF2-40B4-BE49-F238E27FC236}">
-                <a16:creationId xmlns:a16="http://schemas.microsoft.com/office/drawing/2014/main" id="{C0267745-537B-854E-B629-43A70029AE1C}"/>
-              </a:ext>
-            </a:extLst>
-          </p:cNvPr>
+          <p:cNvPr id="5" name="Footer Placeholder 4"/>
           <p:cNvSpPr>
             <a:spLocks noGrp="1"/>
           </p:cNvSpPr>
@@ -500,13 +1094,7 @@
       </p:sp>
       <p:sp>
         <p:nvSpPr>
-          <p:cNvPr id="6" name="Slide Number Placeholder 5">
-            <a:extLst>
-              <a:ext uri="{FF2B5EF4-FFF2-40B4-BE49-F238E27FC236}">
-                <a16:creationId xmlns:a16="http://schemas.microsoft.com/office/drawing/2014/main" id="{1074FD2B-0558-AF48-8E5D-439E41F0B183}"/>
-              </a:ext>
-            </a:extLst>
-          </p:cNvPr>
+          <p:cNvPr id="6" name="Slide Number Placeholder 5"/>
           <p:cNvSpPr>
             <a:spLocks noGrp="1"/>
           </p:cNvSpPr>
@@ -530,7 +1118,7 @@
     </p:spTree>
     <p:extLst>
       <p:ext uri="{BB962C8B-B14F-4D97-AF65-F5344CB8AC3E}">
-        <p14:creationId xmlns:p14="http://schemas.microsoft.com/office/powerpoint/2010/main" val="2249733736"/>
+        <p14:creationId xmlns:p14="http://schemas.microsoft.com/office/powerpoint/2010/main" val="3848026195"/>
       </p:ext>
     </p:extLst>
   </p:cSld>
@@ -559,13 +1147,7 @@
       </p:grpSpPr>
       <p:sp>
         <p:nvSpPr>
-          <p:cNvPr id="2" name="Vertical Title 1">
-            <a:extLst>
-              <a:ext uri="{FF2B5EF4-FFF2-40B4-BE49-F238E27FC236}">
-                <a16:creationId xmlns:a16="http://schemas.microsoft.com/office/drawing/2014/main" id="{6A4C4D8C-70CE-E04D-91E3-030ED27D74CA}"/>
-              </a:ext>
-            </a:extLst>
-          </p:cNvPr>
+          <p:cNvPr id="2" name="Vertical Title 1"/>
           <p:cNvSpPr>
             <a:spLocks noGrp="1"/>
           </p:cNvSpPr>
@@ -575,8 +1157,8 @@
         </p:nvSpPr>
         <p:spPr>
           <a:xfrm>
-            <a:off x="8724900" y="365125"/>
-            <a:ext cx="2628900" cy="5811838"/>
+            <a:off x="9596561" y="624156"/>
+            <a:ext cx="1565766" cy="5243244"/>
           </a:xfrm>
         </p:spPr>
         <p:txBody>
@@ -587,18 +1169,13 @@
               <a:rPr lang="en-US"/>
               <a:t>Click to edit Master title style</a:t>
             </a:r>
-          </a:p>
-        </p:txBody>
-      </p:sp>
-      <p:sp>
-        <p:nvSpPr>
-          <p:cNvPr id="3" name="Vertical Text Placeholder 2">
-            <a:extLst>
-              <a:ext uri="{FF2B5EF4-FFF2-40B4-BE49-F238E27FC236}">
-                <a16:creationId xmlns:a16="http://schemas.microsoft.com/office/drawing/2014/main" id="{DF8F59E9-C743-2347-A938-17255AADBFEA}"/>
-              </a:ext>
-            </a:extLst>
-          </p:cNvPr>
+            <a:endParaRPr lang="en-US" dirty="0"/>
+          </a:p>
+        </p:txBody>
+      </p:sp>
+      <p:sp>
+        <p:nvSpPr>
+          <p:cNvPr id="3" name="Vertical Text Placeholder 2"/>
           <p:cNvSpPr>
             <a:spLocks noGrp="1"/>
           </p:cNvSpPr>
@@ -608,8 +1185,8 @@
         </p:nvSpPr>
         <p:spPr>
           <a:xfrm>
-            <a:off x="838200" y="365125"/>
-            <a:ext cx="7734300" cy="5811838"/>
+            <a:off x="1371600" y="624156"/>
+            <a:ext cx="8179641" cy="5243244"/>
           </a:xfrm>
         </p:spPr>
         <p:txBody>
@@ -649,18 +1226,13 @@
               <a:rPr lang="en-US"/>
               <a:t>Fifth level</a:t>
             </a:r>
-          </a:p>
-        </p:txBody>
-      </p:sp>
-      <p:sp>
-        <p:nvSpPr>
-          <p:cNvPr id="4" name="Date Placeholder 3">
-            <a:extLst>
-              <a:ext uri="{FF2B5EF4-FFF2-40B4-BE49-F238E27FC236}">
-                <a16:creationId xmlns:a16="http://schemas.microsoft.com/office/drawing/2014/main" id="{AE65EFE1-E781-0849-ACC6-532ABB49A10B}"/>
-              </a:ext>
-            </a:extLst>
-          </p:cNvPr>
+            <a:endParaRPr lang="en-US" dirty="0"/>
+          </a:p>
+        </p:txBody>
+      </p:sp>
+      <p:sp>
+        <p:nvSpPr>
+          <p:cNvPr id="4" name="Date Placeholder 3"/>
           <p:cNvSpPr>
             <a:spLocks noGrp="1"/>
           </p:cNvSpPr>
@@ -675,7 +1247,7 @@
           <a:p>
             <a:fld id="{D4B181B7-4E45-0F4E-BAB0-4C262B2B135A}" type="datetimeFigureOut">
               <a:rPr lang="en-US" smtClean="0"/>
-              <a:t>4/23/2019</a:t>
+              <a:t>4/23/19</a:t>
             </a:fld>
             <a:endParaRPr lang="en-US" dirty="0"/>
           </a:p>
@@ -683,13 +1255,7 @@
       </p:sp>
       <p:sp>
         <p:nvSpPr>
-          <p:cNvPr id="5" name="Footer Placeholder 4">
-            <a:extLst>
-              <a:ext uri="{FF2B5EF4-FFF2-40B4-BE49-F238E27FC236}">
-                <a16:creationId xmlns:a16="http://schemas.microsoft.com/office/drawing/2014/main" id="{0034804B-975B-E04F-834F-1BB7C97BC0BE}"/>
-              </a:ext>
-            </a:extLst>
-          </p:cNvPr>
+          <p:cNvPr id="5" name="Footer Placeholder 4"/>
           <p:cNvSpPr>
             <a:spLocks noGrp="1"/>
           </p:cNvSpPr>
@@ -708,13 +1274,7 @@
       </p:sp>
       <p:sp>
         <p:nvSpPr>
-          <p:cNvPr id="6" name="Slide Number Placeholder 5">
-            <a:extLst>
-              <a:ext uri="{FF2B5EF4-FFF2-40B4-BE49-F238E27FC236}">
-                <a16:creationId xmlns:a16="http://schemas.microsoft.com/office/drawing/2014/main" id="{48D35126-28EB-0C4F-B571-27D0972194B4}"/>
-              </a:ext>
-            </a:extLst>
-          </p:cNvPr>
+          <p:cNvPr id="6" name="Slide Number Placeholder 5"/>
           <p:cNvSpPr>
             <a:spLocks noGrp="1"/>
           </p:cNvSpPr>
@@ -738,7 +1298,7 @@
     </p:spTree>
     <p:extLst>
       <p:ext uri="{BB962C8B-B14F-4D97-AF65-F5344CB8AC3E}">
-        <p14:creationId xmlns:p14="http://schemas.microsoft.com/office/powerpoint/2010/main" val="1590832396"/>
+        <p14:creationId xmlns:p14="http://schemas.microsoft.com/office/powerpoint/2010/main" val="3879159059"/>
       </p:ext>
     </p:extLst>
   </p:cSld>
@@ -767,13 +1327,7 @@
       </p:grpSpPr>
       <p:sp>
         <p:nvSpPr>
-          <p:cNvPr id="2" name="Title 1">
-            <a:extLst>
-              <a:ext uri="{FF2B5EF4-FFF2-40B4-BE49-F238E27FC236}">
-                <a16:creationId xmlns:a16="http://schemas.microsoft.com/office/drawing/2014/main" id="{8EA21A17-E94B-5449-825A-0576DDEEFB56}"/>
-              </a:ext>
-            </a:extLst>
-          </p:cNvPr>
+          <p:cNvPr id="2" name="Title 1"/>
           <p:cNvSpPr>
             <a:spLocks noGrp="1"/>
           </p:cNvSpPr>
@@ -790,18 +1344,13 @@
               <a:rPr lang="en-US"/>
               <a:t>Click to edit Master title style</a:t>
             </a:r>
-          </a:p>
-        </p:txBody>
-      </p:sp>
-      <p:sp>
-        <p:nvSpPr>
-          <p:cNvPr id="3" name="Content Placeholder 2">
-            <a:extLst>
-              <a:ext uri="{FF2B5EF4-FFF2-40B4-BE49-F238E27FC236}">
-                <a16:creationId xmlns:a16="http://schemas.microsoft.com/office/drawing/2014/main" id="{D97F45AF-3EDE-954C-8C26-D114D8E0ABC9}"/>
-              </a:ext>
-            </a:extLst>
-          </p:cNvPr>
+            <a:endParaRPr lang="en-US" dirty="0"/>
+          </a:p>
+        </p:txBody>
+      </p:sp>
+      <p:sp>
+        <p:nvSpPr>
+          <p:cNvPr id="3" name="Content Placeholder 2"/>
           <p:cNvSpPr>
             <a:spLocks noGrp="1"/>
           </p:cNvSpPr>
@@ -847,18 +1396,13 @@
               <a:rPr lang="en-US"/>
               <a:t>Fifth level</a:t>
             </a:r>
-          </a:p>
-        </p:txBody>
-      </p:sp>
-      <p:sp>
-        <p:nvSpPr>
-          <p:cNvPr id="4" name="Date Placeholder 3">
-            <a:extLst>
-              <a:ext uri="{FF2B5EF4-FFF2-40B4-BE49-F238E27FC236}">
-                <a16:creationId xmlns:a16="http://schemas.microsoft.com/office/drawing/2014/main" id="{F6D5ADB2-8E12-4641-82B6-FEF6311A8076}"/>
-              </a:ext>
-            </a:extLst>
-          </p:cNvPr>
+            <a:endParaRPr lang="en-US" dirty="0"/>
+          </a:p>
+        </p:txBody>
+      </p:sp>
+      <p:sp>
+        <p:nvSpPr>
+          <p:cNvPr id="4" name="Date Placeholder 3"/>
           <p:cNvSpPr>
             <a:spLocks noGrp="1"/>
           </p:cNvSpPr>
@@ -873,7 +1417,7 @@
           <a:p>
             <a:fld id="{D4B181B7-4E45-0F4E-BAB0-4C262B2B135A}" type="datetimeFigureOut">
               <a:rPr lang="en-US" smtClean="0"/>
-              <a:t>4/23/2019</a:t>
+              <a:t>4/23/19</a:t>
             </a:fld>
             <a:endParaRPr lang="en-US" dirty="0"/>
           </a:p>
@@ -881,13 +1425,7 @@
       </p:sp>
       <p:sp>
         <p:nvSpPr>
-          <p:cNvPr id="5" name="Footer Placeholder 4">
-            <a:extLst>
-              <a:ext uri="{FF2B5EF4-FFF2-40B4-BE49-F238E27FC236}">
-                <a16:creationId xmlns:a16="http://schemas.microsoft.com/office/drawing/2014/main" id="{E2DFF82A-F2EC-F34D-B045-F0EDEC2FD3CD}"/>
-              </a:ext>
-            </a:extLst>
-          </p:cNvPr>
+          <p:cNvPr id="5" name="Footer Placeholder 4"/>
           <p:cNvSpPr>
             <a:spLocks noGrp="1"/>
           </p:cNvSpPr>
@@ -906,13 +1444,7 @@
       </p:sp>
       <p:sp>
         <p:nvSpPr>
-          <p:cNvPr id="6" name="Slide Number Placeholder 5">
-            <a:extLst>
-              <a:ext uri="{FF2B5EF4-FFF2-40B4-BE49-F238E27FC236}">
-                <a16:creationId xmlns:a16="http://schemas.microsoft.com/office/drawing/2014/main" id="{1C8E30E5-662B-D04C-BB70-979FEF2E73D6}"/>
-              </a:ext>
-            </a:extLst>
-          </p:cNvPr>
+          <p:cNvPr id="6" name="Slide Number Placeholder 5"/>
           <p:cNvSpPr>
             <a:spLocks noGrp="1"/>
           </p:cNvSpPr>
@@ -936,7 +1468,7 @@
     </p:spTree>
     <p:extLst>
       <p:ext uri="{BB962C8B-B14F-4D97-AF65-F5344CB8AC3E}">
-        <p14:creationId xmlns:p14="http://schemas.microsoft.com/office/powerpoint/2010/main" val="1754468904"/>
+        <p14:creationId xmlns:p14="http://schemas.microsoft.com/office/powerpoint/2010/main" val="1078280858"/>
       </p:ext>
     </p:extLst>
   </p:cSld>
@@ -947,8 +1479,13 @@
 </file>
 
 <file path=ppt/slideLayouts/slideLayout3.xml><?xml version="1.0" encoding="utf-8"?>
-<p:sldLayout xmlns:a="http://schemas.openxmlformats.org/drawingml/2006/main" xmlns:r="http://schemas.openxmlformats.org/officeDocument/2006/relationships" xmlns:p="http://schemas.openxmlformats.org/presentationml/2006/main" type="secHead" preserve="1">
+<p:sldLayout xmlns:a="http://schemas.openxmlformats.org/drawingml/2006/main" xmlns:r="http://schemas.openxmlformats.org/officeDocument/2006/relationships" xmlns:p="http://schemas.openxmlformats.org/presentationml/2006/main" showMasterSp="0" type="secHead" preserve="1">
   <p:cSld name="Section Header">
+    <p:bg>
+      <p:bgRef idx="1001">
+        <a:schemeClr val="bg2"/>
+      </p:bgRef>
+    </p:bg>
     <p:spTree>
       <p:nvGrpSpPr>
         <p:cNvPr id="1" name=""/>
@@ -965,13 +1502,7 @@
       </p:grpSpPr>
       <p:sp>
         <p:nvSpPr>
-          <p:cNvPr id="2" name="Title 1">
-            <a:extLst>
-              <a:ext uri="{FF2B5EF4-FFF2-40B4-BE49-F238E27FC236}">
-                <a16:creationId xmlns:a16="http://schemas.microsoft.com/office/drawing/2014/main" id="{8D675EED-58EE-FB49-89FB-0328A94EB472}"/>
-              </a:ext>
-            </a:extLst>
-          </p:cNvPr>
+          <p:cNvPr id="2" name="Title 1"/>
           <p:cNvSpPr>
             <a:spLocks noGrp="1"/>
           </p:cNvSpPr>
@@ -981,15 +1512,21 @@
         </p:nvSpPr>
         <p:spPr>
           <a:xfrm>
-            <a:off x="831850" y="1709738"/>
-            <a:ext cx="10515600" cy="2852737"/>
+            <a:off x="765025" y="1301360"/>
+            <a:ext cx="9612971" cy="2852737"/>
           </a:xfrm>
         </p:spPr>
         <p:txBody>
-          <a:bodyPr anchor="b"/>
+          <a:bodyPr anchor="b">
+            <a:normAutofit/>
+          </a:bodyPr>
           <a:lstStyle>
-            <a:lvl1pPr>
-              <a:defRPr sz="6000"/>
+            <a:lvl1pPr algn="r">
+              <a:defRPr sz="7200" cap="all" baseline="0">
+                <a:solidFill>
+                  <a:schemeClr val="tx2"/>
+                </a:solidFill>
+              </a:defRPr>
             </a:lvl1pPr>
           </a:lstStyle>
           <a:p>
@@ -997,18 +1534,13 @@
               <a:rPr lang="en-US"/>
               <a:t>Click to edit Master title style</a:t>
             </a:r>
-          </a:p>
-        </p:txBody>
-      </p:sp>
-      <p:sp>
-        <p:nvSpPr>
-          <p:cNvPr id="3" name="Text Placeholder 2">
-            <a:extLst>
-              <a:ext uri="{FF2B5EF4-FFF2-40B4-BE49-F238E27FC236}">
-                <a16:creationId xmlns:a16="http://schemas.microsoft.com/office/drawing/2014/main" id="{087F146D-256E-3B4E-AC23-321AFD7075AF}"/>
-              </a:ext>
-            </a:extLst>
-          </p:cNvPr>
+            <a:endParaRPr lang="en-US" dirty="0"/>
+          </a:p>
+        </p:txBody>
+      </p:sp>
+      <p:sp>
+        <p:nvSpPr>
+          <p:cNvPr id="3" name="Text Placeholder 2"/>
           <p:cNvSpPr>
             <a:spLocks noGrp="1"/>
           </p:cNvSpPr>
@@ -1018,20 +1550,27 @@
         </p:nvSpPr>
         <p:spPr>
           <a:xfrm>
-            <a:off x="831850" y="4589463"/>
-            <a:ext cx="10515600" cy="1500187"/>
+            <a:off x="765025" y="4216328"/>
+            <a:ext cx="9612971" cy="1143324"/>
           </a:xfrm>
         </p:spPr>
         <p:txBody>
           <a:bodyPr/>
           <a:lstStyle>
-            <a:lvl1pPr marL="0" indent="0">
+            <a:lvl1pPr marL="0" indent="0" algn="r">
+              <a:lnSpc>
+                <a:spcPct val="112000"/>
+              </a:lnSpc>
+              <a:spcBef>
+                <a:spcPts val="0"/>
+              </a:spcBef>
+              <a:spcAft>
+                <a:spcPts val="0"/>
+              </a:spcAft>
               <a:buNone/>
               <a:defRPr sz="2400">
                 <a:solidFill>
-                  <a:schemeClr val="tx1">
-                    <a:tint val="75000"/>
-                  </a:schemeClr>
+                  <a:schemeClr val="tx2"/>
                 </a:solidFill>
               </a:defRPr>
             </a:lvl1pPr>
@@ -1127,13 +1666,7 @@
       </p:sp>
       <p:sp>
         <p:nvSpPr>
-          <p:cNvPr id="4" name="Date Placeholder 3">
-            <a:extLst>
-              <a:ext uri="{FF2B5EF4-FFF2-40B4-BE49-F238E27FC236}">
-                <a16:creationId xmlns:a16="http://schemas.microsoft.com/office/drawing/2014/main" id="{C7EC4B78-EE95-DF48-9849-82296ADAF521}"/>
-              </a:ext>
-            </a:extLst>
-          </p:cNvPr>
+          <p:cNvPr id="4" name="Date Placeholder 3"/>
           <p:cNvSpPr>
             <a:spLocks noGrp="1"/>
           </p:cNvSpPr>
@@ -1141,14 +1674,27 @@
             <p:ph type="dt" sz="half" idx="10"/>
           </p:nvPr>
         </p:nvSpPr>
-        <p:spPr/>
+        <p:spPr>
+          <a:xfrm>
+            <a:off x="738908" y="6453386"/>
+            <a:ext cx="1622409" cy="404614"/>
+          </a:xfrm>
+        </p:spPr>
         <p:txBody>
           <a:bodyPr/>
-          <a:lstStyle/>
+          <a:lstStyle>
+            <a:lvl1pPr>
+              <a:defRPr>
+                <a:solidFill>
+                  <a:schemeClr val="tx2"/>
+                </a:solidFill>
+              </a:defRPr>
+            </a:lvl1pPr>
+          </a:lstStyle>
           <a:p>
             <a:fld id="{D4B181B7-4E45-0F4E-BAB0-4C262B2B135A}" type="datetimeFigureOut">
               <a:rPr lang="en-US" smtClean="0"/>
-              <a:t>4/23/2019</a:t>
+              <a:t>4/23/19</a:t>
             </a:fld>
             <a:endParaRPr lang="en-US" dirty="0"/>
           </a:p>
@@ -1156,13 +1702,7 @@
       </p:sp>
       <p:sp>
         <p:nvSpPr>
-          <p:cNvPr id="5" name="Footer Placeholder 4">
-            <a:extLst>
-              <a:ext uri="{FF2B5EF4-FFF2-40B4-BE49-F238E27FC236}">
-                <a16:creationId xmlns:a16="http://schemas.microsoft.com/office/drawing/2014/main" id="{424FAE87-A4B8-BD4F-AA17-CDDCD6B50FA1}"/>
-              </a:ext>
-            </a:extLst>
-          </p:cNvPr>
+          <p:cNvPr id="5" name="Footer Placeholder 4"/>
           <p:cNvSpPr>
             <a:spLocks noGrp="1"/>
           </p:cNvSpPr>
@@ -1170,10 +1710,23 @@
             <p:ph type="ftr" sz="quarter" idx="11"/>
           </p:nvPr>
         </p:nvSpPr>
-        <p:spPr/>
+        <p:spPr>
+          <a:xfrm>
+            <a:off x="2584312" y="6453386"/>
+            <a:ext cx="7023377" cy="404614"/>
+          </a:xfrm>
+        </p:spPr>
         <p:txBody>
           <a:bodyPr/>
-          <a:lstStyle/>
+          <a:lstStyle>
+            <a:lvl1pPr algn="ctr">
+              <a:defRPr>
+                <a:solidFill>
+                  <a:schemeClr val="tx2"/>
+                </a:solidFill>
+              </a:defRPr>
+            </a:lvl1pPr>
+          </a:lstStyle>
           <a:p>
             <a:endParaRPr lang="en-US" dirty="0"/>
           </a:p>
@@ -1181,13 +1734,7 @@
       </p:sp>
       <p:sp>
         <p:nvSpPr>
-          <p:cNvPr id="6" name="Slide Number Placeholder 5">
-            <a:extLst>
-              <a:ext uri="{FF2B5EF4-FFF2-40B4-BE49-F238E27FC236}">
-                <a16:creationId xmlns:a16="http://schemas.microsoft.com/office/drawing/2014/main" id="{DAAA7D20-ECEB-DB41-AB92-90A4F385A265}"/>
-              </a:ext>
-            </a:extLst>
-          </p:cNvPr>
+          <p:cNvPr id="6" name="Slide Number Placeholder 5"/>
           <p:cNvSpPr>
             <a:spLocks noGrp="1"/>
           </p:cNvSpPr>
@@ -1195,10 +1742,23 @@
             <p:ph type="sldNum" sz="quarter" idx="12"/>
           </p:nvPr>
         </p:nvSpPr>
-        <p:spPr/>
+        <p:spPr>
+          <a:xfrm>
+            <a:off x="9830683" y="6453386"/>
+            <a:ext cx="1596292" cy="404614"/>
+          </a:xfrm>
+        </p:spPr>
         <p:txBody>
           <a:bodyPr/>
-          <a:lstStyle/>
+          <a:lstStyle>
+            <a:lvl1pPr>
+              <a:defRPr>
+                <a:solidFill>
+                  <a:schemeClr val="tx2"/>
+                </a:solidFill>
+              </a:defRPr>
+            </a:lvl1pPr>
+          </a:lstStyle>
           <a:p>
             <a:fld id="{78D92046-99EC-4E47-86C6-7670AF7EDC70}" type="slidenum">
               <a:rPr lang="en-US" smtClean="0"/>
@@ -1208,15 +1768,71 @@
           </a:p>
         </p:txBody>
       </p:sp>
+      <p:sp>
+        <p:nvSpPr>
+          <p:cNvPr id="7" name="Freeform 6" title="Crop Mark"/>
+          <p:cNvSpPr/>
+          <p:nvPr/>
+        </p:nvSpPr>
+        <p:spPr bwMode="auto">
+          <a:xfrm>
+            <a:off x="8151962" y="1685652"/>
+            <a:ext cx="3275013" cy="4408488"/>
+          </a:xfrm>
+          <a:custGeom>
+            <a:avLst/>
+            <a:gdLst/>
+            <a:ahLst/>
+            <a:cxnLst/>
+            <a:rect l="0" t="0" r="r" b="b"/>
+            <a:pathLst>
+              <a:path w="4125" h="5554">
+                <a:moveTo>
+                  <a:pt x="3614" y="0"/>
+                </a:moveTo>
+                <a:lnTo>
+                  <a:pt x="4125" y="0"/>
+                </a:lnTo>
+                <a:lnTo>
+                  <a:pt x="4125" y="5554"/>
+                </a:lnTo>
+                <a:lnTo>
+                  <a:pt x="0" y="5554"/>
+                </a:lnTo>
+                <a:lnTo>
+                  <a:pt x="0" y="5074"/>
+                </a:lnTo>
+                <a:lnTo>
+                  <a:pt x="3614" y="5074"/>
+                </a:lnTo>
+                <a:lnTo>
+                  <a:pt x="3614" y="0"/>
+                </a:lnTo>
+                <a:close/>
+              </a:path>
+            </a:pathLst>
+          </a:custGeom>
+          <a:solidFill>
+            <a:schemeClr val="tx2"/>
+          </a:solidFill>
+          <a:ln w="0">
+            <a:noFill/>
+            <a:prstDash val="solid"/>
+            <a:round/>
+            <a:headEnd/>
+            <a:tailEnd/>
+          </a:ln>
+        </p:spPr>
+      </p:sp>
     </p:spTree>
     <p:extLst>
       <p:ext uri="{BB962C8B-B14F-4D97-AF65-F5344CB8AC3E}">
-        <p14:creationId xmlns:p14="http://schemas.microsoft.com/office/powerpoint/2010/main" val="3659110871"/>
+        <p14:creationId xmlns:p14="http://schemas.microsoft.com/office/powerpoint/2010/main" val="2657710720"/>
       </p:ext>
     </p:extLst>
   </p:cSld>
   <p:clrMapOvr>
-    <a:masterClrMapping/>
+    <a:overrideClrMapping bg1="dk1" tx1="lt1" bg2="dk2" tx2="lt2" accent1="accent1" accent2="accent2" accent3="accent3" accent4="accent4" accent5="accent5" accent6="accent6" hlink="hlink" folHlink="folHlink"/>
   </p:clrMapOvr>
 </p:sldLayout>
 </file>
@@ -1240,18 +1856,229 @@
       </p:grpSpPr>
       <p:sp>
         <p:nvSpPr>
-          <p:cNvPr id="2" name="Title 1">
-            <a:extLst>
-              <a:ext uri="{FF2B5EF4-FFF2-40B4-BE49-F238E27FC236}">
-                <a16:creationId xmlns:a16="http://schemas.microsoft.com/office/drawing/2014/main" id="{B073B6E6-9D74-1547-AD42-02A2358E612F}"/>
-              </a:ext>
-            </a:extLst>
-          </p:cNvPr>
+          <p:cNvPr id="2" name="Title 1"/>
           <p:cNvSpPr>
             <a:spLocks noGrp="1"/>
           </p:cNvSpPr>
           <p:nvPr>
             <p:ph type="title"/>
+          </p:nvPr>
+        </p:nvSpPr>
+        <p:spPr/>
+        <p:txBody>
+          <a:bodyPr/>
+          <a:lstStyle>
+            <a:lvl1pPr>
+              <a:defRPr>
+                <a:solidFill>
+                  <a:schemeClr val="tx2"/>
+                </a:solidFill>
+              </a:defRPr>
+            </a:lvl1pPr>
+          </a:lstStyle>
+          <a:p>
+            <a:r>
+              <a:rPr lang="en-US"/>
+              <a:t>Click to edit Master title style</a:t>
+            </a:r>
+            <a:endParaRPr lang="en-US" dirty="0"/>
+          </a:p>
+        </p:txBody>
+      </p:sp>
+      <p:sp>
+        <p:nvSpPr>
+          <p:cNvPr id="3" name="Content Placeholder 2"/>
+          <p:cNvSpPr>
+            <a:spLocks noGrp="1"/>
+          </p:cNvSpPr>
+          <p:nvPr>
+            <p:ph sz="half" idx="1"/>
+          </p:nvPr>
+        </p:nvSpPr>
+        <p:spPr>
+          <a:xfrm>
+            <a:off x="1371600" y="2285999"/>
+            <a:ext cx="4447786" cy="3581401"/>
+          </a:xfrm>
+        </p:spPr>
+        <p:txBody>
+          <a:bodyPr/>
+          <a:lstStyle>
+            <a:lvl1pPr>
+              <a:defRPr baseline="0">
+                <a:solidFill>
+                  <a:schemeClr val="tx2"/>
+                </a:solidFill>
+              </a:defRPr>
+            </a:lvl1pPr>
+            <a:lvl2pPr>
+              <a:defRPr baseline="0">
+                <a:solidFill>
+                  <a:schemeClr val="tx2"/>
+                </a:solidFill>
+              </a:defRPr>
+            </a:lvl2pPr>
+            <a:lvl3pPr>
+              <a:defRPr baseline="0">
+                <a:solidFill>
+                  <a:schemeClr val="tx2"/>
+                </a:solidFill>
+              </a:defRPr>
+            </a:lvl3pPr>
+            <a:lvl4pPr>
+              <a:defRPr baseline="0">
+                <a:solidFill>
+                  <a:schemeClr val="tx2"/>
+                </a:solidFill>
+              </a:defRPr>
+            </a:lvl4pPr>
+            <a:lvl5pPr>
+              <a:defRPr baseline="0">
+                <a:solidFill>
+                  <a:schemeClr val="tx2"/>
+                </a:solidFill>
+              </a:defRPr>
+            </a:lvl5pPr>
+          </a:lstStyle>
+          <a:p>
+            <a:pPr lvl="0"/>
+            <a:r>
+              <a:rPr lang="en-US"/>
+              <a:t>Click to edit Master text styles</a:t>
+            </a:r>
+          </a:p>
+          <a:p>
+            <a:pPr lvl="1"/>
+            <a:r>
+              <a:rPr lang="en-US"/>
+              <a:t>Second level</a:t>
+            </a:r>
+          </a:p>
+          <a:p>
+            <a:pPr lvl="2"/>
+            <a:r>
+              <a:rPr lang="en-US"/>
+              <a:t>Third level</a:t>
+            </a:r>
+          </a:p>
+          <a:p>
+            <a:pPr lvl="3"/>
+            <a:r>
+              <a:rPr lang="en-US"/>
+              <a:t>Fourth level</a:t>
+            </a:r>
+          </a:p>
+          <a:p>
+            <a:pPr lvl="4"/>
+            <a:r>
+              <a:rPr lang="en-US"/>
+              <a:t>Fifth level</a:t>
+            </a:r>
+            <a:endParaRPr lang="en-US" dirty="0"/>
+          </a:p>
+        </p:txBody>
+      </p:sp>
+      <p:sp>
+        <p:nvSpPr>
+          <p:cNvPr id="4" name="Content Placeholder 3"/>
+          <p:cNvSpPr>
+            <a:spLocks noGrp="1"/>
+          </p:cNvSpPr>
+          <p:nvPr>
+            <p:ph sz="half" idx="2"/>
+          </p:nvPr>
+        </p:nvSpPr>
+        <p:spPr>
+          <a:xfrm>
+            <a:off x="6525403" y="2285999"/>
+            <a:ext cx="4447786" cy="3581401"/>
+          </a:xfrm>
+        </p:spPr>
+        <p:txBody>
+          <a:bodyPr/>
+          <a:lstStyle>
+            <a:lvl1pPr>
+              <a:defRPr>
+                <a:solidFill>
+                  <a:schemeClr val="tx2"/>
+                </a:solidFill>
+              </a:defRPr>
+            </a:lvl1pPr>
+            <a:lvl2pPr>
+              <a:defRPr>
+                <a:solidFill>
+                  <a:schemeClr val="tx2"/>
+                </a:solidFill>
+              </a:defRPr>
+            </a:lvl2pPr>
+            <a:lvl3pPr>
+              <a:defRPr>
+                <a:solidFill>
+                  <a:schemeClr val="tx2"/>
+                </a:solidFill>
+              </a:defRPr>
+            </a:lvl3pPr>
+            <a:lvl4pPr>
+              <a:defRPr>
+                <a:solidFill>
+                  <a:schemeClr val="tx2"/>
+                </a:solidFill>
+              </a:defRPr>
+            </a:lvl4pPr>
+            <a:lvl5pPr>
+              <a:defRPr>
+                <a:solidFill>
+                  <a:schemeClr val="tx2"/>
+                </a:solidFill>
+              </a:defRPr>
+            </a:lvl5pPr>
+          </a:lstStyle>
+          <a:p>
+            <a:pPr lvl="0"/>
+            <a:r>
+              <a:rPr lang="en-US"/>
+              <a:t>Click to edit Master text styles</a:t>
+            </a:r>
+          </a:p>
+          <a:p>
+            <a:pPr lvl="1"/>
+            <a:r>
+              <a:rPr lang="en-US"/>
+              <a:t>Second level</a:t>
+            </a:r>
+          </a:p>
+          <a:p>
+            <a:pPr lvl="2"/>
+            <a:r>
+              <a:rPr lang="en-US"/>
+              <a:t>Third level</a:t>
+            </a:r>
+          </a:p>
+          <a:p>
+            <a:pPr lvl="3"/>
+            <a:r>
+              <a:rPr lang="en-US"/>
+              <a:t>Fourth level</a:t>
+            </a:r>
+          </a:p>
+          <a:p>
+            <a:pPr lvl="4"/>
+            <a:r>
+              <a:rPr lang="en-US"/>
+              <a:t>Fifth level</a:t>
+            </a:r>
+            <a:endParaRPr lang="en-US" dirty="0"/>
+          </a:p>
+        </p:txBody>
+      </p:sp>
+      <p:sp>
+        <p:nvSpPr>
+          <p:cNvPr id="5" name="Date Placeholder 4"/>
+          <p:cNvSpPr>
+            <a:spLocks noGrp="1"/>
+          </p:cNvSpPr>
+          <p:nvPr>
+            <p:ph type="dt" sz="half" idx="10"/>
           </p:nvPr>
         </p:nvSpPr>
         <p:spPr/>
@@ -1259,200 +2086,36 @@
           <a:bodyPr/>
           <a:lstStyle/>
           <a:p>
-            <a:r>
-              <a:rPr lang="en-US"/>
-              <a:t>Click to edit Master title style</a:t>
-            </a:r>
-          </a:p>
-        </p:txBody>
-      </p:sp>
-      <p:sp>
-        <p:nvSpPr>
-          <p:cNvPr id="3" name="Content Placeholder 2">
-            <a:extLst>
-              <a:ext uri="{FF2B5EF4-FFF2-40B4-BE49-F238E27FC236}">
-                <a16:creationId xmlns:a16="http://schemas.microsoft.com/office/drawing/2014/main" id="{E796B42C-E04F-604E-BF23-EB9143914A3B}"/>
-              </a:ext>
-            </a:extLst>
-          </p:cNvPr>
-          <p:cNvSpPr>
-            <a:spLocks noGrp="1"/>
-          </p:cNvSpPr>
-          <p:nvPr>
-            <p:ph sz="half" idx="1"/>
-          </p:nvPr>
-        </p:nvSpPr>
-        <p:spPr>
-          <a:xfrm>
-            <a:off x="838200" y="1825625"/>
-            <a:ext cx="5181600" cy="4351338"/>
-          </a:xfrm>
-        </p:spPr>
+            <a:fld id="{D4B181B7-4E45-0F4E-BAB0-4C262B2B135A}" type="datetimeFigureOut">
+              <a:rPr lang="en-US" smtClean="0"/>
+              <a:t>4/23/19</a:t>
+            </a:fld>
+            <a:endParaRPr lang="en-US" dirty="0"/>
+          </a:p>
+        </p:txBody>
+      </p:sp>
+      <p:sp>
+        <p:nvSpPr>
+          <p:cNvPr id="6" name="Footer Placeholder 5"/>
+          <p:cNvSpPr>
+            <a:spLocks noGrp="1"/>
+          </p:cNvSpPr>
+          <p:nvPr>
+            <p:ph type="ftr" sz="quarter" idx="11"/>
+          </p:nvPr>
+        </p:nvSpPr>
+        <p:spPr/>
         <p:txBody>
           <a:bodyPr/>
           <a:lstStyle/>
           <a:p>
-            <a:pPr lvl="0"/>
-            <a:r>
-              <a:rPr lang="en-US"/>
-              <a:t>Click to edit Master text styles</a:t>
-            </a:r>
-          </a:p>
-          <a:p>
-            <a:pPr lvl="1"/>
-            <a:r>
-              <a:rPr lang="en-US"/>
-              <a:t>Second level</a:t>
-            </a:r>
-          </a:p>
-          <a:p>
-            <a:pPr lvl="2"/>
-            <a:r>
-              <a:rPr lang="en-US"/>
-              <a:t>Third level</a:t>
-            </a:r>
-          </a:p>
-          <a:p>
-            <a:pPr lvl="3"/>
-            <a:r>
-              <a:rPr lang="en-US"/>
-              <a:t>Fourth level</a:t>
-            </a:r>
-          </a:p>
-          <a:p>
-            <a:pPr lvl="4"/>
-            <a:r>
-              <a:rPr lang="en-US"/>
-              <a:t>Fifth level</a:t>
-            </a:r>
-          </a:p>
-        </p:txBody>
-      </p:sp>
-      <p:sp>
-        <p:nvSpPr>
-          <p:cNvPr id="4" name="Content Placeholder 3">
-            <a:extLst>
-              <a:ext uri="{FF2B5EF4-FFF2-40B4-BE49-F238E27FC236}">
-                <a16:creationId xmlns:a16="http://schemas.microsoft.com/office/drawing/2014/main" id="{5C605057-C69E-BA45-B855-9719C2411836}"/>
-              </a:ext>
-            </a:extLst>
-          </p:cNvPr>
-          <p:cNvSpPr>
-            <a:spLocks noGrp="1"/>
-          </p:cNvSpPr>
-          <p:nvPr>
-            <p:ph sz="half" idx="2"/>
-          </p:nvPr>
-        </p:nvSpPr>
-        <p:spPr>
-          <a:xfrm>
-            <a:off x="6172200" y="1825625"/>
-            <a:ext cx="5181600" cy="4351338"/>
-          </a:xfrm>
-        </p:spPr>
-        <p:txBody>
-          <a:bodyPr/>
-          <a:lstStyle/>
-          <a:p>
-            <a:pPr lvl="0"/>
-            <a:r>
-              <a:rPr lang="en-US"/>
-              <a:t>Click to edit Master text styles</a:t>
-            </a:r>
-          </a:p>
-          <a:p>
-            <a:pPr lvl="1"/>
-            <a:r>
-              <a:rPr lang="en-US"/>
-              <a:t>Second level</a:t>
-            </a:r>
-          </a:p>
-          <a:p>
-            <a:pPr lvl="2"/>
-            <a:r>
-              <a:rPr lang="en-US"/>
-              <a:t>Third level</a:t>
-            </a:r>
-          </a:p>
-          <a:p>
-            <a:pPr lvl="3"/>
-            <a:r>
-              <a:rPr lang="en-US"/>
-              <a:t>Fourth level</a:t>
-            </a:r>
-          </a:p>
-          <a:p>
-            <a:pPr lvl="4"/>
-            <a:r>
-              <a:rPr lang="en-US"/>
-              <a:t>Fifth level</a:t>
-            </a:r>
-          </a:p>
-        </p:txBody>
-      </p:sp>
-      <p:sp>
-        <p:nvSpPr>
-          <p:cNvPr id="5" name="Date Placeholder 4">
-            <a:extLst>
-              <a:ext uri="{FF2B5EF4-FFF2-40B4-BE49-F238E27FC236}">
-                <a16:creationId xmlns:a16="http://schemas.microsoft.com/office/drawing/2014/main" id="{69B3E040-0162-BD4E-B50E-41E7F6E07FEB}"/>
-              </a:ext>
-            </a:extLst>
-          </p:cNvPr>
-          <p:cNvSpPr>
-            <a:spLocks noGrp="1"/>
-          </p:cNvSpPr>
-          <p:nvPr>
-            <p:ph type="dt" sz="half" idx="10"/>
-          </p:nvPr>
-        </p:nvSpPr>
-        <p:spPr/>
-        <p:txBody>
-          <a:bodyPr/>
-          <a:lstStyle/>
-          <a:p>
-            <a:fld id="{D4B181B7-4E45-0F4E-BAB0-4C262B2B135A}" type="datetimeFigureOut">
-              <a:rPr lang="en-US" smtClean="0"/>
-              <a:t>4/23/2019</a:t>
-            </a:fld>
             <a:endParaRPr lang="en-US" dirty="0"/>
           </a:p>
         </p:txBody>
       </p:sp>
       <p:sp>
         <p:nvSpPr>
-          <p:cNvPr id="6" name="Footer Placeholder 5">
-            <a:extLst>
-              <a:ext uri="{FF2B5EF4-FFF2-40B4-BE49-F238E27FC236}">
-                <a16:creationId xmlns:a16="http://schemas.microsoft.com/office/drawing/2014/main" id="{2A49FE19-0EBD-7548-8E1A-503B7D58CB94}"/>
-              </a:ext>
-            </a:extLst>
-          </p:cNvPr>
-          <p:cNvSpPr>
-            <a:spLocks noGrp="1"/>
-          </p:cNvSpPr>
-          <p:nvPr>
-            <p:ph type="ftr" sz="quarter" idx="11"/>
-          </p:nvPr>
-        </p:nvSpPr>
-        <p:spPr/>
-        <p:txBody>
-          <a:bodyPr/>
-          <a:lstStyle/>
-          <a:p>
-            <a:endParaRPr lang="en-US" dirty="0"/>
-          </a:p>
-        </p:txBody>
-      </p:sp>
-      <p:sp>
-        <p:nvSpPr>
-          <p:cNvPr id="7" name="Slide Number Placeholder 6">
-            <a:extLst>
-              <a:ext uri="{FF2B5EF4-FFF2-40B4-BE49-F238E27FC236}">
-                <a16:creationId xmlns:a16="http://schemas.microsoft.com/office/drawing/2014/main" id="{71A5535B-C12D-7448-8989-4908FFA0D9B0}"/>
-              </a:ext>
-            </a:extLst>
-          </p:cNvPr>
+          <p:cNvPr id="7" name="Slide Number Placeholder 6"/>
           <p:cNvSpPr>
             <a:spLocks noGrp="1"/>
           </p:cNvSpPr>
@@ -1476,7 +2139,7 @@
     </p:spTree>
     <p:extLst>
       <p:ext uri="{BB962C8B-B14F-4D97-AF65-F5344CB8AC3E}">
-        <p14:creationId xmlns:p14="http://schemas.microsoft.com/office/powerpoint/2010/main" val="3038162390"/>
+        <p14:creationId xmlns:p14="http://schemas.microsoft.com/office/powerpoint/2010/main" val="3046011480"/>
       </p:ext>
     </p:extLst>
   </p:cSld>
@@ -1505,13 +2168,7 @@
       </p:grpSpPr>
       <p:sp>
         <p:nvSpPr>
-          <p:cNvPr id="2" name="Title 1">
-            <a:extLst>
-              <a:ext uri="{FF2B5EF4-FFF2-40B4-BE49-F238E27FC236}">
-                <a16:creationId xmlns:a16="http://schemas.microsoft.com/office/drawing/2014/main" id="{E373AEF9-1928-3A47-B8BA-CD5A268EFF9F}"/>
-              </a:ext>
-            </a:extLst>
-          </p:cNvPr>
+          <p:cNvPr id="2" name="Title 1"/>
           <p:cNvSpPr>
             <a:spLocks noGrp="1"/>
           </p:cNvSpPr>
@@ -1521,30 +2178,33 @@
         </p:nvSpPr>
         <p:spPr>
           <a:xfrm>
-            <a:off x="839788" y="365125"/>
-            <a:ext cx="10515600" cy="1325563"/>
+            <a:off x="1371600" y="685800"/>
+            <a:ext cx="9601200" cy="1485900"/>
           </a:xfrm>
         </p:spPr>
         <p:txBody>
           <a:bodyPr/>
-          <a:lstStyle/>
+          <a:lstStyle>
+            <a:lvl1pPr>
+              <a:defRPr>
+                <a:solidFill>
+                  <a:schemeClr val="tx2"/>
+                </a:solidFill>
+              </a:defRPr>
+            </a:lvl1pPr>
+          </a:lstStyle>
           <a:p>
             <a:r>
               <a:rPr lang="en-US"/>
               <a:t>Click to edit Master title style</a:t>
             </a:r>
-          </a:p>
-        </p:txBody>
-      </p:sp>
-      <p:sp>
-        <p:nvSpPr>
-          <p:cNvPr id="3" name="Text Placeholder 2">
-            <a:extLst>
-              <a:ext uri="{FF2B5EF4-FFF2-40B4-BE49-F238E27FC236}">
-                <a16:creationId xmlns:a16="http://schemas.microsoft.com/office/drawing/2014/main" id="{C338510D-665C-D441-A9B8-14F5179B93AC}"/>
-              </a:ext>
-            </a:extLst>
-          </p:cNvPr>
+            <a:endParaRPr lang="en-US" dirty="0"/>
+          </a:p>
+        </p:txBody>
+      </p:sp>
+      <p:sp>
+        <p:nvSpPr>
+          <p:cNvPr id="3" name="Text Placeholder 2"/>
           <p:cNvSpPr>
             <a:spLocks noGrp="1"/>
           </p:cNvSpPr>
@@ -1554,16 +2214,31 @@
         </p:nvSpPr>
         <p:spPr>
           <a:xfrm>
-            <a:off x="839788" y="1681163"/>
-            <a:ext cx="5157787" cy="823912"/>
+            <a:off x="1371600" y="2340864"/>
+            <a:ext cx="4443984" cy="823912"/>
           </a:xfrm>
         </p:spPr>
         <p:txBody>
-          <a:bodyPr anchor="b"/>
+          <a:bodyPr anchor="b">
+            <a:noAutofit/>
+          </a:bodyPr>
           <a:lstStyle>
             <a:lvl1pPr marL="0" indent="0">
-              <a:buNone/>
-              <a:defRPr sz="2400" b="1"/>
+              <a:lnSpc>
+                <a:spcPct val="84000"/>
+              </a:lnSpc>
+              <a:spcBef>
+                <a:spcPts val="0"/>
+              </a:spcBef>
+              <a:spcAft>
+                <a:spcPts val="0"/>
+              </a:spcAft>
+              <a:buNone/>
+              <a:defRPr sz="3000" b="0" baseline="0">
+                <a:solidFill>
+                  <a:schemeClr val="tx2"/>
+                </a:solidFill>
+              </a:defRPr>
             </a:lvl1pPr>
             <a:lvl2pPr marL="457200" indent="0">
               <a:buNone/>
@@ -1609,13 +2284,7 @@
       </p:sp>
       <p:sp>
         <p:nvSpPr>
-          <p:cNvPr id="4" name="Content Placeholder 3">
-            <a:extLst>
-              <a:ext uri="{FF2B5EF4-FFF2-40B4-BE49-F238E27FC236}">
-                <a16:creationId xmlns:a16="http://schemas.microsoft.com/office/drawing/2014/main" id="{DEF0223C-1AD9-7240-B95A-B28152193E39}"/>
-              </a:ext>
-            </a:extLst>
-          </p:cNvPr>
+          <p:cNvPr id="4" name="Content Placeholder 3"/>
           <p:cNvSpPr>
             <a:spLocks noGrp="1"/>
           </p:cNvSpPr>
@@ -1625,13 +2294,49 @@
         </p:nvSpPr>
         <p:spPr>
           <a:xfrm>
-            <a:off x="839788" y="2505075"/>
-            <a:ext cx="5157787" cy="3684588"/>
+            <a:off x="1371600" y="3305207"/>
+            <a:ext cx="4443984" cy="2562193"/>
           </a:xfrm>
         </p:spPr>
         <p:txBody>
           <a:bodyPr/>
-          <a:lstStyle/>
+          <a:lstStyle>
+            <a:lvl1pPr>
+              <a:defRPr baseline="0">
+                <a:solidFill>
+                  <a:schemeClr val="tx2"/>
+                </a:solidFill>
+              </a:defRPr>
+            </a:lvl1pPr>
+            <a:lvl2pPr>
+              <a:defRPr baseline="0">
+                <a:solidFill>
+                  <a:schemeClr val="tx2"/>
+                </a:solidFill>
+              </a:defRPr>
+            </a:lvl2pPr>
+            <a:lvl3pPr>
+              <a:defRPr baseline="0">
+                <a:solidFill>
+                  <a:schemeClr val="tx2"/>
+                </a:solidFill>
+              </a:defRPr>
+            </a:lvl3pPr>
+            <a:lvl4pPr>
+              <a:defRPr baseline="0">
+                <a:solidFill>
+                  <a:schemeClr val="tx2"/>
+                </a:solidFill>
+              </a:defRPr>
+            </a:lvl4pPr>
+            <a:lvl5pPr>
+              <a:defRPr baseline="0">
+                <a:solidFill>
+                  <a:schemeClr val="tx2"/>
+                </a:solidFill>
+              </a:defRPr>
+            </a:lvl5pPr>
+          </a:lstStyle>
           <a:p>
             <a:pPr lvl="0"/>
             <a:r>
@@ -1666,18 +2371,13 @@
               <a:rPr lang="en-US"/>
               <a:t>Fifth level</a:t>
             </a:r>
-          </a:p>
-        </p:txBody>
-      </p:sp>
-      <p:sp>
-        <p:nvSpPr>
-          <p:cNvPr id="5" name="Text Placeholder 4">
-            <a:extLst>
-              <a:ext uri="{FF2B5EF4-FFF2-40B4-BE49-F238E27FC236}">
-                <a16:creationId xmlns:a16="http://schemas.microsoft.com/office/drawing/2014/main" id="{55D78C22-1804-BF4C-B7DB-D0DCA685D3DD}"/>
-              </a:ext>
-            </a:extLst>
-          </p:cNvPr>
+            <a:endParaRPr lang="en-US" dirty="0"/>
+          </a:p>
+        </p:txBody>
+      </p:sp>
+      <p:sp>
+        <p:nvSpPr>
+          <p:cNvPr id="5" name="Text Placeholder 4"/>
           <p:cNvSpPr>
             <a:spLocks noGrp="1"/>
           </p:cNvSpPr>
@@ -1687,16 +2387,31 @@
         </p:nvSpPr>
         <p:spPr>
           <a:xfrm>
-            <a:off x="6172200" y="1681163"/>
-            <a:ext cx="5183188" cy="823912"/>
+            <a:off x="6525014" y="2340864"/>
+            <a:ext cx="4443984" cy="823912"/>
           </a:xfrm>
         </p:spPr>
         <p:txBody>
-          <a:bodyPr anchor="b"/>
+          <a:bodyPr anchor="b">
+            <a:noAutofit/>
+          </a:bodyPr>
           <a:lstStyle>
             <a:lvl1pPr marL="0" indent="0">
-              <a:buNone/>
-              <a:defRPr sz="2400" b="1"/>
+              <a:lnSpc>
+                <a:spcPct val="84000"/>
+              </a:lnSpc>
+              <a:spcBef>
+                <a:spcPts val="0"/>
+              </a:spcBef>
+              <a:spcAft>
+                <a:spcPts val="0"/>
+              </a:spcAft>
+              <a:buNone/>
+              <a:defRPr sz="3000" b="0" baseline="0">
+                <a:solidFill>
+                  <a:schemeClr val="tx2"/>
+                </a:solidFill>
+              </a:defRPr>
             </a:lvl1pPr>
             <a:lvl2pPr marL="457200" indent="0">
               <a:buNone/>
@@ -1742,13 +2457,7 @@
       </p:sp>
       <p:sp>
         <p:nvSpPr>
-          <p:cNvPr id="6" name="Content Placeholder 5">
-            <a:extLst>
-              <a:ext uri="{FF2B5EF4-FFF2-40B4-BE49-F238E27FC236}">
-                <a16:creationId xmlns:a16="http://schemas.microsoft.com/office/drawing/2014/main" id="{318667B3-80B4-B445-A9F8-C491B39F5D0B}"/>
-              </a:ext>
-            </a:extLst>
-          </p:cNvPr>
+          <p:cNvPr id="6" name="Content Placeholder 5"/>
           <p:cNvSpPr>
             <a:spLocks noGrp="1"/>
           </p:cNvSpPr>
@@ -1758,13 +2467,49 @@
         </p:nvSpPr>
         <p:spPr>
           <a:xfrm>
-            <a:off x="6172200" y="2505075"/>
-            <a:ext cx="5183188" cy="3684588"/>
+            <a:off x="6525014" y="3305207"/>
+            <a:ext cx="4443984" cy="2562193"/>
           </a:xfrm>
         </p:spPr>
         <p:txBody>
           <a:bodyPr/>
-          <a:lstStyle/>
+          <a:lstStyle>
+            <a:lvl1pPr>
+              <a:defRPr baseline="0">
+                <a:solidFill>
+                  <a:schemeClr val="tx2"/>
+                </a:solidFill>
+              </a:defRPr>
+            </a:lvl1pPr>
+            <a:lvl2pPr>
+              <a:defRPr baseline="0">
+                <a:solidFill>
+                  <a:schemeClr val="tx2"/>
+                </a:solidFill>
+              </a:defRPr>
+            </a:lvl2pPr>
+            <a:lvl3pPr>
+              <a:defRPr baseline="0">
+                <a:solidFill>
+                  <a:schemeClr val="tx2"/>
+                </a:solidFill>
+              </a:defRPr>
+            </a:lvl3pPr>
+            <a:lvl4pPr>
+              <a:defRPr baseline="0">
+                <a:solidFill>
+                  <a:schemeClr val="tx2"/>
+                </a:solidFill>
+              </a:defRPr>
+            </a:lvl4pPr>
+            <a:lvl5pPr>
+              <a:defRPr baseline="0">
+                <a:solidFill>
+                  <a:schemeClr val="tx2"/>
+                </a:solidFill>
+              </a:defRPr>
+            </a:lvl5pPr>
+          </a:lstStyle>
           <a:p>
             <a:pPr lvl="0"/>
             <a:r>
@@ -1799,18 +2544,13 @@
               <a:rPr lang="en-US"/>
               <a:t>Fifth level</a:t>
             </a:r>
-          </a:p>
-        </p:txBody>
-      </p:sp>
-      <p:sp>
-        <p:nvSpPr>
-          <p:cNvPr id="7" name="Date Placeholder 6">
-            <a:extLst>
-              <a:ext uri="{FF2B5EF4-FFF2-40B4-BE49-F238E27FC236}">
-                <a16:creationId xmlns:a16="http://schemas.microsoft.com/office/drawing/2014/main" id="{EDBEE8AF-14FC-FE44-9957-9CAD3439CB1E}"/>
-              </a:ext>
-            </a:extLst>
-          </p:cNvPr>
+            <a:endParaRPr lang="en-US" dirty="0"/>
+          </a:p>
+        </p:txBody>
+      </p:sp>
+      <p:sp>
+        <p:nvSpPr>
+          <p:cNvPr id="7" name="Date Placeholder 6"/>
           <p:cNvSpPr>
             <a:spLocks noGrp="1"/>
           </p:cNvSpPr>
@@ -1825,7 +2565,7 @@
           <a:p>
             <a:fld id="{D4B181B7-4E45-0F4E-BAB0-4C262B2B135A}" type="datetimeFigureOut">
               <a:rPr lang="en-US" smtClean="0"/>
-              <a:t>4/23/2019</a:t>
+              <a:t>4/23/19</a:t>
             </a:fld>
             <a:endParaRPr lang="en-US" dirty="0"/>
           </a:p>
@@ -1833,13 +2573,7 @@
       </p:sp>
       <p:sp>
         <p:nvSpPr>
-          <p:cNvPr id="8" name="Footer Placeholder 7">
-            <a:extLst>
-              <a:ext uri="{FF2B5EF4-FFF2-40B4-BE49-F238E27FC236}">
-                <a16:creationId xmlns:a16="http://schemas.microsoft.com/office/drawing/2014/main" id="{28C2EAEC-A47B-0649-A670-17EF9A448552}"/>
-              </a:ext>
-            </a:extLst>
-          </p:cNvPr>
+          <p:cNvPr id="8" name="Footer Placeholder 7"/>
           <p:cNvSpPr>
             <a:spLocks noGrp="1"/>
           </p:cNvSpPr>
@@ -1858,13 +2592,7 @@
       </p:sp>
       <p:sp>
         <p:nvSpPr>
-          <p:cNvPr id="9" name="Slide Number Placeholder 8">
-            <a:extLst>
-              <a:ext uri="{FF2B5EF4-FFF2-40B4-BE49-F238E27FC236}">
-                <a16:creationId xmlns:a16="http://schemas.microsoft.com/office/drawing/2014/main" id="{45206378-BFE4-704B-BB5D-0EF6D7932710}"/>
-              </a:ext>
-            </a:extLst>
-          </p:cNvPr>
+          <p:cNvPr id="9" name="Slide Number Placeholder 8"/>
           <p:cNvSpPr>
             <a:spLocks noGrp="1"/>
           </p:cNvSpPr>
@@ -1888,7 +2616,7 @@
     </p:spTree>
     <p:extLst>
       <p:ext uri="{BB962C8B-B14F-4D97-AF65-F5344CB8AC3E}">
-        <p14:creationId xmlns:p14="http://schemas.microsoft.com/office/powerpoint/2010/main" val="1593844502"/>
+        <p14:creationId xmlns:p14="http://schemas.microsoft.com/office/powerpoint/2010/main" val="3529048796"/>
       </p:ext>
     </p:extLst>
   </p:cSld>
@@ -1917,13 +2645,7 @@
       </p:grpSpPr>
       <p:sp>
         <p:nvSpPr>
-          <p:cNvPr id="2" name="Title 1">
-            <a:extLst>
-              <a:ext uri="{FF2B5EF4-FFF2-40B4-BE49-F238E27FC236}">
-                <a16:creationId xmlns:a16="http://schemas.microsoft.com/office/drawing/2014/main" id="{2473B1E8-E460-8E46-B76D-2351FB116822}"/>
-              </a:ext>
-            </a:extLst>
-          </p:cNvPr>
+          <p:cNvPr id="2" name="Title 1"/>
           <p:cNvSpPr>
             <a:spLocks noGrp="1"/>
           </p:cNvSpPr>
@@ -1940,18 +2662,13 @@
               <a:rPr lang="en-US"/>
               <a:t>Click to edit Master title style</a:t>
             </a:r>
-          </a:p>
-        </p:txBody>
-      </p:sp>
-      <p:sp>
-        <p:nvSpPr>
-          <p:cNvPr id="3" name="Date Placeholder 2">
-            <a:extLst>
-              <a:ext uri="{FF2B5EF4-FFF2-40B4-BE49-F238E27FC236}">
-                <a16:creationId xmlns:a16="http://schemas.microsoft.com/office/drawing/2014/main" id="{9D468899-2331-1445-86D6-D780581B3A0C}"/>
-              </a:ext>
-            </a:extLst>
-          </p:cNvPr>
+            <a:endParaRPr lang="en-US" dirty="0"/>
+          </a:p>
+        </p:txBody>
+      </p:sp>
+      <p:sp>
+        <p:nvSpPr>
+          <p:cNvPr id="3" name="Date Placeholder 2"/>
           <p:cNvSpPr>
             <a:spLocks noGrp="1"/>
           </p:cNvSpPr>
@@ -1966,7 +2683,7 @@
           <a:p>
             <a:fld id="{D4B181B7-4E45-0F4E-BAB0-4C262B2B135A}" type="datetimeFigureOut">
               <a:rPr lang="en-US" smtClean="0"/>
-              <a:t>4/23/2019</a:t>
+              <a:t>4/23/19</a:t>
             </a:fld>
             <a:endParaRPr lang="en-US" dirty="0"/>
           </a:p>
@@ -1974,13 +2691,7 @@
       </p:sp>
       <p:sp>
         <p:nvSpPr>
-          <p:cNvPr id="4" name="Footer Placeholder 3">
-            <a:extLst>
-              <a:ext uri="{FF2B5EF4-FFF2-40B4-BE49-F238E27FC236}">
-                <a16:creationId xmlns:a16="http://schemas.microsoft.com/office/drawing/2014/main" id="{AE162FDE-882A-5247-8B5B-650A05BAF533}"/>
-              </a:ext>
-            </a:extLst>
-          </p:cNvPr>
+          <p:cNvPr id="4" name="Footer Placeholder 3"/>
           <p:cNvSpPr>
             <a:spLocks noGrp="1"/>
           </p:cNvSpPr>
@@ -1999,13 +2710,7 @@
       </p:sp>
       <p:sp>
         <p:nvSpPr>
-          <p:cNvPr id="5" name="Slide Number Placeholder 4">
-            <a:extLst>
-              <a:ext uri="{FF2B5EF4-FFF2-40B4-BE49-F238E27FC236}">
-                <a16:creationId xmlns:a16="http://schemas.microsoft.com/office/drawing/2014/main" id="{CBDB16EA-337F-0D49-9523-D094BB82893A}"/>
-              </a:ext>
-            </a:extLst>
-          </p:cNvPr>
+          <p:cNvPr id="5" name="Slide Number Placeholder 4"/>
           <p:cNvSpPr>
             <a:spLocks noGrp="1"/>
           </p:cNvSpPr>
@@ -2029,7 +2734,7 @@
     </p:spTree>
     <p:extLst>
       <p:ext uri="{BB962C8B-B14F-4D97-AF65-F5344CB8AC3E}">
-        <p14:creationId xmlns:p14="http://schemas.microsoft.com/office/powerpoint/2010/main" val="3629483113"/>
+        <p14:creationId xmlns:p14="http://schemas.microsoft.com/office/powerpoint/2010/main" val="3954586563"/>
       </p:ext>
     </p:extLst>
   </p:cSld>
@@ -2058,13 +2763,7 @@
       </p:grpSpPr>
       <p:sp>
         <p:nvSpPr>
-          <p:cNvPr id="2" name="Date Placeholder 1">
-            <a:extLst>
-              <a:ext uri="{FF2B5EF4-FFF2-40B4-BE49-F238E27FC236}">
-                <a16:creationId xmlns:a16="http://schemas.microsoft.com/office/drawing/2014/main" id="{4C88CB2C-6730-B146-BA75-246E3BA93CE9}"/>
-              </a:ext>
-            </a:extLst>
-          </p:cNvPr>
+          <p:cNvPr id="2" name="Date Placeholder 1"/>
           <p:cNvSpPr>
             <a:spLocks noGrp="1"/>
           </p:cNvSpPr>
@@ -2079,7 +2778,7 @@
           <a:p>
             <a:fld id="{D4B181B7-4E45-0F4E-BAB0-4C262B2B135A}" type="datetimeFigureOut">
               <a:rPr lang="en-US" smtClean="0"/>
-              <a:t>4/23/2019</a:t>
+              <a:t>4/23/19</a:t>
             </a:fld>
             <a:endParaRPr lang="en-US" dirty="0"/>
           </a:p>
@@ -2087,13 +2786,7 @@
       </p:sp>
       <p:sp>
         <p:nvSpPr>
-          <p:cNvPr id="3" name="Footer Placeholder 2">
-            <a:extLst>
-              <a:ext uri="{FF2B5EF4-FFF2-40B4-BE49-F238E27FC236}">
-                <a16:creationId xmlns:a16="http://schemas.microsoft.com/office/drawing/2014/main" id="{90DBBE66-0B86-3549-BBC2-A33D019EF3EF}"/>
-              </a:ext>
-            </a:extLst>
-          </p:cNvPr>
+          <p:cNvPr id="3" name="Footer Placeholder 2"/>
           <p:cNvSpPr>
             <a:spLocks noGrp="1"/>
           </p:cNvSpPr>
@@ -2112,13 +2805,7 @@
       </p:sp>
       <p:sp>
         <p:nvSpPr>
-          <p:cNvPr id="4" name="Slide Number Placeholder 3">
-            <a:extLst>
-              <a:ext uri="{FF2B5EF4-FFF2-40B4-BE49-F238E27FC236}">
-                <a16:creationId xmlns:a16="http://schemas.microsoft.com/office/drawing/2014/main" id="{EBD253B1-B899-E34F-B48E-5055887E1548}"/>
-              </a:ext>
-            </a:extLst>
-          </p:cNvPr>
+          <p:cNvPr id="4" name="Slide Number Placeholder 3"/>
           <p:cNvSpPr>
             <a:spLocks noGrp="1"/>
           </p:cNvSpPr>
@@ -2142,7 +2829,7 @@
     </p:spTree>
     <p:extLst>
       <p:ext uri="{BB962C8B-B14F-4D97-AF65-F5344CB8AC3E}">
-        <p14:creationId xmlns:p14="http://schemas.microsoft.com/office/powerpoint/2010/main" val="1143622411"/>
+        <p14:creationId xmlns:p14="http://schemas.microsoft.com/office/powerpoint/2010/main" val="3563951833"/>
       </p:ext>
     </p:extLst>
   </p:cSld>
@@ -2153,7 +2840,7 @@
 </file>
 
 <file path=ppt/slideLayouts/slideLayout8.xml><?xml version="1.0" encoding="utf-8"?>
-<p:sldLayout xmlns:a="http://schemas.openxmlformats.org/drawingml/2006/main" xmlns:r="http://schemas.openxmlformats.org/officeDocument/2006/relationships" xmlns:p="http://schemas.openxmlformats.org/presentationml/2006/main" type="objTx" preserve="1">
+<p:sldLayout xmlns:a="http://schemas.openxmlformats.org/drawingml/2006/main" xmlns:r="http://schemas.openxmlformats.org/officeDocument/2006/relationships" xmlns:p="http://schemas.openxmlformats.org/presentationml/2006/main" showMasterSp="0" type="objTx" preserve="1">
   <p:cSld name="Content with Caption">
     <p:spTree>
       <p:nvGrpSpPr>
@@ -2171,31 +2858,72 @@
       </p:grpSpPr>
       <p:sp>
         <p:nvSpPr>
-          <p:cNvPr id="2" name="Title 1">
-            <a:extLst>
-              <a:ext uri="{FF2B5EF4-FFF2-40B4-BE49-F238E27FC236}">
-                <a16:creationId xmlns:a16="http://schemas.microsoft.com/office/drawing/2014/main" id="{EC18F839-8E26-9041-A69F-7C079E2C1EE0}"/>
-              </a:ext>
-            </a:extLst>
-          </p:cNvPr>
-          <p:cNvSpPr>
-            <a:spLocks noGrp="1"/>
-          </p:cNvSpPr>
-          <p:nvPr>
-            <p:ph type="title"/>
-          </p:nvPr>
+          <p:cNvPr id="8" name="Rectangle 7" title="Background Shape"/>
+          <p:cNvSpPr/>
+          <p:nvPr/>
         </p:nvSpPr>
         <p:spPr>
           <a:xfrm>
-            <a:off x="839788" y="457200"/>
-            <a:ext cx="3932237" cy="1600200"/>
+            <a:off x="0" y="376"/>
+            <a:ext cx="5303520" cy="6857624"/>
+          </a:xfrm>
+          <a:prstGeom prst="rect">
+            <a:avLst/>
+          </a:prstGeom>
+          <a:solidFill>
+            <a:schemeClr val="accent1"/>
+          </a:solidFill>
+          <a:ln>
+            <a:noFill/>
+          </a:ln>
+        </p:spPr>
+        <p:style>
+          <a:lnRef idx="2">
+            <a:schemeClr val="accent1">
+              <a:shade val="50000"/>
+            </a:schemeClr>
+          </a:lnRef>
+          <a:fillRef idx="1">
+            <a:schemeClr val="accent1"/>
+          </a:fillRef>
+          <a:effectRef idx="0">
+            <a:schemeClr val="accent1"/>
+          </a:effectRef>
+          <a:fontRef idx="minor">
+            <a:schemeClr val="lt1"/>
+          </a:fontRef>
+        </p:style>
+      </p:sp>
+      <p:sp>
+        <p:nvSpPr>
+          <p:cNvPr id="2" name="Title 1"/>
+          <p:cNvSpPr>
+            <a:spLocks noGrp="1"/>
+          </p:cNvSpPr>
+          <p:nvPr>
+            <p:ph type="title"/>
+          </p:nvPr>
+        </p:nvSpPr>
+        <p:spPr>
+          <a:xfrm>
+            <a:off x="723900" y="685800"/>
+            <a:ext cx="3855720" cy="2157884"/>
           </a:xfrm>
         </p:spPr>
         <p:txBody>
-          <a:bodyPr anchor="b"/>
+          <a:bodyPr anchor="t">
+            <a:noAutofit/>
+          </a:bodyPr>
           <a:lstStyle>
             <a:lvl1pPr>
-              <a:defRPr sz="3200"/>
+              <a:lnSpc>
+                <a:spcPct val="84000"/>
+              </a:lnSpc>
+              <a:defRPr sz="4800" baseline="0">
+                <a:solidFill>
+                  <a:schemeClr val="tx2"/>
+                </a:solidFill>
+              </a:defRPr>
             </a:lvl1pPr>
           </a:lstStyle>
           <a:p>
@@ -2203,18 +2931,13 @@
               <a:rPr lang="en-US"/>
               <a:t>Click to edit Master title style</a:t>
             </a:r>
-          </a:p>
-        </p:txBody>
-      </p:sp>
-      <p:sp>
-        <p:nvSpPr>
-          <p:cNvPr id="3" name="Content Placeholder 2">
-            <a:extLst>
-              <a:ext uri="{FF2B5EF4-FFF2-40B4-BE49-F238E27FC236}">
-                <a16:creationId xmlns:a16="http://schemas.microsoft.com/office/drawing/2014/main" id="{F1652D2F-6745-E74F-A85B-BED545F12046}"/>
-              </a:ext>
-            </a:extLst>
-          </p:cNvPr>
+            <a:endParaRPr lang="en-US" dirty="0"/>
+          </a:p>
+        </p:txBody>
+      </p:sp>
+      <p:sp>
+        <p:nvSpPr>
+          <p:cNvPr id="3" name="Content Placeholder 2"/>
           <p:cNvSpPr>
             <a:spLocks noGrp="1"/>
           </p:cNvSpPr>
@@ -2224,39 +2947,39 @@
         </p:nvSpPr>
         <p:spPr>
           <a:xfrm>
-            <a:off x="5183188" y="987425"/>
-            <a:ext cx="6172200" cy="4873625"/>
+            <a:off x="6256020" y="685801"/>
+            <a:ext cx="5212080" cy="5175250"/>
           </a:xfrm>
         </p:spPr>
         <p:txBody>
           <a:bodyPr/>
           <a:lstStyle>
             <a:lvl1pPr>
-              <a:defRPr sz="3200"/>
+              <a:defRPr sz="2000"/>
             </a:lvl1pPr>
             <a:lvl2pPr>
-              <a:defRPr sz="2800"/>
+              <a:defRPr sz="2000"/>
             </a:lvl2pPr>
             <a:lvl3pPr>
-              <a:defRPr sz="2400"/>
+              <a:defRPr sz="1800"/>
             </a:lvl3pPr>
             <a:lvl4pPr>
-              <a:defRPr sz="2000"/>
+              <a:defRPr sz="1800"/>
             </a:lvl4pPr>
             <a:lvl5pPr>
-              <a:defRPr sz="2000"/>
+              <a:defRPr sz="1600"/>
             </a:lvl5pPr>
             <a:lvl6pPr>
-              <a:defRPr sz="2000"/>
+              <a:defRPr sz="1600"/>
             </a:lvl6pPr>
             <a:lvl7pPr>
-              <a:defRPr sz="2000"/>
+              <a:defRPr sz="1600"/>
             </a:lvl7pPr>
             <a:lvl8pPr>
-              <a:defRPr sz="2000"/>
+              <a:defRPr sz="1600"/>
             </a:lvl8pPr>
             <a:lvl9pPr>
-              <a:defRPr sz="2000"/>
+              <a:defRPr sz="1600"/>
             </a:lvl9pPr>
           </a:lstStyle>
           <a:p>
@@ -2293,18 +3016,13 @@
               <a:rPr lang="en-US"/>
               <a:t>Fifth level</a:t>
             </a:r>
-          </a:p>
-        </p:txBody>
-      </p:sp>
-      <p:sp>
-        <p:nvSpPr>
-          <p:cNvPr id="4" name="Text Placeholder 3">
-            <a:extLst>
-              <a:ext uri="{FF2B5EF4-FFF2-40B4-BE49-F238E27FC236}">
-                <a16:creationId xmlns:a16="http://schemas.microsoft.com/office/drawing/2014/main" id="{338BACDD-FA2D-A04E-B302-C5ACBBE01BEF}"/>
-              </a:ext>
-            </a:extLst>
-          </p:cNvPr>
+            <a:endParaRPr lang="en-US" dirty="0"/>
+          </a:p>
+        </p:txBody>
+      </p:sp>
+      <p:sp>
+        <p:nvSpPr>
+          <p:cNvPr id="4" name="Text Placeholder 3"/>
           <p:cNvSpPr>
             <a:spLocks noGrp="1"/>
           </p:cNvSpPr>
@@ -2314,14 +3032,23 @@
         </p:nvSpPr>
         <p:spPr>
           <a:xfrm>
-            <a:off x="839788" y="2057400"/>
-            <a:ext cx="3932237" cy="3811588"/>
+            <a:off x="723900" y="2856344"/>
+            <a:ext cx="3855720" cy="3011056"/>
           </a:xfrm>
         </p:spPr>
         <p:txBody>
           <a:bodyPr/>
           <a:lstStyle>
             <a:lvl1pPr marL="0" indent="0">
+              <a:lnSpc>
+                <a:spcPct val="113000"/>
+              </a:lnSpc>
+              <a:spcBef>
+                <a:spcPts val="0"/>
+              </a:spcBef>
+              <a:spcAft>
+                <a:spcPts val="1500"/>
+              </a:spcAft>
               <a:buNone/>
               <a:defRPr sz="1600"/>
             </a:lvl1pPr>
@@ -2369,13 +3096,7 @@
       </p:sp>
       <p:sp>
         <p:nvSpPr>
-          <p:cNvPr id="5" name="Date Placeholder 4">
-            <a:extLst>
-              <a:ext uri="{FF2B5EF4-FFF2-40B4-BE49-F238E27FC236}">
-                <a16:creationId xmlns:a16="http://schemas.microsoft.com/office/drawing/2014/main" id="{AEBD2B7D-CF63-6B4C-84AE-B928EC295DF1}"/>
-              </a:ext>
-            </a:extLst>
-          </p:cNvPr>
+          <p:cNvPr id="5" name="Date Placeholder 4"/>
           <p:cNvSpPr>
             <a:spLocks noGrp="1"/>
           </p:cNvSpPr>
@@ -2383,14 +3104,27 @@
             <p:ph type="dt" sz="half" idx="10"/>
           </p:nvPr>
         </p:nvSpPr>
-        <p:spPr/>
+        <p:spPr>
+          <a:xfrm>
+            <a:off x="723900" y="6453386"/>
+            <a:ext cx="1204572" cy="404614"/>
+          </a:xfrm>
+        </p:spPr>
         <p:txBody>
           <a:bodyPr/>
-          <a:lstStyle/>
+          <a:lstStyle>
+            <a:lvl1pPr>
+              <a:defRPr>
+                <a:solidFill>
+                  <a:schemeClr val="tx2"/>
+                </a:solidFill>
+              </a:defRPr>
+            </a:lvl1pPr>
+          </a:lstStyle>
           <a:p>
             <a:fld id="{D4B181B7-4E45-0F4E-BAB0-4C262B2B135A}" type="datetimeFigureOut">
               <a:rPr lang="en-US" smtClean="0"/>
-              <a:t>4/23/2019</a:t>
+              <a:t>4/23/19</a:t>
             </a:fld>
             <a:endParaRPr lang="en-US" dirty="0"/>
           </a:p>
@@ -2398,13 +3132,7 @@
       </p:sp>
       <p:sp>
         <p:nvSpPr>
-          <p:cNvPr id="6" name="Footer Placeholder 5">
-            <a:extLst>
-              <a:ext uri="{FF2B5EF4-FFF2-40B4-BE49-F238E27FC236}">
-                <a16:creationId xmlns:a16="http://schemas.microsoft.com/office/drawing/2014/main" id="{825443C6-A0AB-1B44-926D-42E4D048F492}"/>
-              </a:ext>
-            </a:extLst>
-          </p:cNvPr>
+          <p:cNvPr id="6" name="Footer Placeholder 5"/>
           <p:cNvSpPr>
             <a:spLocks noGrp="1"/>
           </p:cNvSpPr>
@@ -2412,10 +3140,23 @@
             <p:ph type="ftr" sz="quarter" idx="11"/>
           </p:nvPr>
         </p:nvSpPr>
-        <p:spPr/>
+        <p:spPr>
+          <a:xfrm>
+            <a:off x="2205945" y="6453386"/>
+            <a:ext cx="2373675" cy="404614"/>
+          </a:xfrm>
+        </p:spPr>
         <p:txBody>
           <a:bodyPr/>
-          <a:lstStyle/>
+          <a:lstStyle>
+            <a:lvl1pPr>
+              <a:defRPr>
+                <a:solidFill>
+                  <a:schemeClr val="tx2"/>
+                </a:solidFill>
+              </a:defRPr>
+            </a:lvl1pPr>
+          </a:lstStyle>
           <a:p>
             <a:endParaRPr lang="en-US" dirty="0"/>
           </a:p>
@@ -2423,13 +3164,7 @@
       </p:sp>
       <p:sp>
         <p:nvSpPr>
-          <p:cNvPr id="7" name="Slide Number Placeholder 6">
-            <a:extLst>
-              <a:ext uri="{FF2B5EF4-FFF2-40B4-BE49-F238E27FC236}">
-                <a16:creationId xmlns:a16="http://schemas.microsoft.com/office/drawing/2014/main" id="{69EBC161-C9A2-F744-8228-D013C002D943}"/>
-              </a:ext>
-            </a:extLst>
-          </p:cNvPr>
+          <p:cNvPr id="7" name="Slide Number Placeholder 6"/>
           <p:cNvSpPr>
             <a:spLocks noGrp="1"/>
           </p:cNvSpPr>
@@ -2437,10 +3172,23 @@
             <p:ph type="sldNum" sz="quarter" idx="12"/>
           </p:nvPr>
         </p:nvSpPr>
-        <p:spPr/>
+        <p:spPr>
+          <a:xfrm>
+            <a:off x="9883140" y="6453386"/>
+            <a:ext cx="1596292" cy="404614"/>
+          </a:xfrm>
+        </p:spPr>
         <p:txBody>
           <a:bodyPr/>
-          <a:lstStyle/>
+          <a:lstStyle>
+            <a:lvl1pPr>
+              <a:defRPr>
+                <a:solidFill>
+                  <a:schemeClr val="tx2"/>
+                </a:solidFill>
+              </a:defRPr>
+            </a:lvl1pPr>
+          </a:lstStyle>
           <a:p>
             <a:fld id="{78D92046-99EC-4E47-86C6-7670AF7EDC70}" type="slidenum">
               <a:rPr lang="en-US" smtClean="0"/>
@@ -2450,10 +3198,48 @@
           </a:p>
         </p:txBody>
       </p:sp>
+      <p:sp>
+        <p:nvSpPr>
+          <p:cNvPr id="9" name="Rectangle 8" title="Divider Bar"/>
+          <p:cNvSpPr/>
+          <p:nvPr/>
+        </p:nvSpPr>
+        <p:spPr>
+          <a:xfrm>
+            <a:off x="5303520" y="376"/>
+            <a:ext cx="228600" cy="6858000"/>
+          </a:xfrm>
+          <a:prstGeom prst="rect">
+            <a:avLst/>
+          </a:prstGeom>
+          <a:solidFill>
+            <a:schemeClr val="tx2"/>
+          </a:solidFill>
+          <a:ln>
+            <a:noFill/>
+          </a:ln>
+        </p:spPr>
+        <p:style>
+          <a:lnRef idx="2">
+            <a:schemeClr val="accent1">
+              <a:shade val="50000"/>
+            </a:schemeClr>
+          </a:lnRef>
+          <a:fillRef idx="1">
+            <a:schemeClr val="accent1"/>
+          </a:fillRef>
+          <a:effectRef idx="0">
+            <a:schemeClr val="accent1"/>
+          </a:effectRef>
+          <a:fontRef idx="minor">
+            <a:schemeClr val="lt1"/>
+          </a:fontRef>
+        </p:style>
+      </p:sp>
     </p:spTree>
     <p:extLst>
       <p:ext uri="{BB962C8B-B14F-4D97-AF65-F5344CB8AC3E}">
-        <p14:creationId xmlns:p14="http://schemas.microsoft.com/office/powerpoint/2010/main" val="2445828109"/>
+        <p14:creationId xmlns:p14="http://schemas.microsoft.com/office/powerpoint/2010/main" val="947491705"/>
       </p:ext>
     </p:extLst>
   </p:cSld>
@@ -2464,7 +3250,7 @@
 </file>
 
 <file path=ppt/slideLayouts/slideLayout9.xml><?xml version="1.0" encoding="utf-8"?>
-<p:sldLayout xmlns:a="http://schemas.openxmlformats.org/drawingml/2006/main" xmlns:r="http://schemas.openxmlformats.org/officeDocument/2006/relationships" xmlns:p="http://schemas.openxmlformats.org/presentationml/2006/main" type="picTx" preserve="1">
+<p:sldLayout xmlns:a="http://schemas.openxmlformats.org/drawingml/2006/main" xmlns:r="http://schemas.openxmlformats.org/officeDocument/2006/relationships" xmlns:p="http://schemas.openxmlformats.org/presentationml/2006/main" showMasterSp="0" type="picTx" preserve="1">
   <p:cSld name="Picture with Caption">
     <p:spTree>
       <p:nvGrpSpPr>
@@ -2482,31 +3268,68 @@
       </p:grpSpPr>
       <p:sp>
         <p:nvSpPr>
-          <p:cNvPr id="2" name="Title 1">
-            <a:extLst>
-              <a:ext uri="{FF2B5EF4-FFF2-40B4-BE49-F238E27FC236}">
-                <a16:creationId xmlns:a16="http://schemas.microsoft.com/office/drawing/2014/main" id="{9463006E-5FF2-864A-9524-9BD009ADFB6D}"/>
-              </a:ext>
-            </a:extLst>
-          </p:cNvPr>
-          <p:cNvSpPr>
-            <a:spLocks noGrp="1"/>
-          </p:cNvSpPr>
-          <p:nvPr>
-            <p:ph type="title"/>
-          </p:nvPr>
+          <p:cNvPr id="8" name="Rectangle 7" title="Background Shape"/>
+          <p:cNvSpPr/>
+          <p:nvPr/>
         </p:nvSpPr>
         <p:spPr>
           <a:xfrm>
-            <a:off x="839788" y="457200"/>
-            <a:ext cx="3932237" cy="1600200"/>
+            <a:off x="0" y="376"/>
+            <a:ext cx="5303520" cy="6857624"/>
+          </a:xfrm>
+          <a:prstGeom prst="rect">
+            <a:avLst/>
+          </a:prstGeom>
+          <a:solidFill>
+            <a:schemeClr val="accent1"/>
+          </a:solidFill>
+          <a:ln>
+            <a:noFill/>
+          </a:ln>
+        </p:spPr>
+        <p:style>
+          <a:lnRef idx="2">
+            <a:schemeClr val="accent1">
+              <a:shade val="50000"/>
+            </a:schemeClr>
+          </a:lnRef>
+          <a:fillRef idx="1">
+            <a:schemeClr val="accent1"/>
+          </a:fillRef>
+          <a:effectRef idx="0">
+            <a:schemeClr val="accent1"/>
+          </a:effectRef>
+          <a:fontRef idx="minor">
+            <a:schemeClr val="lt1"/>
+          </a:fontRef>
+        </p:style>
+      </p:sp>
+      <p:sp>
+        <p:nvSpPr>
+          <p:cNvPr id="2" name="Title 1"/>
+          <p:cNvSpPr>
+            <a:spLocks noGrp="1"/>
+          </p:cNvSpPr>
+          <p:nvPr>
+            <p:ph type="title"/>
+          </p:nvPr>
+        </p:nvSpPr>
+        <p:spPr>
+          <a:xfrm>
+            <a:off x="723900" y="685800"/>
+            <a:ext cx="3855720" cy="2157884"/>
           </a:xfrm>
         </p:spPr>
         <p:txBody>
-          <a:bodyPr anchor="b"/>
+          <a:bodyPr anchor="t">
+            <a:normAutofit/>
+          </a:bodyPr>
           <a:lstStyle>
             <a:lvl1pPr>
-              <a:defRPr sz="3200"/>
+              <a:lnSpc>
+                <a:spcPct val="84000"/>
+              </a:lnSpc>
+              <a:defRPr sz="4800" baseline="0"/>
             </a:lvl1pPr>
           </a:lstStyle>
           <a:p>
@@ -2514,20 +3337,15 @@
               <a:rPr lang="en-US"/>
               <a:t>Click to edit Master title style</a:t>
             </a:r>
-          </a:p>
-        </p:txBody>
-      </p:sp>
-      <p:sp>
-        <p:nvSpPr>
-          <p:cNvPr id="3" name="Picture Placeholder 2">
-            <a:extLst>
-              <a:ext uri="{FF2B5EF4-FFF2-40B4-BE49-F238E27FC236}">
-                <a16:creationId xmlns:a16="http://schemas.microsoft.com/office/drawing/2014/main" id="{D88006C1-D6F5-B94C-AF02-323CAFBF6FEC}"/>
-              </a:ext>
-            </a:extLst>
-          </p:cNvPr>
-          <p:cNvSpPr>
-            <a:spLocks noGrp="1"/>
+            <a:endParaRPr lang="en-US" dirty="0"/>
+          </a:p>
+        </p:txBody>
+      </p:sp>
+      <p:sp>
+        <p:nvSpPr>
+          <p:cNvPr id="3" name="Picture Placeholder 2"/>
+          <p:cNvSpPr>
+            <a:spLocks noGrp="1" noChangeAspect="1"/>
           </p:cNvSpPr>
           <p:nvPr>
             <p:ph type="pic" idx="1"/>
@@ -2535,81 +3353,90 @@
         </p:nvSpPr>
         <p:spPr>
           <a:xfrm>
-            <a:off x="5183188" y="987425"/>
-            <a:ext cx="6172200" cy="4873625"/>
+            <a:off x="5532120" y="0"/>
+            <a:ext cx="6659880" cy="6857999"/>
+          </a:xfrm>
+        </p:spPr>
+        <p:txBody>
+          <a:bodyPr anchor="t">
+            <a:normAutofit/>
+          </a:bodyPr>
+          <a:lstStyle>
+            <a:lvl1pPr marL="0" indent="0">
+              <a:buNone/>
+              <a:defRPr sz="2000"/>
+            </a:lvl1pPr>
+            <a:lvl2pPr marL="457200" indent="0">
+              <a:buNone/>
+              <a:defRPr sz="2000"/>
+            </a:lvl2pPr>
+            <a:lvl3pPr marL="914400" indent="0">
+              <a:buNone/>
+              <a:defRPr sz="2000"/>
+            </a:lvl3pPr>
+            <a:lvl4pPr marL="1371600" indent="0">
+              <a:buNone/>
+              <a:defRPr sz="2000"/>
+            </a:lvl4pPr>
+            <a:lvl5pPr marL="1828800" indent="0">
+              <a:buNone/>
+              <a:defRPr sz="2000"/>
+            </a:lvl5pPr>
+            <a:lvl6pPr marL="2286000" indent="0">
+              <a:buNone/>
+              <a:defRPr sz="2000"/>
+            </a:lvl6pPr>
+            <a:lvl7pPr marL="2743200" indent="0">
+              <a:buNone/>
+              <a:defRPr sz="2000"/>
+            </a:lvl7pPr>
+            <a:lvl8pPr marL="3200400" indent="0">
+              <a:buNone/>
+              <a:defRPr sz="2000"/>
+            </a:lvl8pPr>
+            <a:lvl9pPr marL="3657600" indent="0">
+              <a:buNone/>
+              <a:defRPr sz="2000"/>
+            </a:lvl9pPr>
+          </a:lstStyle>
+          <a:p>
+            <a:r>
+              <a:rPr lang="en-US"/>
+              <a:t>Click icon to add picture</a:t>
+            </a:r>
+            <a:endParaRPr lang="en-US" dirty="0"/>
+          </a:p>
+        </p:txBody>
+      </p:sp>
+      <p:sp>
+        <p:nvSpPr>
+          <p:cNvPr id="4" name="Text Placeholder 3"/>
+          <p:cNvSpPr>
+            <a:spLocks noGrp="1"/>
+          </p:cNvSpPr>
+          <p:nvPr>
+            <p:ph type="body" sz="half" idx="2"/>
+          </p:nvPr>
+        </p:nvSpPr>
+        <p:spPr>
+          <a:xfrm>
+            <a:off x="723900" y="2855968"/>
+            <a:ext cx="3855720" cy="3011432"/>
           </a:xfrm>
         </p:spPr>
         <p:txBody>
           <a:bodyPr/>
           <a:lstStyle>
             <a:lvl1pPr marL="0" indent="0">
-              <a:buNone/>
-              <a:defRPr sz="3200"/>
-            </a:lvl1pPr>
-            <a:lvl2pPr marL="457200" indent="0">
-              <a:buNone/>
-              <a:defRPr sz="2800"/>
-            </a:lvl2pPr>
-            <a:lvl3pPr marL="914400" indent="0">
-              <a:buNone/>
-              <a:defRPr sz="2400"/>
-            </a:lvl3pPr>
-            <a:lvl4pPr marL="1371600" indent="0">
-              <a:buNone/>
-              <a:defRPr sz="2000"/>
-            </a:lvl4pPr>
-            <a:lvl5pPr marL="1828800" indent="0">
-              <a:buNone/>
-              <a:defRPr sz="2000"/>
-            </a:lvl5pPr>
-            <a:lvl6pPr marL="2286000" indent="0">
-              <a:buNone/>
-              <a:defRPr sz="2000"/>
-            </a:lvl6pPr>
-            <a:lvl7pPr marL="2743200" indent="0">
-              <a:buNone/>
-              <a:defRPr sz="2000"/>
-            </a:lvl7pPr>
-            <a:lvl8pPr marL="3200400" indent="0">
-              <a:buNone/>
-              <a:defRPr sz="2000"/>
-            </a:lvl8pPr>
-            <a:lvl9pPr marL="3657600" indent="0">
-              <a:buNone/>
-              <a:defRPr sz="2000"/>
-            </a:lvl9pPr>
-          </a:lstStyle>
-          <a:p>
-            <a:endParaRPr lang="en-US" dirty="0"/>
-          </a:p>
-        </p:txBody>
-      </p:sp>
-      <p:sp>
-        <p:nvSpPr>
-          <p:cNvPr id="4" name="Text Placeholder 3">
-            <a:extLst>
-              <a:ext uri="{FF2B5EF4-FFF2-40B4-BE49-F238E27FC236}">
-                <a16:creationId xmlns:a16="http://schemas.microsoft.com/office/drawing/2014/main" id="{9715E5F7-1296-F84A-9933-E343CD179A23}"/>
-              </a:ext>
-            </a:extLst>
-          </p:cNvPr>
-          <p:cNvSpPr>
-            <a:spLocks noGrp="1"/>
-          </p:cNvSpPr>
-          <p:nvPr>
-            <p:ph type="body" sz="half" idx="2"/>
-          </p:nvPr>
-        </p:nvSpPr>
-        <p:spPr>
-          <a:xfrm>
-            <a:off x="839788" y="2057400"/>
-            <a:ext cx="3932237" cy="3811588"/>
-          </a:xfrm>
-        </p:spPr>
-        <p:txBody>
-          <a:bodyPr/>
-          <a:lstStyle>
-            <a:lvl1pPr marL="0" indent="0">
+              <a:lnSpc>
+                <a:spcPct val="113000"/>
+              </a:lnSpc>
+              <a:spcBef>
+                <a:spcPts val="0"/>
+              </a:spcBef>
+              <a:spcAft>
+                <a:spcPts val="1500"/>
+              </a:spcAft>
               <a:buNone/>
               <a:defRPr sz="1600"/>
             </a:lvl1pPr>
@@ -2657,13 +3484,7 @@
       </p:sp>
       <p:sp>
         <p:nvSpPr>
-          <p:cNvPr id="5" name="Date Placeholder 4">
-            <a:extLst>
-              <a:ext uri="{FF2B5EF4-FFF2-40B4-BE49-F238E27FC236}">
-                <a16:creationId xmlns:a16="http://schemas.microsoft.com/office/drawing/2014/main" id="{BED571D4-5656-3C46-AEC4-E706DBAE4C76}"/>
-              </a:ext>
-            </a:extLst>
-          </p:cNvPr>
+          <p:cNvPr id="5" name="Date Placeholder 4"/>
           <p:cNvSpPr>
             <a:spLocks noGrp="1"/>
           </p:cNvSpPr>
@@ -2671,14 +3492,27 @@
             <p:ph type="dt" sz="half" idx="10"/>
           </p:nvPr>
         </p:nvSpPr>
-        <p:spPr/>
+        <p:spPr>
+          <a:xfrm>
+            <a:off x="723900" y="6453386"/>
+            <a:ext cx="1204572" cy="404614"/>
+          </a:xfrm>
+        </p:spPr>
         <p:txBody>
           <a:bodyPr/>
-          <a:lstStyle/>
+          <a:lstStyle>
+            <a:lvl1pPr>
+              <a:defRPr>
+                <a:solidFill>
+                  <a:schemeClr val="tx2"/>
+                </a:solidFill>
+              </a:defRPr>
+            </a:lvl1pPr>
+          </a:lstStyle>
           <a:p>
             <a:fld id="{D4B181B7-4E45-0F4E-BAB0-4C262B2B135A}" type="datetimeFigureOut">
               <a:rPr lang="en-US" smtClean="0"/>
-              <a:t>4/23/2019</a:t>
+              <a:t>4/23/19</a:t>
             </a:fld>
             <a:endParaRPr lang="en-US" dirty="0"/>
           </a:p>
@@ -2686,13 +3520,7 @@
       </p:sp>
       <p:sp>
         <p:nvSpPr>
-          <p:cNvPr id="6" name="Footer Placeholder 5">
-            <a:extLst>
-              <a:ext uri="{FF2B5EF4-FFF2-40B4-BE49-F238E27FC236}">
-                <a16:creationId xmlns:a16="http://schemas.microsoft.com/office/drawing/2014/main" id="{06BB3F65-221B-0947-A907-3839DCB978E0}"/>
-              </a:ext>
-            </a:extLst>
-          </p:cNvPr>
+          <p:cNvPr id="6" name="Footer Placeholder 5"/>
           <p:cNvSpPr>
             <a:spLocks noGrp="1"/>
           </p:cNvSpPr>
@@ -2700,10 +3528,23 @@
             <p:ph type="ftr" sz="quarter" idx="11"/>
           </p:nvPr>
         </p:nvSpPr>
-        <p:spPr/>
+        <p:spPr>
+          <a:xfrm>
+            <a:off x="2205945" y="6453386"/>
+            <a:ext cx="2373675" cy="404614"/>
+          </a:xfrm>
+        </p:spPr>
         <p:txBody>
           <a:bodyPr/>
-          <a:lstStyle/>
+          <a:lstStyle>
+            <a:lvl1pPr>
+              <a:defRPr>
+                <a:solidFill>
+                  <a:schemeClr val="tx2"/>
+                </a:solidFill>
+              </a:defRPr>
+            </a:lvl1pPr>
+          </a:lstStyle>
           <a:p>
             <a:endParaRPr lang="en-US" dirty="0"/>
           </a:p>
@@ -2711,13 +3552,7 @@
       </p:sp>
       <p:sp>
         <p:nvSpPr>
-          <p:cNvPr id="7" name="Slide Number Placeholder 6">
-            <a:extLst>
-              <a:ext uri="{FF2B5EF4-FFF2-40B4-BE49-F238E27FC236}">
-                <a16:creationId xmlns:a16="http://schemas.microsoft.com/office/drawing/2014/main" id="{42B432F3-6632-9D44-9234-D679851119CE}"/>
-              </a:ext>
-            </a:extLst>
-          </p:cNvPr>
+          <p:cNvPr id="7" name="Slide Number Placeholder 6"/>
           <p:cNvSpPr>
             <a:spLocks noGrp="1"/>
           </p:cNvSpPr>
@@ -2725,10 +3560,23 @@
             <p:ph type="sldNum" sz="quarter" idx="12"/>
           </p:nvPr>
         </p:nvSpPr>
-        <p:spPr/>
+        <p:spPr>
+          <a:xfrm>
+            <a:off x="9883140" y="6453386"/>
+            <a:ext cx="1596292" cy="404614"/>
+          </a:xfrm>
+        </p:spPr>
         <p:txBody>
           <a:bodyPr/>
-          <a:lstStyle/>
+          <a:lstStyle>
+            <a:lvl1pPr>
+              <a:defRPr>
+                <a:solidFill>
+                  <a:schemeClr val="tx2"/>
+                </a:solidFill>
+              </a:defRPr>
+            </a:lvl1pPr>
+          </a:lstStyle>
           <a:p>
             <a:fld id="{78D92046-99EC-4E47-86C6-7670AF7EDC70}" type="slidenum">
               <a:rPr lang="en-US" smtClean="0"/>
@@ -2738,10 +3586,48 @@
           </a:p>
         </p:txBody>
       </p:sp>
+      <p:sp>
+        <p:nvSpPr>
+          <p:cNvPr id="9" name="Rectangle 8" title="Divider Bar"/>
+          <p:cNvSpPr/>
+          <p:nvPr/>
+        </p:nvSpPr>
+        <p:spPr>
+          <a:xfrm>
+            <a:off x="5303520" y="376"/>
+            <a:ext cx="228600" cy="6858000"/>
+          </a:xfrm>
+          <a:prstGeom prst="rect">
+            <a:avLst/>
+          </a:prstGeom>
+          <a:solidFill>
+            <a:schemeClr val="tx2"/>
+          </a:solidFill>
+          <a:ln>
+            <a:noFill/>
+          </a:ln>
+        </p:spPr>
+        <p:style>
+          <a:lnRef idx="2">
+            <a:schemeClr val="accent1">
+              <a:shade val="50000"/>
+            </a:schemeClr>
+          </a:lnRef>
+          <a:fillRef idx="1">
+            <a:schemeClr val="accent1"/>
+          </a:fillRef>
+          <a:effectRef idx="0">
+            <a:schemeClr val="accent1"/>
+          </a:effectRef>
+          <a:fontRef idx="minor">
+            <a:schemeClr val="lt1"/>
+          </a:fontRef>
+        </p:style>
+      </p:sp>
     </p:spTree>
     <p:extLst>
       <p:ext uri="{BB962C8B-B14F-4D97-AF65-F5344CB8AC3E}">
-        <p14:creationId xmlns:p14="http://schemas.microsoft.com/office/powerpoint/2010/main" val="3483504070"/>
+        <p14:creationId xmlns:p14="http://schemas.microsoft.com/office/powerpoint/2010/main" val="3646618592"/>
       </p:ext>
     </p:extLst>
   </p:cSld>
@@ -2755,9 +3641,12 @@
 <p:sldMaster xmlns:a="http://schemas.openxmlformats.org/drawingml/2006/main" xmlns:r="http://schemas.openxmlformats.org/officeDocument/2006/relationships" xmlns:p="http://schemas.openxmlformats.org/presentationml/2006/main">
   <p:cSld>
     <p:bg>
-      <p:bgRef idx="1001">
-        <a:schemeClr val="bg1"/>
-      </p:bgRef>
+      <p:bgPr>
+        <a:solidFill>
+          <a:schemeClr val="bg2"/>
+        </a:solidFill>
+        <a:effectLst/>
+      </p:bgPr>
     </p:bg>
     <p:spTree>
       <p:nvGrpSpPr>
@@ -2775,13 +3664,7 @@
       </p:grpSpPr>
       <p:sp>
         <p:nvSpPr>
-          <p:cNvPr id="2" name="Title Placeholder 1">
-            <a:extLst>
-              <a:ext uri="{FF2B5EF4-FFF2-40B4-BE49-F238E27FC236}">
-                <a16:creationId xmlns:a16="http://schemas.microsoft.com/office/drawing/2014/main" id="{92221D14-35ED-3842-9F28-9EDE20C22422}"/>
-              </a:ext>
-            </a:extLst>
-          </p:cNvPr>
+          <p:cNvPr id="2" name="Title Placeholder 1"/>
           <p:cNvSpPr>
             <a:spLocks noGrp="1"/>
           </p:cNvSpPr>
@@ -2791,15 +3674,15 @@
         </p:nvSpPr>
         <p:spPr>
           <a:xfrm>
-            <a:off x="838200" y="365125"/>
-            <a:ext cx="10515600" cy="1325563"/>
+            <a:off x="1371600" y="685800"/>
+            <a:ext cx="9601200" cy="1485900"/>
           </a:xfrm>
           <a:prstGeom prst="rect">
             <a:avLst/>
           </a:prstGeom>
         </p:spPr>
         <p:txBody>
-          <a:bodyPr vert="horz" lIns="91440" tIns="45720" rIns="91440" bIns="45720" rtlCol="0" anchor="ctr">
+          <a:bodyPr vert="horz" lIns="91440" tIns="45720" rIns="91440" bIns="45720" rtlCol="0" anchor="t">
             <a:normAutofit/>
           </a:bodyPr>
           <a:lstStyle/>
@@ -2808,18 +3691,13 @@
               <a:rPr lang="en-US"/>
               <a:t>Click to edit Master title style</a:t>
             </a:r>
-          </a:p>
-        </p:txBody>
-      </p:sp>
-      <p:sp>
-        <p:nvSpPr>
-          <p:cNvPr id="3" name="Text Placeholder 2">
-            <a:extLst>
-              <a:ext uri="{FF2B5EF4-FFF2-40B4-BE49-F238E27FC236}">
-                <a16:creationId xmlns:a16="http://schemas.microsoft.com/office/drawing/2014/main" id="{E6FF93C8-328A-BB49-B7CB-4F87006EA201}"/>
-              </a:ext>
-            </a:extLst>
-          </p:cNvPr>
+            <a:endParaRPr lang="en-US" dirty="0"/>
+          </a:p>
+        </p:txBody>
+      </p:sp>
+      <p:sp>
+        <p:nvSpPr>
+          <p:cNvPr id="3" name="Text Placeholder 2"/>
           <p:cNvSpPr>
             <a:spLocks noGrp="1"/>
           </p:cNvSpPr>
@@ -2829,8 +3707,8 @@
         </p:nvSpPr>
         <p:spPr>
           <a:xfrm>
-            <a:off x="838200" y="1825625"/>
-            <a:ext cx="10515600" cy="4351338"/>
+            <a:off x="1371600" y="2286000"/>
+            <a:ext cx="9601200" cy="3581400"/>
           </a:xfrm>
           <a:prstGeom prst="rect">
             <a:avLst/>
@@ -2875,18 +3753,13 @@
               <a:rPr lang="en-US"/>
               <a:t>Fifth level</a:t>
             </a:r>
-          </a:p>
-        </p:txBody>
-      </p:sp>
-      <p:sp>
-        <p:nvSpPr>
-          <p:cNvPr id="4" name="Date Placeholder 3">
-            <a:extLst>
-              <a:ext uri="{FF2B5EF4-FFF2-40B4-BE49-F238E27FC236}">
-                <a16:creationId xmlns:a16="http://schemas.microsoft.com/office/drawing/2014/main" id="{7AFADFC9-AC63-E746-B336-F83F0EF34277}"/>
-              </a:ext>
-            </a:extLst>
-          </p:cNvPr>
+            <a:endParaRPr lang="en-US" dirty="0"/>
+          </a:p>
+        </p:txBody>
+      </p:sp>
+      <p:sp>
+        <p:nvSpPr>
+          <p:cNvPr id="4" name="Date Placeholder 3"/>
           <p:cNvSpPr>
             <a:spLocks noGrp="1"/>
           </p:cNvSpPr>
@@ -2896,8 +3769,8 @@
         </p:nvSpPr>
         <p:spPr>
           <a:xfrm>
-            <a:off x="838200" y="6356350"/>
-            <a:ext cx="2743200" cy="365125"/>
+            <a:off x="1390650" y="6453386"/>
+            <a:ext cx="1204572" cy="404614"/>
           </a:xfrm>
           <a:prstGeom prst="rect">
             <a:avLst/>
@@ -2907,11 +3780,9 @@
           <a:bodyPr vert="horz" lIns="91440" tIns="45720" rIns="91440" bIns="45720" rtlCol="0" anchor="ctr"/>
           <a:lstStyle>
             <a:lvl1pPr algn="l">
-              <a:defRPr sz="1200">
+              <a:defRPr sz="1200" baseline="0">
                 <a:solidFill>
-                  <a:schemeClr val="tx1">
-                    <a:tint val="75000"/>
-                  </a:schemeClr>
+                  <a:schemeClr val="tx2"/>
                 </a:solidFill>
               </a:defRPr>
             </a:lvl1pPr>
@@ -2919,7 +3790,7 @@
           <a:p>
             <a:fld id="{D4B181B7-4E45-0F4E-BAB0-4C262B2B135A}" type="datetimeFigureOut">
               <a:rPr lang="en-US" smtClean="0"/>
-              <a:t>4/23/2019</a:t>
+              <a:t>4/23/19</a:t>
             </a:fld>
             <a:endParaRPr lang="en-US" dirty="0"/>
           </a:p>
@@ -2927,13 +3798,7 @@
       </p:sp>
       <p:sp>
         <p:nvSpPr>
-          <p:cNvPr id="5" name="Footer Placeholder 4">
-            <a:extLst>
-              <a:ext uri="{FF2B5EF4-FFF2-40B4-BE49-F238E27FC236}">
-                <a16:creationId xmlns:a16="http://schemas.microsoft.com/office/drawing/2014/main" id="{2699BA95-6DD4-014F-B4CC-4602FBC1DC11}"/>
-              </a:ext>
-            </a:extLst>
-          </p:cNvPr>
+          <p:cNvPr id="5" name="Footer Placeholder 4"/>
           <p:cNvSpPr>
             <a:spLocks noGrp="1"/>
           </p:cNvSpPr>
@@ -2943,8 +3808,8 @@
         </p:nvSpPr>
         <p:spPr>
           <a:xfrm>
-            <a:off x="4038600" y="6356350"/>
-            <a:ext cx="4114800" cy="365125"/>
+            <a:off x="2893564" y="6453386"/>
+            <a:ext cx="6280830" cy="404614"/>
           </a:xfrm>
           <a:prstGeom prst="rect">
             <a:avLst/>
@@ -2953,12 +3818,10 @@
         <p:txBody>
           <a:bodyPr vert="horz" lIns="91440" tIns="45720" rIns="91440" bIns="45720" rtlCol="0" anchor="ctr"/>
           <a:lstStyle>
-            <a:lvl1pPr algn="ctr">
-              <a:defRPr sz="1200">
+            <a:lvl1pPr algn="l">
+              <a:defRPr sz="1200" baseline="0">
                 <a:solidFill>
-                  <a:schemeClr val="tx1">
-                    <a:tint val="75000"/>
-                  </a:schemeClr>
+                  <a:schemeClr val="tx2"/>
                 </a:solidFill>
               </a:defRPr>
             </a:lvl1pPr>
@@ -2970,13 +3833,7 @@
       </p:sp>
       <p:sp>
         <p:nvSpPr>
-          <p:cNvPr id="6" name="Slide Number Placeholder 5">
-            <a:extLst>
-              <a:ext uri="{FF2B5EF4-FFF2-40B4-BE49-F238E27FC236}">
-                <a16:creationId xmlns:a16="http://schemas.microsoft.com/office/drawing/2014/main" id="{8AAFFAD3-1049-8D43-9B89-866350411397}"/>
-              </a:ext>
-            </a:extLst>
-          </p:cNvPr>
+          <p:cNvPr id="6" name="Slide Number Placeholder 5"/>
           <p:cNvSpPr>
             <a:spLocks noGrp="1"/>
           </p:cNvSpPr>
@@ -2986,8 +3843,8 @@
         </p:nvSpPr>
         <p:spPr>
           <a:xfrm>
-            <a:off x="8610600" y="6356350"/>
-            <a:ext cx="2743200" cy="365125"/>
+            <a:off x="9472736" y="6453386"/>
+            <a:ext cx="1596292" cy="404614"/>
           </a:xfrm>
           <a:prstGeom prst="rect">
             <a:avLst/>
@@ -2997,11 +3854,9 @@
           <a:bodyPr vert="horz" lIns="91440" tIns="45720" rIns="91440" bIns="45720" rtlCol="0" anchor="ctr"/>
           <a:lstStyle>
             <a:lvl1pPr algn="r">
-              <a:defRPr sz="1200">
+              <a:defRPr sz="1200" baseline="0">
                 <a:solidFill>
-                  <a:schemeClr val="tx1">
-                    <a:tint val="75000"/>
-                  </a:schemeClr>
+                  <a:schemeClr val="tx2"/>
                 </a:solidFill>
               </a:defRPr>
             </a:lvl1pPr>
@@ -3015,40 +3870,78 @@
           </a:p>
         </p:txBody>
       </p:sp>
+      <p:sp>
+        <p:nvSpPr>
+          <p:cNvPr id="9" name="Rectangle 8" title="Side bar"/>
+          <p:cNvSpPr/>
+          <p:nvPr/>
+        </p:nvSpPr>
+        <p:spPr>
+          <a:xfrm>
+            <a:off x="478095" y="376"/>
+            <a:ext cx="228600" cy="6858000"/>
+          </a:xfrm>
+          <a:prstGeom prst="rect">
+            <a:avLst/>
+          </a:prstGeom>
+          <a:solidFill>
+            <a:schemeClr val="tx2"/>
+          </a:solidFill>
+          <a:ln>
+            <a:noFill/>
+          </a:ln>
+        </p:spPr>
+        <p:style>
+          <a:lnRef idx="2">
+            <a:schemeClr val="accent1">
+              <a:shade val="50000"/>
+            </a:schemeClr>
+          </a:lnRef>
+          <a:fillRef idx="1">
+            <a:schemeClr val="accent1"/>
+          </a:fillRef>
+          <a:effectRef idx="0">
+            <a:schemeClr val="accent1"/>
+          </a:effectRef>
+          <a:fontRef idx="minor">
+            <a:schemeClr val="lt1"/>
+          </a:fontRef>
+        </p:style>
+      </p:sp>
     </p:spTree>
     <p:extLst>
       <p:ext uri="{BB962C8B-B14F-4D97-AF65-F5344CB8AC3E}">
-        <p14:creationId xmlns:p14="http://schemas.microsoft.com/office/powerpoint/2010/main" val="2938797173"/>
+        <p14:creationId xmlns:p14="http://schemas.microsoft.com/office/powerpoint/2010/main" val="1519817301"/>
       </p:ext>
     </p:extLst>
   </p:cSld>
   <p:clrMap bg1="lt1" tx1="dk1" bg2="lt2" tx2="dk2" accent1="accent1" accent2="accent2" accent3="accent3" accent4="accent4" accent5="accent5" accent6="accent6" hlink="hlink" folHlink="folHlink"/>
   <p:sldLayoutIdLst>
-    <p:sldLayoutId id="2147483649" r:id="rId1"/>
-    <p:sldLayoutId id="2147483650" r:id="rId2"/>
-    <p:sldLayoutId id="2147483651" r:id="rId3"/>
-    <p:sldLayoutId id="2147483652" r:id="rId4"/>
-    <p:sldLayoutId id="2147483653" r:id="rId5"/>
-    <p:sldLayoutId id="2147483654" r:id="rId6"/>
-    <p:sldLayoutId id="2147483655" r:id="rId7"/>
-    <p:sldLayoutId id="2147483656" r:id="rId8"/>
-    <p:sldLayoutId id="2147483657" r:id="rId9"/>
-    <p:sldLayoutId id="2147483658" r:id="rId10"/>
-    <p:sldLayoutId id="2147483659" r:id="rId11"/>
+    <p:sldLayoutId id="2147483661" r:id="rId1"/>
+    <p:sldLayoutId id="2147483662" r:id="rId2"/>
+    <p:sldLayoutId id="2147483663" r:id="rId3"/>
+    <p:sldLayoutId id="2147483664" r:id="rId4"/>
+    <p:sldLayoutId id="2147483665" r:id="rId5"/>
+    <p:sldLayoutId id="2147483666" r:id="rId6"/>
+    <p:sldLayoutId id="2147483667" r:id="rId7"/>
+    <p:sldLayoutId id="2147483668" r:id="rId8"/>
+    <p:sldLayoutId id="2147483669" r:id="rId9"/>
+    <p:sldLayoutId id="2147483670" r:id="rId10"/>
+    <p:sldLayoutId id="2147483671" r:id="rId11"/>
   </p:sldLayoutIdLst>
   <p:txStyles>
     <p:titleStyle>
       <a:lvl1pPr algn="l" defTabSz="914400" rtl="0" eaLnBrk="1" latinLnBrk="0" hangingPunct="1">
         <a:lnSpc>
-          <a:spcPct val="90000"/>
+          <a:spcPct val="89000"/>
         </a:lnSpc>
         <a:spcBef>
           <a:spcPct val="0"/>
         </a:spcBef>
         <a:buNone/>
-        <a:defRPr sz="4400" kern="1200">
+        <a:defRPr sz="4400" kern="1200" baseline="0">
           <a:solidFill>
-            <a:schemeClr val="tx1"/>
+            <a:schemeClr val="tx2"/>
           </a:solidFill>
           <a:latin typeface="+mj-lt"/>
           <a:ea typeface="+mj-ea"/>
@@ -3057,162 +3950,189 @@
       </a:lvl1pPr>
     </p:titleStyle>
     <p:bodyStyle>
-      <a:lvl1pPr marL="228600" indent="-228600" algn="l" defTabSz="914400" rtl="0" eaLnBrk="1" latinLnBrk="0" hangingPunct="1">
+      <a:lvl1pPr marL="384048" indent="-384048" algn="l" defTabSz="914400" rtl="0" eaLnBrk="1" latinLnBrk="0" hangingPunct="1">
         <a:lnSpc>
-          <a:spcPct val="90000"/>
+          <a:spcPct val="94000"/>
         </a:lnSpc>
         <a:spcBef>
           <a:spcPts val="1000"/>
         </a:spcBef>
-        <a:buFont typeface="Arial" panose="020B0604020202020204" pitchFamily="34" charset="0"/>
-        <a:buChar char="•"/>
-        <a:defRPr sz="2800" kern="1200">
+        <a:spcAft>
+          <a:spcPts val="200"/>
+        </a:spcAft>
+        <a:buFont typeface="Franklin Gothic Book" panose="020B0503020102020204" pitchFamily="34" charset="0"/>
+        <a:buChar char="■"/>
+        <a:defRPr sz="2000" kern="1200" baseline="0">
           <a:solidFill>
-            <a:schemeClr val="tx1"/>
+            <a:schemeClr val="tx2"/>
           </a:solidFill>
           <a:latin typeface="+mn-lt"/>
           <a:ea typeface="+mn-ea"/>
           <a:cs typeface="+mn-cs"/>
         </a:defRPr>
       </a:lvl1pPr>
-      <a:lvl2pPr marL="685800" indent="-228600" algn="l" defTabSz="914400" rtl="0" eaLnBrk="1" latinLnBrk="0" hangingPunct="1">
+      <a:lvl2pPr marL="914400" indent="-384048" algn="l" defTabSz="914400" rtl="0" eaLnBrk="1" latinLnBrk="0" hangingPunct="1">
         <a:lnSpc>
-          <a:spcPct val="90000"/>
+          <a:spcPct val="94000"/>
         </a:lnSpc>
         <a:spcBef>
           <a:spcPts val="500"/>
         </a:spcBef>
-        <a:buFont typeface="Arial" panose="020B0604020202020204" pitchFamily="34" charset="0"/>
-        <a:buChar char="•"/>
-        <a:defRPr sz="2400" kern="1200">
+        <a:spcAft>
+          <a:spcPts val="200"/>
+        </a:spcAft>
+        <a:buFont typeface="Franklin Gothic Book" panose="020B0503020102020204" pitchFamily="34" charset="0"/>
+        <a:buChar char="–"/>
+        <a:defRPr sz="2000" i="1" kern="1200" baseline="0">
           <a:solidFill>
-            <a:schemeClr val="tx1"/>
+            <a:schemeClr val="tx2"/>
           </a:solidFill>
           <a:latin typeface="+mn-lt"/>
           <a:ea typeface="+mn-ea"/>
           <a:cs typeface="+mn-cs"/>
         </a:defRPr>
       </a:lvl2pPr>
-      <a:lvl3pPr marL="1143000" indent="-228600" algn="l" defTabSz="914400" rtl="0" eaLnBrk="1" latinLnBrk="0" hangingPunct="1">
+      <a:lvl3pPr marL="1371600" indent="-384048" algn="l" defTabSz="914400" rtl="0" eaLnBrk="1" latinLnBrk="0" hangingPunct="1">
         <a:lnSpc>
-          <a:spcPct val="90000"/>
+          <a:spcPct val="94000"/>
         </a:lnSpc>
         <a:spcBef>
           <a:spcPts val="500"/>
         </a:spcBef>
-        <a:buFont typeface="Arial" panose="020B0604020202020204" pitchFamily="34" charset="0"/>
-        <a:buChar char="•"/>
-        <a:defRPr sz="2000" kern="1200">
+        <a:spcAft>
+          <a:spcPts val="200"/>
+        </a:spcAft>
+        <a:buFont typeface="Franklin Gothic Book" panose="020B0503020102020204" pitchFamily="34" charset="0"/>
+        <a:buChar char="■"/>
+        <a:defRPr sz="1800" kern="1200" baseline="0">
           <a:solidFill>
-            <a:schemeClr val="tx1"/>
+            <a:schemeClr val="tx2"/>
           </a:solidFill>
           <a:latin typeface="+mn-lt"/>
           <a:ea typeface="+mn-ea"/>
           <a:cs typeface="+mn-cs"/>
         </a:defRPr>
       </a:lvl3pPr>
-      <a:lvl4pPr marL="1600200" indent="-228600" algn="l" defTabSz="914400" rtl="0" eaLnBrk="1" latinLnBrk="0" hangingPunct="1">
+      <a:lvl4pPr marL="1828800" indent="-384048" algn="l" defTabSz="914400" rtl="0" eaLnBrk="1" latinLnBrk="0" hangingPunct="1">
         <a:lnSpc>
-          <a:spcPct val="90000"/>
+          <a:spcPct val="94000"/>
         </a:lnSpc>
         <a:spcBef>
           <a:spcPts val="500"/>
         </a:spcBef>
-        <a:buFont typeface="Arial" panose="020B0604020202020204" pitchFamily="34" charset="0"/>
-        <a:buChar char="•"/>
-        <a:defRPr sz="1800" kern="1200">
+        <a:spcAft>
+          <a:spcPts val="200"/>
+        </a:spcAft>
+        <a:buFont typeface="Franklin Gothic Book" panose="020B0503020102020204" pitchFamily="34" charset="0"/>
+        <a:buChar char="–"/>
+        <a:defRPr sz="1800" i="1" kern="1200" baseline="0">
           <a:solidFill>
-            <a:schemeClr val="tx1"/>
+            <a:schemeClr val="tx2"/>
           </a:solidFill>
           <a:latin typeface="+mn-lt"/>
           <a:ea typeface="+mn-ea"/>
           <a:cs typeface="+mn-cs"/>
         </a:defRPr>
       </a:lvl4pPr>
-      <a:lvl5pPr marL="2057400" indent="-228600" algn="l" defTabSz="914400" rtl="0" eaLnBrk="1" latinLnBrk="0" hangingPunct="1">
+      <a:lvl5pPr marL="2286000" indent="-384048" algn="l" defTabSz="914400" rtl="0" eaLnBrk="1" latinLnBrk="0" hangingPunct="1">
         <a:lnSpc>
-          <a:spcPct val="90000"/>
+          <a:spcPct val="94000"/>
         </a:lnSpc>
         <a:spcBef>
           <a:spcPts val="500"/>
         </a:spcBef>
-        <a:buFont typeface="Arial" panose="020B0604020202020204" pitchFamily="34" charset="0"/>
-        <a:buChar char="•"/>
-        <a:defRPr sz="1800" kern="1200">
+        <a:spcAft>
+          <a:spcPts val="200"/>
+        </a:spcAft>
+        <a:buFont typeface="Franklin Gothic Book" panose="020B0503020102020204" pitchFamily="34" charset="0"/>
+        <a:buChar char="■"/>
+        <a:defRPr sz="1600" kern="1200" baseline="0">
           <a:solidFill>
-            <a:schemeClr val="tx1"/>
+            <a:schemeClr val="tx2"/>
           </a:solidFill>
           <a:latin typeface="+mn-lt"/>
           <a:ea typeface="+mn-ea"/>
           <a:cs typeface="+mn-cs"/>
         </a:defRPr>
       </a:lvl5pPr>
-      <a:lvl6pPr marL="2514600" indent="-228600" algn="l" defTabSz="914400" rtl="0" eaLnBrk="1" latinLnBrk="0" hangingPunct="1">
+      <a:lvl6pPr marL="2743200" indent="-384048" algn="l" defTabSz="914400" rtl="0" eaLnBrk="1" latinLnBrk="0" hangingPunct="1">
         <a:lnSpc>
-          <a:spcPct val="90000"/>
+          <a:spcPct val="94000"/>
         </a:lnSpc>
         <a:spcBef>
           <a:spcPts val="500"/>
         </a:spcBef>
-        <a:buFont typeface="Arial" panose="020B0604020202020204" pitchFamily="34" charset="0"/>
-        <a:buChar char="•"/>
-        <a:defRPr sz="1800" kern="1200">
+        <a:spcAft>
+          <a:spcPts val="200"/>
+        </a:spcAft>
+        <a:buFont typeface="Franklin Gothic Book" panose="020B0503020102020204" pitchFamily="34" charset="0"/>
+        <a:buChar char="–"/>
+        <a:defRPr sz="1600" i="1" kern="1200" baseline="0">
           <a:solidFill>
-            <a:schemeClr val="tx1"/>
+            <a:schemeClr val="tx2"/>
           </a:solidFill>
           <a:latin typeface="+mn-lt"/>
           <a:ea typeface="+mn-ea"/>
           <a:cs typeface="+mn-cs"/>
         </a:defRPr>
       </a:lvl6pPr>
-      <a:lvl7pPr marL="2971800" indent="-228600" algn="l" defTabSz="914400" rtl="0" eaLnBrk="1" latinLnBrk="0" hangingPunct="1">
+      <a:lvl7pPr marL="3200400" indent="-384048" algn="l" defTabSz="914400" rtl="0" eaLnBrk="1" latinLnBrk="0" hangingPunct="1">
         <a:lnSpc>
-          <a:spcPct val="90000"/>
+          <a:spcPct val="94000"/>
         </a:lnSpc>
         <a:spcBef>
           <a:spcPts val="500"/>
         </a:spcBef>
-        <a:buFont typeface="Arial" panose="020B0604020202020204" pitchFamily="34" charset="0"/>
-        <a:buChar char="•"/>
-        <a:defRPr sz="1800" kern="1200">
+        <a:spcAft>
+          <a:spcPts val="200"/>
+        </a:spcAft>
+        <a:buFont typeface="Franklin Gothic Book" panose="020B0503020102020204" pitchFamily="34" charset="0"/>
+        <a:buChar char="■"/>
+        <a:defRPr sz="1400" kern="1200" baseline="0">
           <a:solidFill>
-            <a:schemeClr val="tx1"/>
+            <a:schemeClr val="tx2"/>
           </a:solidFill>
           <a:latin typeface="+mn-lt"/>
           <a:ea typeface="+mn-ea"/>
           <a:cs typeface="+mn-cs"/>
         </a:defRPr>
       </a:lvl7pPr>
-      <a:lvl8pPr marL="3429000" indent="-228600" algn="l" defTabSz="914400" rtl="0" eaLnBrk="1" latinLnBrk="0" hangingPunct="1">
+      <a:lvl8pPr marL="3657600" indent="-384048" algn="l" defTabSz="914400" rtl="0" eaLnBrk="1" latinLnBrk="0" hangingPunct="1">
         <a:lnSpc>
-          <a:spcPct val="90000"/>
+          <a:spcPct val="94000"/>
         </a:lnSpc>
         <a:spcBef>
           <a:spcPts val="500"/>
         </a:spcBef>
-        <a:buFont typeface="Arial" panose="020B0604020202020204" pitchFamily="34" charset="0"/>
-        <a:buChar char="•"/>
-        <a:defRPr sz="1800" kern="1200">
+        <a:spcAft>
+          <a:spcPts val="200"/>
+        </a:spcAft>
+        <a:buFont typeface="Franklin Gothic Book" panose="020B0503020102020204" pitchFamily="34" charset="0"/>
+        <a:buChar char="–"/>
+        <a:defRPr sz="1400" i="1" kern="1200" baseline="0">
           <a:solidFill>
-            <a:schemeClr val="tx1"/>
+            <a:schemeClr val="tx2"/>
           </a:solidFill>
           <a:latin typeface="+mn-lt"/>
           <a:ea typeface="+mn-ea"/>
           <a:cs typeface="+mn-cs"/>
         </a:defRPr>
       </a:lvl8pPr>
-      <a:lvl9pPr marL="3886200" indent="-228600" algn="l" defTabSz="914400" rtl="0" eaLnBrk="1" latinLnBrk="0" hangingPunct="1">
+      <a:lvl9pPr marL="4114800" indent="-384048" algn="l" defTabSz="914400" rtl="0" eaLnBrk="1" latinLnBrk="0" hangingPunct="1">
         <a:lnSpc>
-          <a:spcPct val="90000"/>
+          <a:spcPct val="94000"/>
         </a:lnSpc>
         <a:spcBef>
           <a:spcPts val="500"/>
         </a:spcBef>
-        <a:buFont typeface="Arial" panose="020B0604020202020204" pitchFamily="34" charset="0"/>
-        <a:buChar char="•"/>
-        <a:defRPr sz="1800" kern="1200">
+        <a:spcAft>
+          <a:spcPts val="200"/>
+        </a:spcAft>
+        <a:buFont typeface="Franklin Gothic Book" panose="020B0503020102020204" pitchFamily="34" charset="0"/>
+        <a:buChar char="■"/>
+        <a:defRPr sz="1400" kern="1200" baseline="0">
           <a:solidFill>
-            <a:schemeClr val="tx1"/>
+            <a:schemeClr val="tx2"/>
           </a:solidFill>
           <a:latin typeface="+mn-lt"/>
           <a:ea typeface="+mn-ea"/>
@@ -3316,6 +4236,52 @@
       </a:lvl9pPr>
     </p:otherStyle>
   </p:txStyles>
+  <p:extLst mod="1">
+    <p:ext uri="{27BBF7A9-308A-43DC-89C8-2F10F3537804}">
+      <p15:sldGuideLst xmlns:p15="http://schemas.microsoft.com/office/powerpoint/2012/main">
+        <p15:guide id="3" orient="horz" pos="1368">
+          <p15:clr>
+            <a:srgbClr val="F26B43"/>
+          </p15:clr>
+        </p15:guide>
+        <p15:guide id="4" orient="horz" pos="1440">
+          <p15:clr>
+            <a:srgbClr val="F26B43"/>
+          </p15:clr>
+        </p15:guide>
+        <p15:guide id="6" orient="horz" pos="3696">
+          <p15:clr>
+            <a:srgbClr val="F26B43"/>
+          </p15:clr>
+        </p15:guide>
+        <p15:guide id="7" orient="horz" pos="432">
+          <p15:clr>
+            <a:srgbClr val="F26B43"/>
+          </p15:clr>
+        </p15:guide>
+        <p15:guide id="8" orient="horz" pos="1512">
+          <p15:clr>
+            <a:srgbClr val="F26B43"/>
+          </p15:clr>
+        </p15:guide>
+        <p15:guide id="9" pos="6912">
+          <p15:clr>
+            <a:srgbClr val="F26B43"/>
+          </p15:clr>
+        </p15:guide>
+        <p15:guide id="10" pos="936">
+          <p15:clr>
+            <a:srgbClr val="F26B43"/>
+          </p15:clr>
+        </p15:guide>
+        <p15:guide id="11" pos="864">
+          <p15:clr>
+            <a:srgbClr val="F26B43"/>
+          </p15:clr>
+        </p15:guide>
+      </p15:sldGuideLst>
+    </p:ext>
+  </p:extLst>
 </p:sldMaster>
 </file>
 
@@ -3352,15 +4318,21 @@
             <p:ph type="ctrTitle"/>
           </p:nvPr>
         </p:nvSpPr>
-        <p:spPr/>
+        <p:spPr>
+          <a:xfrm>
+            <a:off x="1572349" y="2379887"/>
+            <a:ext cx="9046786" cy="2098226"/>
+          </a:xfrm>
+        </p:spPr>
         <p:txBody>
           <a:bodyPr/>
           <a:lstStyle/>
           <a:p>
             <a:r>
-              <a:rPr lang="en-US" dirty="0"/>
-              <a:t>Project Presentation</a:t>
-            </a:r>
+              <a:rPr lang="en-US" b="1" dirty="0"/>
+              <a:t>Fruit Classification Using CNN</a:t>
+            </a:r>
+            <a:endParaRPr lang="en-US" dirty="0"/>
           </a:p>
         </p:txBody>
       </p:sp>
@@ -3380,7 +4352,12 @@
             <p:ph type="subTitle" idx="1"/>
           </p:nvPr>
         </p:nvSpPr>
-        <p:spPr/>
+        <p:spPr>
+          <a:xfrm>
+            <a:off x="2679905" y="4478113"/>
+            <a:ext cx="6831673" cy="1086237"/>
+          </a:xfrm>
+        </p:spPr>
         <p:txBody>
           <a:bodyPr/>
           <a:lstStyle/>
@@ -3445,17 +4422,17 @@
           <a:p>
             <a:r>
               <a:rPr lang="en-US" dirty="0"/>
-              <a:t>Can You Tell the Difference?</a:t>
+              <a:t>Results – Confusion Matrix</a:t>
             </a:r>
           </a:p>
         </p:txBody>
       </p:sp>
       <p:pic>
         <p:nvPicPr>
-          <p:cNvPr id="4" name="Picture 3">
+          <p:cNvPr id="6" name="Picture 5">
             <a:extLst>
               <a:ext uri="{FF2B5EF4-FFF2-40B4-BE49-F238E27FC236}">
-                <a16:creationId xmlns:a16="http://schemas.microsoft.com/office/drawing/2014/main" id="{86581660-D788-4040-A688-1278C82859D2}"/>
+                <a16:creationId xmlns:a16="http://schemas.microsoft.com/office/drawing/2014/main" id="{16CAE3F6-EFD3-4FA6-B25A-AC766F0BCE6D}"/>
               </a:ext>
             </a:extLst>
           </p:cNvPr>
@@ -3466,13 +4443,42 @@
         </p:nvPicPr>
         <p:blipFill rotWithShape="1">
           <a:blip r:embed="rId2"/>
-          <a:srcRect l="3920" t="9109" r="4220" b="5038"/>
+          <a:srcRect l="26043" t="18605" r="23941" b="53333"/>
           <a:stretch/>
         </p:blipFill>
         <p:spPr>
           <a:xfrm>
-            <a:off x="2488019" y="1456661"/>
-            <a:ext cx="6719776" cy="4710223"/>
+            <a:off x="1630324" y="1418229"/>
+            <a:ext cx="8540908" cy="2695465"/>
+          </a:xfrm>
+          <a:prstGeom prst="rect">
+            <a:avLst/>
+          </a:prstGeom>
+        </p:spPr>
+      </p:pic>
+      <p:pic>
+        <p:nvPicPr>
+          <p:cNvPr id="7" name="Picture 6">
+            <a:extLst>
+              <a:ext uri="{FF2B5EF4-FFF2-40B4-BE49-F238E27FC236}">
+                <a16:creationId xmlns:a16="http://schemas.microsoft.com/office/drawing/2014/main" id="{532DD904-0959-4E3A-A66B-958421055445}"/>
+              </a:ext>
+            </a:extLst>
+          </p:cNvPr>
+          <p:cNvPicPr>
+            <a:picLocks noChangeAspect="1"/>
+          </p:cNvPicPr>
+          <p:nvPr/>
+        </p:nvPicPr>
+        <p:blipFill rotWithShape="1">
+          <a:blip r:embed="rId2"/>
+          <a:srcRect l="23546" t="57107" r="19157" b="12713"/>
+          <a:stretch/>
+        </p:blipFill>
+        <p:spPr>
+          <a:xfrm>
+            <a:off x="1630325" y="3979347"/>
+            <a:ext cx="8540907" cy="2530549"/>
           </a:xfrm>
           <a:prstGeom prst="rect">
             <a:avLst/>
@@ -3482,7 +4488,7 @@
     </p:spTree>
     <p:extLst>
       <p:ext uri="{BB962C8B-B14F-4D97-AF65-F5344CB8AC3E}">
-        <p14:creationId xmlns:p14="http://schemas.microsoft.com/office/powerpoint/2010/main" val="3307328347"/>
+        <p14:creationId xmlns:p14="http://schemas.microsoft.com/office/powerpoint/2010/main" val="930668667"/>
       </p:ext>
     </p:extLst>
   </p:cSld>
@@ -3532,7 +4538,94 @@
           <a:p>
             <a:r>
               <a:rPr lang="en-US" dirty="0"/>
-              <a:t>Questions</a:t>
+              <a:t>Can You Tell the Difference?</a:t>
+            </a:r>
+          </a:p>
+        </p:txBody>
+      </p:sp>
+      <p:pic>
+        <p:nvPicPr>
+          <p:cNvPr id="4" name="Picture 3">
+            <a:extLst>
+              <a:ext uri="{FF2B5EF4-FFF2-40B4-BE49-F238E27FC236}">
+                <a16:creationId xmlns:a16="http://schemas.microsoft.com/office/drawing/2014/main" id="{86581660-D788-4040-A688-1278C82859D2}"/>
+              </a:ext>
+            </a:extLst>
+          </p:cNvPr>
+          <p:cNvPicPr>
+            <a:picLocks noChangeAspect="1"/>
+          </p:cNvPicPr>
+          <p:nvPr/>
+        </p:nvPicPr>
+        <p:blipFill rotWithShape="1">
+          <a:blip r:embed="rId2"/>
+          <a:srcRect l="3920" t="9109" r="4220" b="5038"/>
+          <a:stretch/>
+        </p:blipFill>
+        <p:spPr>
+          <a:xfrm>
+            <a:off x="2736112" y="1696147"/>
+            <a:ext cx="6719776" cy="4710223"/>
+          </a:xfrm>
+          <a:prstGeom prst="rect">
+            <a:avLst/>
+          </a:prstGeom>
+        </p:spPr>
+      </p:pic>
+    </p:spTree>
+    <p:extLst>
+      <p:ext uri="{BB962C8B-B14F-4D97-AF65-F5344CB8AC3E}">
+        <p14:creationId xmlns:p14="http://schemas.microsoft.com/office/powerpoint/2010/main" val="3307328347"/>
+      </p:ext>
+    </p:extLst>
+  </p:cSld>
+  <p:clrMapOvr>
+    <a:masterClrMapping/>
+  </p:clrMapOvr>
+</p:sld>
+</file>
+
+<file path=ppt/slides/slide12.xml><?xml version="1.0" encoding="utf-8"?>
+<p:sld xmlns:a="http://schemas.openxmlformats.org/drawingml/2006/main" xmlns:r="http://schemas.openxmlformats.org/officeDocument/2006/relationships" xmlns:p="http://schemas.openxmlformats.org/presentationml/2006/main">
+  <p:cSld>
+    <p:spTree>
+      <p:nvGrpSpPr>
+        <p:cNvPr id="1" name=""/>
+        <p:cNvGrpSpPr/>
+        <p:nvPr/>
+      </p:nvGrpSpPr>
+      <p:grpSpPr>
+        <a:xfrm>
+          <a:off x="0" y="0"/>
+          <a:ext cx="0" cy="0"/>
+          <a:chOff x="0" y="0"/>
+          <a:chExt cx="0" cy="0"/>
+        </a:xfrm>
+      </p:grpSpPr>
+      <p:sp>
+        <p:nvSpPr>
+          <p:cNvPr id="2" name="Title 1">
+            <a:extLst>
+              <a:ext uri="{FF2B5EF4-FFF2-40B4-BE49-F238E27FC236}">
+                <a16:creationId xmlns:a16="http://schemas.microsoft.com/office/drawing/2014/main" id="{999B92B1-D944-3044-A381-C5642B7B9158}"/>
+              </a:ext>
+            </a:extLst>
+          </p:cNvPr>
+          <p:cNvSpPr>
+            <a:spLocks noGrp="1"/>
+          </p:cNvSpPr>
+          <p:nvPr>
+            <p:ph type="title"/>
+          </p:nvPr>
+        </p:nvSpPr>
+        <p:spPr/>
+        <p:txBody>
+          <a:bodyPr/>
+          <a:lstStyle/>
+          <a:p>
+            <a:r>
+              <a:rPr lang="en-US" dirty="0"/>
+              <a:t>Conclusion</a:t>
             </a:r>
           </a:p>
         </p:txBody>
@@ -3542,7 +4635,7 @@
           <p:cNvPr id="3" name="Content Placeholder 2">
             <a:extLst>
               <a:ext uri="{FF2B5EF4-FFF2-40B4-BE49-F238E27FC236}">
-                <a16:creationId xmlns:a16="http://schemas.microsoft.com/office/drawing/2014/main" id="{942E0C6F-D2A9-4FF0-AB48-8C2A008B8F54}"/>
+                <a16:creationId xmlns:a16="http://schemas.microsoft.com/office/drawing/2014/main" id="{9377D693-C46A-D145-AA42-559BC07BB30D}"/>
               </a:ext>
             </a:extLst>
           </p:cNvPr>
@@ -3558,9 +4651,597 @@
           <a:bodyPr/>
           <a:lstStyle/>
           <a:p>
-            <a:r>
-              <a:rPr lang="en-US" dirty="0"/>
-              <a:t>Thank you!</a:t>
+            <a:endParaRPr lang="en-US" dirty="0"/>
+          </a:p>
+        </p:txBody>
+      </p:sp>
+    </p:spTree>
+    <p:extLst>
+      <p:ext uri="{BB962C8B-B14F-4D97-AF65-F5344CB8AC3E}">
+        <p14:creationId xmlns:p14="http://schemas.microsoft.com/office/powerpoint/2010/main" val="3713339287"/>
+      </p:ext>
+    </p:extLst>
+  </p:cSld>
+  <p:clrMapOvr>
+    <a:masterClrMapping/>
+  </p:clrMapOvr>
+</p:sld>
+</file>
+
+<file path=ppt/slides/slide13.xml><?xml version="1.0" encoding="utf-8"?>
+<p:sld xmlns:a="http://schemas.openxmlformats.org/drawingml/2006/main" xmlns:r="http://schemas.openxmlformats.org/officeDocument/2006/relationships" xmlns:p="http://schemas.openxmlformats.org/presentationml/2006/main">
+  <p:cSld>
+    <p:bg>
+      <p:bgPr>
+        <a:solidFill>
+          <a:schemeClr val="bg2"/>
+        </a:solidFill>
+        <a:effectLst/>
+      </p:bgPr>
+    </p:bg>
+    <p:spTree>
+      <p:nvGrpSpPr>
+        <p:cNvPr id="1" name=""/>
+        <p:cNvGrpSpPr/>
+        <p:nvPr/>
+      </p:nvGrpSpPr>
+      <p:grpSpPr>
+        <a:xfrm>
+          <a:off x="0" y="0"/>
+          <a:ext cx="0" cy="0"/>
+          <a:chOff x="0" y="0"/>
+          <a:chExt cx="0" cy="0"/>
+        </a:xfrm>
+      </p:grpSpPr>
+      <p:grpSp>
+        <p:nvGrpSpPr>
+          <p:cNvPr id="7" name="Group 6">
+            <a:extLst>
+              <a:ext uri="{FF2B5EF4-FFF2-40B4-BE49-F238E27FC236}">
+                <a16:creationId xmlns:a16="http://schemas.microsoft.com/office/drawing/2014/main" id="{8C89EA62-F38E-4285-A105-C5E1BD360093}"/>
+              </a:ext>
+              <a:ext uri="{C183D7F6-B498-43B3-948B-1728B52AA6E4}">
+                <adec:decorative xmlns:adec="http://schemas.microsoft.com/office/drawing/2017/decorative" val="1"/>
+              </a:ext>
+            </a:extLst>
+          </p:cNvPr>
+          <p:cNvGrpSpPr>
+            <a:grpSpLocks noGrp="1" noUngrp="1" noRot="1" noChangeAspect="1" noMove="1" noResize="1"/>
+          </p:cNvGrpSpPr>
+          <p:nvPr>
+            <p:extLst>
+              <p:ext uri="{386F3935-93C4-4BCD-93E2-E3B085C9AB24}">
+                <p16:designElem xmlns:p16="http://schemas.microsoft.com/office/powerpoint/2015/main" val="1"/>
+              </p:ext>
+            </p:extLst>
+          </p:nvPr>
+        </p:nvGrpSpPr>
+        <p:grpSpPr>
+          <a:xfrm>
+            <a:off x="752858" y="744469"/>
+            <a:ext cx="10674117" cy="5349671"/>
+            <a:chOff x="752858" y="744469"/>
+            <a:chExt cx="10674117" cy="5349671"/>
+          </a:xfrm>
+        </p:grpSpPr>
+        <p:sp>
+          <p:nvSpPr>
+            <p:cNvPr id="8" name="Freeform 6">
+              <a:extLst>
+                <a:ext uri="{FF2B5EF4-FFF2-40B4-BE49-F238E27FC236}">
+                  <a16:creationId xmlns:a16="http://schemas.microsoft.com/office/drawing/2014/main" id="{2CF6E46A-CCCD-4728-B011-E147B23629A3}"/>
+                </a:ext>
+                <a:ext uri="{C183D7F6-B498-43B3-948B-1728B52AA6E4}">
+                  <adec:decorative xmlns:adec="http://schemas.microsoft.com/office/drawing/2017/decorative" val="1"/>
+                </a:ext>
+              </a:extLst>
+            </p:cNvPr>
+            <p:cNvSpPr/>
+            <p:nvPr>
+              <p:extLst>
+                <p:ext uri="{386F3935-93C4-4BCD-93E2-E3B085C9AB24}">
+                  <p16:designElem xmlns:p16="http://schemas.microsoft.com/office/powerpoint/2015/main" val="1"/>
+                </p:ext>
+              </p:extLst>
+            </p:nvPr>
+          </p:nvSpPr>
+          <p:spPr bwMode="auto">
+            <a:xfrm>
+              <a:off x="8151962" y="1685652"/>
+              <a:ext cx="3275013" cy="4408488"/>
+            </a:xfrm>
+            <a:custGeom>
+              <a:avLst/>
+              <a:gdLst/>
+              <a:ahLst/>
+              <a:cxnLst/>
+              <a:rect l="l" t="t" r="r" b="b"/>
+              <a:pathLst>
+                <a:path w="10000" h="10000">
+                  <a:moveTo>
+                    <a:pt x="8761" y="0"/>
+                  </a:moveTo>
+                  <a:lnTo>
+                    <a:pt x="10000" y="0"/>
+                  </a:lnTo>
+                  <a:lnTo>
+                    <a:pt x="10000" y="10000"/>
+                  </a:lnTo>
+                  <a:lnTo>
+                    <a:pt x="0" y="10000"/>
+                  </a:lnTo>
+                  <a:lnTo>
+                    <a:pt x="0" y="9126"/>
+                  </a:lnTo>
+                  <a:lnTo>
+                    <a:pt x="8761" y="9127"/>
+                  </a:lnTo>
+                  <a:lnTo>
+                    <a:pt x="8761" y="0"/>
+                  </a:lnTo>
+                  <a:close/>
+                </a:path>
+              </a:pathLst>
+            </a:custGeom>
+            <a:solidFill>
+              <a:schemeClr val="tx2"/>
+            </a:solidFill>
+            <a:ln w="0">
+              <a:noFill/>
+              <a:prstDash val="solid"/>
+              <a:round/>
+              <a:headEnd/>
+              <a:tailEnd/>
+            </a:ln>
+          </p:spPr>
+        </p:sp>
+        <p:sp>
+          <p:nvSpPr>
+            <p:cNvPr id="9" name="Freeform 6">
+              <a:extLst>
+                <a:ext uri="{FF2B5EF4-FFF2-40B4-BE49-F238E27FC236}">
+                  <a16:creationId xmlns:a16="http://schemas.microsoft.com/office/drawing/2014/main" id="{2E2C684B-30C9-4689-A529-EBF1B8ADB215}"/>
+                </a:ext>
+                <a:ext uri="{C183D7F6-B498-43B3-948B-1728B52AA6E4}">
+                  <adec:decorative xmlns:adec="http://schemas.microsoft.com/office/drawing/2017/decorative" val="1"/>
+                </a:ext>
+              </a:extLst>
+            </p:cNvPr>
+            <p:cNvSpPr/>
+            <p:nvPr>
+              <p:extLst>
+                <p:ext uri="{386F3935-93C4-4BCD-93E2-E3B085C9AB24}">
+                  <p16:designElem xmlns:p16="http://schemas.microsoft.com/office/powerpoint/2015/main" val="1"/>
+                </p:ext>
+              </p:extLst>
+            </p:nvPr>
+          </p:nvSpPr>
+          <p:spPr bwMode="auto">
+            <a:xfrm flipH="1" flipV="1">
+              <a:off x="752858" y="744469"/>
+              <a:ext cx="3275668" cy="4408488"/>
+            </a:xfrm>
+            <a:custGeom>
+              <a:avLst/>
+              <a:gdLst/>
+              <a:ahLst/>
+              <a:cxnLst/>
+              <a:rect l="l" t="t" r="r" b="b"/>
+              <a:pathLst>
+                <a:path w="10002" h="10000">
+                  <a:moveTo>
+                    <a:pt x="8763" y="0"/>
+                  </a:moveTo>
+                  <a:lnTo>
+                    <a:pt x="10002" y="0"/>
+                  </a:lnTo>
+                  <a:lnTo>
+                    <a:pt x="10002" y="10000"/>
+                  </a:lnTo>
+                  <a:lnTo>
+                    <a:pt x="2" y="10000"/>
+                  </a:lnTo>
+                  <a:cubicBezTo>
+                    <a:pt x="-2" y="9698"/>
+                    <a:pt x="4" y="9427"/>
+                    <a:pt x="0" y="9125"/>
+                  </a:cubicBezTo>
+                  <a:lnTo>
+                    <a:pt x="8763" y="9128"/>
+                  </a:lnTo>
+                  <a:lnTo>
+                    <a:pt x="8763" y="0"/>
+                  </a:lnTo>
+                  <a:close/>
+                </a:path>
+              </a:pathLst>
+            </a:custGeom>
+            <a:solidFill>
+              <a:schemeClr val="tx2"/>
+            </a:solidFill>
+            <a:ln w="0">
+              <a:noFill/>
+              <a:prstDash val="solid"/>
+              <a:round/>
+              <a:headEnd/>
+              <a:tailEnd/>
+            </a:ln>
+          </p:spPr>
+        </p:sp>
+      </p:grpSp>
+      <p:sp useBgFill="1">
+        <p:nvSpPr>
+          <p:cNvPr id="11" name="Rectangle 10">
+            <a:extLst>
+              <a:ext uri="{FF2B5EF4-FFF2-40B4-BE49-F238E27FC236}">
+                <a16:creationId xmlns:a16="http://schemas.microsoft.com/office/drawing/2014/main" id="{9ECB0E0D-AC1B-4E83-84EA-237BFA20636D}"/>
+              </a:ext>
+              <a:ext uri="{C183D7F6-B498-43B3-948B-1728B52AA6E4}">
+                <adec:decorative xmlns:adec="http://schemas.microsoft.com/office/drawing/2017/decorative" val="1"/>
+              </a:ext>
+            </a:extLst>
+          </p:cNvPr>
+          <p:cNvSpPr>
+            <a:spLocks noGrp="1" noRot="1" noChangeAspect="1" noMove="1" noResize="1" noEditPoints="1" noAdjustHandles="1" noChangeArrowheads="1" noChangeShapeType="1" noTextEdit="1"/>
+          </p:cNvSpPr>
+          <p:nvPr>
+            <p:extLst>
+              <p:ext uri="{386F3935-93C4-4BCD-93E2-E3B085C9AB24}">
+                <p16:designElem xmlns:p16="http://schemas.microsoft.com/office/powerpoint/2015/main" val="1"/>
+              </p:ext>
+            </p:extLst>
+          </p:nvPr>
+        </p:nvSpPr>
+        <p:spPr bwMode="grayWhite">
+          <a:xfrm>
+            <a:off x="0" y="0"/>
+            <a:ext cx="12192000" cy="6858000"/>
+          </a:xfrm>
+          <a:prstGeom prst="rect">
+            <a:avLst/>
+          </a:prstGeom>
+          <a:ln>
+            <a:noFill/>
+          </a:ln>
+        </p:spPr>
+        <p:style>
+          <a:lnRef idx="2">
+            <a:schemeClr val="accent1">
+              <a:shade val="50000"/>
+            </a:schemeClr>
+          </a:lnRef>
+          <a:fillRef idx="1">
+            <a:schemeClr val="accent1"/>
+          </a:fillRef>
+          <a:effectRef idx="0">
+            <a:schemeClr val="accent1"/>
+          </a:effectRef>
+          <a:fontRef idx="minor">
+            <a:schemeClr val="lt1"/>
+          </a:fontRef>
+        </p:style>
+        <p:txBody>
+          <a:bodyPr rtlCol="0" anchor="ctr"/>
+          <a:lstStyle/>
+          <a:p>
+            <a:pPr algn="ctr"/>
+            <a:endParaRPr lang="en-US"/>
+          </a:p>
+        </p:txBody>
+      </p:sp>
+      <p:grpSp>
+        <p:nvGrpSpPr>
+          <p:cNvPr id="13" name="Group 12">
+            <a:extLst>
+              <a:ext uri="{FF2B5EF4-FFF2-40B4-BE49-F238E27FC236}">
+                <a16:creationId xmlns:a16="http://schemas.microsoft.com/office/drawing/2014/main" id="{D6DCB3B1-E1A7-4510-831B-77C8EFF566AC}"/>
+              </a:ext>
+              <a:ext uri="{C183D7F6-B498-43B3-948B-1728B52AA6E4}">
+                <adec:decorative xmlns:adec="http://schemas.microsoft.com/office/drawing/2017/decorative" val="1"/>
+              </a:ext>
+            </a:extLst>
+          </p:cNvPr>
+          <p:cNvGrpSpPr>
+            <a:grpSpLocks noGrp="1" noUngrp="1" noRot="1" noChangeAspect="1" noMove="1" noResize="1"/>
+          </p:cNvGrpSpPr>
+          <p:nvPr>
+            <p:extLst>
+              <p:ext uri="{386F3935-93C4-4BCD-93E2-E3B085C9AB24}">
+                <p16:designElem xmlns:p16="http://schemas.microsoft.com/office/powerpoint/2015/main" val="1"/>
+              </p:ext>
+            </p:extLst>
+          </p:nvPr>
+        </p:nvGrpSpPr>
+        <p:grpSpPr>
+          <a:xfrm>
+            <a:off x="752858" y="744469"/>
+            <a:ext cx="10674117" cy="5349671"/>
+            <a:chOff x="752858" y="744469"/>
+            <a:chExt cx="10674117" cy="5349671"/>
+          </a:xfrm>
+        </p:grpSpPr>
+        <p:sp>
+          <p:nvSpPr>
+            <p:cNvPr id="14" name="Freeform 6">
+              <a:extLst>
+                <a:ext uri="{FF2B5EF4-FFF2-40B4-BE49-F238E27FC236}">
+                  <a16:creationId xmlns:a16="http://schemas.microsoft.com/office/drawing/2014/main" id="{10132A3B-10CF-4EEB-BA1F-A63D2ED61D79}"/>
+                </a:ext>
+                <a:ext uri="{C183D7F6-B498-43B3-948B-1728B52AA6E4}">
+                  <adec:decorative xmlns:adec="http://schemas.microsoft.com/office/drawing/2017/decorative" val="1"/>
+                </a:ext>
+              </a:extLst>
+            </p:cNvPr>
+            <p:cNvSpPr/>
+            <p:nvPr>
+              <p:extLst>
+                <p:ext uri="{386F3935-93C4-4BCD-93E2-E3B085C9AB24}">
+                  <p16:designElem xmlns:p16="http://schemas.microsoft.com/office/powerpoint/2015/main" val="1"/>
+                </p:ext>
+              </p:extLst>
+            </p:nvPr>
+          </p:nvSpPr>
+          <p:spPr bwMode="auto">
+            <a:xfrm>
+              <a:off x="8151962" y="1685652"/>
+              <a:ext cx="3275013" cy="4408488"/>
+            </a:xfrm>
+            <a:custGeom>
+              <a:avLst/>
+              <a:gdLst/>
+              <a:ahLst/>
+              <a:cxnLst/>
+              <a:rect l="l" t="t" r="r" b="b"/>
+              <a:pathLst>
+                <a:path w="10000" h="10000">
+                  <a:moveTo>
+                    <a:pt x="8761" y="0"/>
+                  </a:moveTo>
+                  <a:lnTo>
+                    <a:pt x="10000" y="0"/>
+                  </a:lnTo>
+                  <a:lnTo>
+                    <a:pt x="10000" y="10000"/>
+                  </a:lnTo>
+                  <a:lnTo>
+                    <a:pt x="0" y="10000"/>
+                  </a:lnTo>
+                  <a:lnTo>
+                    <a:pt x="0" y="9126"/>
+                  </a:lnTo>
+                  <a:lnTo>
+                    <a:pt x="8761" y="9127"/>
+                  </a:lnTo>
+                  <a:lnTo>
+                    <a:pt x="8761" y="0"/>
+                  </a:lnTo>
+                  <a:close/>
+                </a:path>
+              </a:pathLst>
+            </a:custGeom>
+            <a:solidFill>
+              <a:schemeClr val="tx2"/>
+            </a:solidFill>
+            <a:ln w="0">
+              <a:noFill/>
+              <a:prstDash val="solid"/>
+              <a:round/>
+              <a:headEnd/>
+              <a:tailEnd/>
+            </a:ln>
+          </p:spPr>
+        </p:sp>
+        <p:sp>
+          <p:nvSpPr>
+            <p:cNvPr id="15" name="Freeform 6">
+              <a:extLst>
+                <a:ext uri="{FF2B5EF4-FFF2-40B4-BE49-F238E27FC236}">
+                  <a16:creationId xmlns:a16="http://schemas.microsoft.com/office/drawing/2014/main" id="{014E52ED-3C51-46E6-BE4B-14FFAB2C3DB8}"/>
+                </a:ext>
+                <a:ext uri="{C183D7F6-B498-43B3-948B-1728B52AA6E4}">
+                  <adec:decorative xmlns:adec="http://schemas.microsoft.com/office/drawing/2017/decorative" val="1"/>
+                </a:ext>
+              </a:extLst>
+            </p:cNvPr>
+            <p:cNvSpPr/>
+            <p:nvPr>
+              <p:extLst>
+                <p:ext uri="{386F3935-93C4-4BCD-93E2-E3B085C9AB24}">
+                  <p16:designElem xmlns:p16="http://schemas.microsoft.com/office/powerpoint/2015/main" val="1"/>
+                </p:ext>
+              </p:extLst>
+            </p:nvPr>
+          </p:nvSpPr>
+          <p:spPr bwMode="auto">
+            <a:xfrm flipH="1" flipV="1">
+              <a:off x="752858" y="744469"/>
+              <a:ext cx="3275668" cy="4408488"/>
+            </a:xfrm>
+            <a:custGeom>
+              <a:avLst/>
+              <a:gdLst/>
+              <a:ahLst/>
+              <a:cxnLst/>
+              <a:rect l="l" t="t" r="r" b="b"/>
+              <a:pathLst>
+                <a:path w="10002" h="10000">
+                  <a:moveTo>
+                    <a:pt x="8763" y="0"/>
+                  </a:moveTo>
+                  <a:lnTo>
+                    <a:pt x="10002" y="0"/>
+                  </a:lnTo>
+                  <a:lnTo>
+                    <a:pt x="10002" y="10000"/>
+                  </a:lnTo>
+                  <a:lnTo>
+                    <a:pt x="2" y="10000"/>
+                  </a:lnTo>
+                  <a:cubicBezTo>
+                    <a:pt x="-2" y="9698"/>
+                    <a:pt x="4" y="9427"/>
+                    <a:pt x="0" y="9125"/>
+                  </a:cubicBezTo>
+                  <a:lnTo>
+                    <a:pt x="8763" y="9128"/>
+                  </a:lnTo>
+                  <a:lnTo>
+                    <a:pt x="8763" y="0"/>
+                  </a:lnTo>
+                  <a:close/>
+                </a:path>
+              </a:pathLst>
+            </a:custGeom>
+            <a:solidFill>
+              <a:schemeClr val="tx2"/>
+            </a:solidFill>
+            <a:ln w="0">
+              <a:noFill/>
+              <a:prstDash val="solid"/>
+              <a:round/>
+              <a:headEnd/>
+              <a:tailEnd/>
+            </a:ln>
+          </p:spPr>
+        </p:sp>
+      </p:grpSp>
+      <p:cxnSp>
+        <p:nvCxnSpPr>
+          <p:cNvPr id="17" name="Straight Connector 16">
+            <a:extLst>
+              <a:ext uri="{FF2B5EF4-FFF2-40B4-BE49-F238E27FC236}">
+                <a16:creationId xmlns:a16="http://schemas.microsoft.com/office/drawing/2014/main" id="{6116DDC6-8F07-46CC-8751-E5C9346B2A08}"/>
+              </a:ext>
+              <a:ext uri="{C183D7F6-B498-43B3-948B-1728B52AA6E4}">
+                <adec:decorative xmlns:adec="http://schemas.microsoft.com/office/drawing/2017/decorative" val="1"/>
+              </a:ext>
+            </a:extLst>
+          </p:cNvPr>
+          <p:cNvCxnSpPr>
+            <a:cxnSpLocks noGrp="1" noRot="1" noChangeAspect="1" noMove="1" noResize="1" noEditPoints="1" noAdjustHandles="1" noChangeArrowheads="1" noChangeShapeType="1"/>
+          </p:cNvCxnSpPr>
+          <p:nvPr>
+            <p:extLst>
+              <p:ext uri="{386F3935-93C4-4BCD-93E2-E3B085C9AB24}">
+                <p16:designElem xmlns:p16="http://schemas.microsoft.com/office/powerpoint/2015/main" val="1"/>
+              </p:ext>
+            </p:extLst>
+          </p:nvPr>
+        </p:nvCxnSpPr>
+        <p:spPr>
+          <a:xfrm>
+            <a:off x="7674964" y="2388358"/>
+            <a:ext cx="0" cy="1856096"/>
+          </a:xfrm>
+          <a:prstGeom prst="line">
+            <a:avLst/>
+          </a:prstGeom>
+          <a:ln w="25400" cap="sq">
+            <a:solidFill>
+              <a:schemeClr val="tx1"/>
+            </a:solidFill>
+            <a:miter lim="800000"/>
+          </a:ln>
+        </p:spPr>
+        <p:style>
+          <a:lnRef idx="1">
+            <a:schemeClr val="accent1"/>
+          </a:lnRef>
+          <a:fillRef idx="0">
+            <a:schemeClr val="accent1"/>
+          </a:fillRef>
+          <a:effectRef idx="0">
+            <a:schemeClr val="accent1"/>
+          </a:effectRef>
+          <a:fontRef idx="minor">
+            <a:schemeClr val="tx1"/>
+          </a:fontRef>
+        </p:style>
+      </p:cxnSp>
+      <p:sp>
+        <p:nvSpPr>
+          <p:cNvPr id="6" name="Rectangle 5">
+            <a:extLst>
+              <a:ext uri="{FF2B5EF4-FFF2-40B4-BE49-F238E27FC236}">
+                <a16:creationId xmlns:a16="http://schemas.microsoft.com/office/drawing/2014/main" id="{E916B5A3-0D00-814D-988D-1A85D938CA20}"/>
+              </a:ext>
+            </a:extLst>
+          </p:cNvPr>
+          <p:cNvSpPr/>
+          <p:nvPr/>
+        </p:nvSpPr>
+        <p:spPr>
+          <a:xfrm>
+            <a:off x="7358743" y="2242457"/>
+            <a:ext cx="642257" cy="2209800"/>
+          </a:xfrm>
+          <a:prstGeom prst="rect">
+            <a:avLst/>
+          </a:prstGeom>
+          <a:solidFill>
+            <a:schemeClr val="bg2"/>
+          </a:solidFill>
+          <a:ln>
+            <a:noFill/>
+          </a:ln>
+        </p:spPr>
+        <p:style>
+          <a:lnRef idx="2">
+            <a:schemeClr val="accent1">
+              <a:shade val="50000"/>
+            </a:schemeClr>
+          </a:lnRef>
+          <a:fillRef idx="1">
+            <a:schemeClr val="accent1"/>
+          </a:fillRef>
+          <a:effectRef idx="0">
+            <a:schemeClr val="accent1"/>
+          </a:effectRef>
+          <a:fontRef idx="minor">
+            <a:schemeClr val="lt1"/>
+          </a:fontRef>
+        </p:style>
+        <p:txBody>
+          <a:bodyPr rtlCol="0" anchor="ctr"/>
+          <a:lstStyle/>
+          <a:p>
+            <a:pPr algn="ctr"/>
+            <a:endParaRPr lang="en-US"/>
+          </a:p>
+        </p:txBody>
+      </p:sp>
+      <p:sp>
+        <p:nvSpPr>
+          <p:cNvPr id="2" name="Title 1">
+            <a:extLst>
+              <a:ext uri="{FF2B5EF4-FFF2-40B4-BE49-F238E27FC236}">
+                <a16:creationId xmlns:a16="http://schemas.microsoft.com/office/drawing/2014/main" id="{17A2265B-A4F2-42E0-858B-13D056CC899C}"/>
+              </a:ext>
+            </a:extLst>
+          </p:cNvPr>
+          <p:cNvSpPr>
+            <a:spLocks noGrp="1"/>
+          </p:cNvSpPr>
+          <p:nvPr>
+            <p:ph type="title"/>
+          </p:nvPr>
+        </p:nvSpPr>
+        <p:spPr>
+          <a:xfrm>
+            <a:off x="1478521" y="1480930"/>
+            <a:ext cx="9189479" cy="3848521"/>
+          </a:xfrm>
+        </p:spPr>
+        <p:txBody>
+          <a:bodyPr vert="horz" lIns="91440" tIns="45720" rIns="91440" bIns="45720" rtlCol="0" anchor="ctr">
+            <a:normAutofit/>
+          </a:bodyPr>
+          <a:lstStyle/>
+          <a:p>
+            <a:pPr algn="ctr"/>
+            <a:r>
+              <a:rPr lang="en-US" sz="6600" cap="all" dirty="0"/>
+              <a:t>Questions?</a:t>
             </a:r>
           </a:p>
         </p:txBody>
@@ -3854,7 +5535,7 @@
           <a:p>
             <a:r>
               <a:rPr lang="en-US" dirty="0"/>
-              <a:t>Fruits 360: Kaggle </a:t>
+              <a:t>Fruits 360 Dataset | Kaggle: </a:t>
             </a:r>
             <a:r>
               <a:rPr lang="en-US" dirty="0">
@@ -3879,7 +5560,13 @@
           <a:p>
             <a:r>
               <a:rPr lang="en-US" dirty="0"/>
-              <a:t>Training set: 15,506 images, Testing set: 5,195 images</a:t>
+              <a:t>Training set: 15,506 images</a:t>
+            </a:r>
+          </a:p>
+          <a:p>
+            <a:r>
+              <a:rPr lang="en-US" dirty="0"/>
+              <a:t>Testing set: 5,195 images</a:t>
             </a:r>
           </a:p>
           <a:p>
@@ -4184,7 +5871,7 @@
         <p:spPr/>
         <p:txBody>
           <a:bodyPr>
-            <a:normAutofit fontScale="62500" lnSpcReduction="20000"/>
+            <a:normAutofit fontScale="55000" lnSpcReduction="20000"/>
           </a:bodyPr>
           <a:lstStyle/>
           <a:p>
@@ -4198,15 +5885,24 @@
               <a:buNone/>
             </a:pPr>
             <a:r>
-              <a:rPr lang="en-US" dirty="0"/>
+              <a:rPr lang="en-US" dirty="0">
+                <a:latin typeface="Courier New" panose="02070309020205020404" pitchFamily="49" charset="0"/>
+                <a:cs typeface="Courier New" panose="02070309020205020404" pitchFamily="49" charset="0"/>
+              </a:rPr>
               <a:t>class CNN(</a:t>
             </a:r>
             <a:r>
-              <a:rPr lang="en-US" dirty="0" err="1"/>
+              <a:rPr lang="en-US" dirty="0" err="1">
+                <a:latin typeface="Courier New" panose="02070309020205020404" pitchFamily="49" charset="0"/>
+                <a:cs typeface="Courier New" panose="02070309020205020404" pitchFamily="49" charset="0"/>
+              </a:rPr>
               <a:t>nn.Module</a:t>
             </a:r>
             <a:r>
-              <a:rPr lang="en-US" dirty="0"/>
+              <a:rPr lang="en-US" dirty="0">
+                <a:latin typeface="Courier New" panose="02070309020205020404" pitchFamily="49" charset="0"/>
+                <a:cs typeface="Courier New" panose="02070309020205020404" pitchFamily="49" charset="0"/>
+              </a:rPr>
               <a:t>):</a:t>
             </a:r>
           </a:p>
@@ -4221,15 +5917,24 @@
               <a:buNone/>
             </a:pPr>
             <a:r>
-              <a:rPr lang="en-US" dirty="0"/>
+              <a:rPr lang="en-US" dirty="0">
+                <a:latin typeface="Courier New" panose="02070309020205020404" pitchFamily="49" charset="0"/>
+                <a:cs typeface="Courier New" panose="02070309020205020404" pitchFamily="49" charset="0"/>
+              </a:rPr>
               <a:t>    def __</a:t>
             </a:r>
             <a:r>
-              <a:rPr lang="en-US" dirty="0" err="1"/>
+              <a:rPr lang="en-US" dirty="0" err="1">
+                <a:latin typeface="Courier New" panose="02070309020205020404" pitchFamily="49" charset="0"/>
+                <a:cs typeface="Courier New" panose="02070309020205020404" pitchFamily="49" charset="0"/>
+              </a:rPr>
               <a:t>init</a:t>
             </a:r>
             <a:r>
-              <a:rPr lang="en-US" dirty="0"/>
+              <a:rPr lang="en-US" dirty="0">
+                <a:latin typeface="Courier New" panose="02070309020205020404" pitchFamily="49" charset="0"/>
+                <a:cs typeface="Courier New" panose="02070309020205020404" pitchFamily="49" charset="0"/>
+              </a:rPr>
               <a:t>__(self):</a:t>
             </a:r>
           </a:p>
@@ -4244,15 +5949,24 @@
               <a:buNone/>
             </a:pPr>
             <a:r>
-              <a:rPr lang="en-US" dirty="0"/>
+              <a:rPr lang="en-US" dirty="0">
+                <a:latin typeface="Courier New" panose="02070309020205020404" pitchFamily="49" charset="0"/>
+                <a:cs typeface="Courier New" panose="02070309020205020404" pitchFamily="49" charset="0"/>
+              </a:rPr>
               <a:t>        super(CNN, self).__</a:t>
             </a:r>
             <a:r>
-              <a:rPr lang="en-US" dirty="0" err="1"/>
+              <a:rPr lang="en-US" dirty="0" err="1">
+                <a:latin typeface="Courier New" panose="02070309020205020404" pitchFamily="49" charset="0"/>
+                <a:cs typeface="Courier New" panose="02070309020205020404" pitchFamily="49" charset="0"/>
+              </a:rPr>
               <a:t>init</a:t>
             </a:r>
             <a:r>
-              <a:rPr lang="en-US" dirty="0"/>
+              <a:rPr lang="en-US" dirty="0">
+                <a:latin typeface="Courier New" panose="02070309020205020404" pitchFamily="49" charset="0"/>
+                <a:cs typeface="Courier New" panose="02070309020205020404" pitchFamily="49" charset="0"/>
+              </a:rPr>
               <a:t>__()</a:t>
             </a:r>
           </a:p>
@@ -4266,18 +5980,10 @@
               </a:spcBef>
               <a:buNone/>
             </a:pPr>
-            <a:r>
-              <a:rPr lang="en-US" dirty="0"/>
-              <a:t>        self.layer1 = </a:t>
-            </a:r>
-            <a:r>
-              <a:rPr lang="en-US" dirty="0" err="1"/>
-              <a:t>nn.Sequential</a:t>
-            </a:r>
-            <a:r>
-              <a:rPr lang="en-US" dirty="0"/>
-              <a:t>(</a:t>
-            </a:r>
+            <a:endParaRPr lang="en-US" dirty="0">
+              <a:latin typeface="Courier New" panose="02070309020205020404" pitchFamily="49" charset="0"/>
+              <a:cs typeface="Courier New" panose="02070309020205020404" pitchFamily="49" charset="0"/>
+            </a:endParaRPr>
           </a:p>
           <a:p>
             <a:pPr marL="0" indent="0">
@@ -4290,32 +5996,25 @@
               <a:buNone/>
             </a:pPr>
             <a:r>
-              <a:rPr lang="en-US" dirty="0"/>
-              <a:t>           nn.Conv2d(</a:t>
-            </a:r>
-            <a:r>
-              <a:rPr lang="en-US" dirty="0" err="1"/>
-              <a:t>in_channels</a:t>
-            </a:r>
-            <a:r>
-              <a:rPr lang="en-US" dirty="0"/>
-              <a:t>=3, </a:t>
-            </a:r>
-            <a:r>
-              <a:rPr lang="en-US" dirty="0" err="1"/>
-              <a:t>out_channels</a:t>
-            </a:r>
-            <a:r>
-              <a:rPr lang="en-US" dirty="0"/>
-              <a:t>=32, </a:t>
-            </a:r>
-            <a:r>
-              <a:rPr lang="en-US" dirty="0" err="1"/>
-              <a:t>kernel_size</a:t>
-            </a:r>
-            <a:r>
-              <a:rPr lang="en-US" dirty="0"/>
-              <a:t>=5, padding=2),</a:t>
+              <a:rPr lang="en-US" dirty="0">
+                <a:latin typeface="Courier New" panose="02070309020205020404" pitchFamily="49" charset="0"/>
+                <a:cs typeface="Courier New" panose="02070309020205020404" pitchFamily="49" charset="0"/>
+              </a:rPr>
+              <a:t>        self.layer1 = </a:t>
+            </a:r>
+            <a:r>
+              <a:rPr lang="en-US" dirty="0" err="1">
+                <a:latin typeface="Courier New" panose="02070309020205020404" pitchFamily="49" charset="0"/>
+                <a:cs typeface="Courier New" panose="02070309020205020404" pitchFamily="49" charset="0"/>
+              </a:rPr>
+              <a:t>nn.Sequential</a:t>
+            </a:r>
+            <a:r>
+              <a:rPr lang="en-US" dirty="0">
+                <a:latin typeface="Courier New" panose="02070309020205020404" pitchFamily="49" charset="0"/>
+                <a:cs typeface="Courier New" panose="02070309020205020404" pitchFamily="49" charset="0"/>
+              </a:rPr>
+              <a:t>(</a:t>
             </a:r>
           </a:p>
           <a:p>
@@ -4329,16 +6028,53 @@
               <a:buNone/>
             </a:pPr>
             <a:r>
-              <a:rPr lang="en-US" dirty="0"/>
-              <a:t>            nn.BatchNorm2d(</a:t>
-            </a:r>
-            <a:r>
-              <a:rPr lang="en-US" dirty="0" err="1"/>
-              <a:t>num_features</a:t>
-            </a:r>
-            <a:r>
-              <a:rPr lang="en-US" dirty="0"/>
-              <a:t>=32),</a:t>
+              <a:rPr lang="en-US" dirty="0">
+                <a:latin typeface="Courier New" panose="02070309020205020404" pitchFamily="49" charset="0"/>
+                <a:cs typeface="Courier New" panose="02070309020205020404" pitchFamily="49" charset="0"/>
+              </a:rPr>
+              <a:t>            nn.Conv2d(</a:t>
+            </a:r>
+            <a:r>
+              <a:rPr lang="en-US" dirty="0" err="1">
+                <a:latin typeface="Courier New" panose="02070309020205020404" pitchFamily="49" charset="0"/>
+                <a:cs typeface="Courier New" panose="02070309020205020404" pitchFamily="49" charset="0"/>
+              </a:rPr>
+              <a:t>in_channels</a:t>
+            </a:r>
+            <a:r>
+              <a:rPr lang="en-US" dirty="0">
+                <a:latin typeface="Courier New" panose="02070309020205020404" pitchFamily="49" charset="0"/>
+                <a:cs typeface="Courier New" panose="02070309020205020404" pitchFamily="49" charset="0"/>
+              </a:rPr>
+              <a:t>=3, </a:t>
+            </a:r>
+            <a:r>
+              <a:rPr lang="en-US" dirty="0" err="1">
+                <a:latin typeface="Courier New" panose="02070309020205020404" pitchFamily="49" charset="0"/>
+                <a:cs typeface="Courier New" panose="02070309020205020404" pitchFamily="49" charset="0"/>
+              </a:rPr>
+              <a:t>out_channels</a:t>
+            </a:r>
+            <a:r>
+              <a:rPr lang="en-US" dirty="0">
+                <a:latin typeface="Courier New" panose="02070309020205020404" pitchFamily="49" charset="0"/>
+                <a:cs typeface="Courier New" panose="02070309020205020404" pitchFamily="49" charset="0"/>
+              </a:rPr>
+              <a:t>=32, </a:t>
+            </a:r>
+            <a:r>
+              <a:rPr lang="en-US" dirty="0" err="1">
+                <a:latin typeface="Courier New" panose="02070309020205020404" pitchFamily="49" charset="0"/>
+                <a:cs typeface="Courier New" panose="02070309020205020404" pitchFamily="49" charset="0"/>
+              </a:rPr>
+              <a:t>kernel_size</a:t>
+            </a:r>
+            <a:r>
+              <a:rPr lang="en-US" dirty="0">
+                <a:latin typeface="Courier New" panose="02070309020205020404" pitchFamily="49" charset="0"/>
+                <a:cs typeface="Courier New" panose="02070309020205020404" pitchFamily="49" charset="0"/>
+              </a:rPr>
+              <a:t>=5, padding=2),</a:t>
             </a:r>
           </a:p>
           <a:p>
@@ -4352,16 +6088,25 @@
               <a:buNone/>
             </a:pPr>
             <a:r>
-              <a:rPr lang="en-US" dirty="0"/>
-              <a:t>            </a:t>
-            </a:r>
-            <a:r>
-              <a:rPr lang="en-US" dirty="0" err="1"/>
-              <a:t>nn.ReLU</a:t>
-            </a:r>
-            <a:r>
-              <a:rPr lang="en-US" dirty="0"/>
-              <a:t>(),</a:t>
+              <a:rPr lang="en-US" dirty="0">
+                <a:latin typeface="Courier New" panose="02070309020205020404" pitchFamily="49" charset="0"/>
+                <a:cs typeface="Courier New" panose="02070309020205020404" pitchFamily="49" charset="0"/>
+              </a:rPr>
+              <a:t>            nn.BatchNorm2d(</a:t>
+            </a:r>
+            <a:r>
+              <a:rPr lang="en-US" dirty="0" err="1">
+                <a:latin typeface="Courier New" panose="02070309020205020404" pitchFamily="49" charset="0"/>
+                <a:cs typeface="Courier New" panose="02070309020205020404" pitchFamily="49" charset="0"/>
+              </a:rPr>
+              <a:t>num_features</a:t>
+            </a:r>
+            <a:r>
+              <a:rPr lang="en-US" dirty="0">
+                <a:latin typeface="Courier New" panose="02070309020205020404" pitchFamily="49" charset="0"/>
+                <a:cs typeface="Courier New" panose="02070309020205020404" pitchFamily="49" charset="0"/>
+              </a:rPr>
+              <a:t>=32),</a:t>
             </a:r>
           </a:p>
           <a:p>
@@ -4375,16 +6120,25 @@
               <a:buNone/>
             </a:pPr>
             <a:r>
-              <a:rPr lang="en-US" dirty="0"/>
-              <a:t>            nn.MaxPool2d(</a:t>
-            </a:r>
-            <a:r>
-              <a:rPr lang="en-US" dirty="0" err="1"/>
-              <a:t>kernel_size</a:t>
-            </a:r>
-            <a:r>
-              <a:rPr lang="en-US" dirty="0"/>
-              <a:t>=2, stride=2))</a:t>
+              <a:rPr lang="en-US" dirty="0">
+                <a:latin typeface="Courier New" panose="02070309020205020404" pitchFamily="49" charset="0"/>
+                <a:cs typeface="Courier New" panose="02070309020205020404" pitchFamily="49" charset="0"/>
+              </a:rPr>
+              <a:t>            </a:t>
+            </a:r>
+            <a:r>
+              <a:rPr lang="en-US" dirty="0" err="1">
+                <a:latin typeface="Courier New" panose="02070309020205020404" pitchFamily="49" charset="0"/>
+                <a:cs typeface="Courier New" panose="02070309020205020404" pitchFamily="49" charset="0"/>
+              </a:rPr>
+              <a:t>nn.ReLU</a:t>
+            </a:r>
+            <a:r>
+              <a:rPr lang="en-US" dirty="0">
+                <a:latin typeface="Courier New" panose="02070309020205020404" pitchFamily="49" charset="0"/>
+                <a:cs typeface="Courier New" panose="02070309020205020404" pitchFamily="49" charset="0"/>
+              </a:rPr>
+              <a:t>(),</a:t>
             </a:r>
           </a:p>
           <a:p>
@@ -4398,16 +6152,25 @@
               <a:buNone/>
             </a:pPr>
             <a:r>
-              <a:rPr lang="en-US" dirty="0"/>
-              <a:t>self.layer2 = </a:t>
-            </a:r>
-            <a:r>
-              <a:rPr lang="en-US" dirty="0" err="1"/>
-              <a:t>nn.Sequential</a:t>
-            </a:r>
-            <a:r>
-              <a:rPr lang="en-US" dirty="0"/>
-              <a:t>(</a:t>
+              <a:rPr lang="en-US" dirty="0">
+                <a:latin typeface="Courier New" panose="02070309020205020404" pitchFamily="49" charset="0"/>
+                <a:cs typeface="Courier New" panose="02070309020205020404" pitchFamily="49" charset="0"/>
+              </a:rPr>
+              <a:t>            nn.MaxPool2d(</a:t>
+            </a:r>
+            <a:r>
+              <a:rPr lang="en-US" dirty="0" err="1">
+                <a:latin typeface="Courier New" panose="02070309020205020404" pitchFamily="49" charset="0"/>
+                <a:cs typeface="Courier New" panose="02070309020205020404" pitchFamily="49" charset="0"/>
+              </a:rPr>
+              <a:t>kernel_size</a:t>
+            </a:r>
+            <a:r>
+              <a:rPr lang="en-US" dirty="0">
+                <a:latin typeface="Courier New" panose="02070309020205020404" pitchFamily="49" charset="0"/>
+                <a:cs typeface="Courier New" panose="02070309020205020404" pitchFamily="49" charset="0"/>
+              </a:rPr>
+              <a:t>=2, stride=2))</a:t>
             </a:r>
           </a:p>
           <a:p>
@@ -4420,34 +6183,10 @@
               </a:spcBef>
               <a:buNone/>
             </a:pPr>
-            <a:r>
-              <a:rPr lang="en-US" dirty="0"/>
-              <a:t>            nn.Conv2d(</a:t>
-            </a:r>
-            <a:r>
-              <a:rPr lang="en-US" dirty="0" err="1"/>
-              <a:t>in_channels</a:t>
-            </a:r>
-            <a:r>
-              <a:rPr lang="en-US" dirty="0"/>
-              <a:t>=32, </a:t>
-            </a:r>
-            <a:r>
-              <a:rPr lang="en-US" dirty="0" err="1"/>
-              <a:t>out_channels</a:t>
-            </a:r>
-            <a:r>
-              <a:rPr lang="en-US" dirty="0"/>
-              <a:t>=64, </a:t>
-            </a:r>
-            <a:r>
-              <a:rPr lang="en-US" dirty="0" err="1"/>
-              <a:t>kernel_size</a:t>
-            </a:r>
-            <a:r>
-              <a:rPr lang="en-US" dirty="0"/>
-              <a:t>=5, padding=2),</a:t>
-            </a:r>
+            <a:endParaRPr lang="en-US" dirty="0">
+              <a:latin typeface="Courier New" panose="02070309020205020404" pitchFamily="49" charset="0"/>
+              <a:cs typeface="Courier New" panose="02070309020205020404" pitchFamily="49" charset="0"/>
+            </a:endParaRPr>
           </a:p>
           <a:p>
             <a:pPr marL="0" indent="0">
@@ -4460,16 +6199,25 @@
               <a:buNone/>
             </a:pPr>
             <a:r>
-              <a:rPr lang="en-US" dirty="0"/>
-              <a:t>            nn.BatchNorm2d(</a:t>
-            </a:r>
-            <a:r>
-              <a:rPr lang="en-US" dirty="0" err="1"/>
-              <a:t>num_features</a:t>
-            </a:r>
-            <a:r>
-              <a:rPr lang="en-US" dirty="0"/>
-              <a:t>=64),</a:t>
+              <a:rPr lang="en-US" dirty="0">
+                <a:latin typeface="Courier New" panose="02070309020205020404" pitchFamily="49" charset="0"/>
+                <a:cs typeface="Courier New" panose="02070309020205020404" pitchFamily="49" charset="0"/>
+              </a:rPr>
+              <a:t>	self.layer2 = </a:t>
+            </a:r>
+            <a:r>
+              <a:rPr lang="en-US" dirty="0" err="1">
+                <a:latin typeface="Courier New" panose="02070309020205020404" pitchFamily="49" charset="0"/>
+                <a:cs typeface="Courier New" panose="02070309020205020404" pitchFamily="49" charset="0"/>
+              </a:rPr>
+              <a:t>nn.Sequential</a:t>
+            </a:r>
+            <a:r>
+              <a:rPr lang="en-US" dirty="0">
+                <a:latin typeface="Courier New" panose="02070309020205020404" pitchFamily="49" charset="0"/>
+                <a:cs typeface="Courier New" panose="02070309020205020404" pitchFamily="49" charset="0"/>
+              </a:rPr>
+              <a:t>(</a:t>
             </a:r>
           </a:p>
           <a:p>
@@ -4483,16 +6231,53 @@
               <a:buNone/>
             </a:pPr>
             <a:r>
-              <a:rPr lang="en-US" dirty="0"/>
-              <a:t>            </a:t>
-            </a:r>
-            <a:r>
-              <a:rPr lang="en-US" dirty="0" err="1"/>
-              <a:t>nn.ReLU</a:t>
-            </a:r>
-            <a:r>
-              <a:rPr lang="en-US" dirty="0"/>
-              <a:t>(),</a:t>
+              <a:rPr lang="en-US" dirty="0">
+                <a:latin typeface="Courier New" panose="02070309020205020404" pitchFamily="49" charset="0"/>
+                <a:cs typeface="Courier New" panose="02070309020205020404" pitchFamily="49" charset="0"/>
+              </a:rPr>
+              <a:t>            nn.Conv2d(</a:t>
+            </a:r>
+            <a:r>
+              <a:rPr lang="en-US" dirty="0" err="1">
+                <a:latin typeface="Courier New" panose="02070309020205020404" pitchFamily="49" charset="0"/>
+                <a:cs typeface="Courier New" panose="02070309020205020404" pitchFamily="49" charset="0"/>
+              </a:rPr>
+              <a:t>in_channels</a:t>
+            </a:r>
+            <a:r>
+              <a:rPr lang="en-US" dirty="0">
+                <a:latin typeface="Courier New" panose="02070309020205020404" pitchFamily="49" charset="0"/>
+                <a:cs typeface="Courier New" panose="02070309020205020404" pitchFamily="49" charset="0"/>
+              </a:rPr>
+              <a:t>=32, </a:t>
+            </a:r>
+            <a:r>
+              <a:rPr lang="en-US" dirty="0" err="1">
+                <a:latin typeface="Courier New" panose="02070309020205020404" pitchFamily="49" charset="0"/>
+                <a:cs typeface="Courier New" panose="02070309020205020404" pitchFamily="49" charset="0"/>
+              </a:rPr>
+              <a:t>out_channels</a:t>
+            </a:r>
+            <a:r>
+              <a:rPr lang="en-US" dirty="0">
+                <a:latin typeface="Courier New" panose="02070309020205020404" pitchFamily="49" charset="0"/>
+                <a:cs typeface="Courier New" panose="02070309020205020404" pitchFamily="49" charset="0"/>
+              </a:rPr>
+              <a:t>=64, </a:t>
+            </a:r>
+            <a:r>
+              <a:rPr lang="en-US" dirty="0" err="1">
+                <a:latin typeface="Courier New" panose="02070309020205020404" pitchFamily="49" charset="0"/>
+                <a:cs typeface="Courier New" panose="02070309020205020404" pitchFamily="49" charset="0"/>
+              </a:rPr>
+              <a:t>kernel_size</a:t>
+            </a:r>
+            <a:r>
+              <a:rPr lang="en-US" dirty="0">
+                <a:latin typeface="Courier New" panose="02070309020205020404" pitchFamily="49" charset="0"/>
+                <a:cs typeface="Courier New" panose="02070309020205020404" pitchFamily="49" charset="0"/>
+              </a:rPr>
+              <a:t>=5, padding=2),</a:t>
             </a:r>
           </a:p>
           <a:p>
@@ -4506,16 +6291,25 @@
               <a:buNone/>
             </a:pPr>
             <a:r>
-              <a:rPr lang="en-US" dirty="0"/>
-              <a:t>            nn.MaxPool2d(</a:t>
-            </a:r>
-            <a:r>
-              <a:rPr lang="en-US" dirty="0" err="1"/>
-              <a:t>kernel_size</a:t>
-            </a:r>
-            <a:r>
-              <a:rPr lang="en-US" dirty="0"/>
-              <a:t>=2, stride=2))</a:t>
+              <a:rPr lang="en-US" dirty="0">
+                <a:latin typeface="Courier New" panose="02070309020205020404" pitchFamily="49" charset="0"/>
+                <a:cs typeface="Courier New" panose="02070309020205020404" pitchFamily="49" charset="0"/>
+              </a:rPr>
+              <a:t>            nn.BatchNorm2d(</a:t>
+            </a:r>
+            <a:r>
+              <a:rPr lang="en-US" dirty="0" err="1">
+                <a:latin typeface="Courier New" panose="02070309020205020404" pitchFamily="49" charset="0"/>
+                <a:cs typeface="Courier New" panose="02070309020205020404" pitchFamily="49" charset="0"/>
+              </a:rPr>
+              <a:t>num_features</a:t>
+            </a:r>
+            <a:r>
+              <a:rPr lang="en-US" dirty="0">
+                <a:latin typeface="Courier New" panose="02070309020205020404" pitchFamily="49" charset="0"/>
+                <a:cs typeface="Courier New" panose="02070309020205020404" pitchFamily="49" charset="0"/>
+              </a:rPr>
+              <a:t>=64),</a:t>
             </a:r>
           </a:p>
           <a:p>
@@ -4529,43 +6323,159 @@
               <a:buNone/>
             </a:pPr>
             <a:r>
-              <a:rPr lang="en-US" dirty="0" err="1"/>
+              <a:rPr lang="en-US" dirty="0">
+                <a:latin typeface="Courier New" panose="02070309020205020404" pitchFamily="49" charset="0"/>
+                <a:cs typeface="Courier New" panose="02070309020205020404" pitchFamily="49" charset="0"/>
+              </a:rPr>
+              <a:t>            </a:t>
+            </a:r>
+            <a:r>
+              <a:rPr lang="en-US" dirty="0" err="1">
+                <a:latin typeface="Courier New" panose="02070309020205020404" pitchFamily="49" charset="0"/>
+                <a:cs typeface="Courier New" panose="02070309020205020404" pitchFamily="49" charset="0"/>
+              </a:rPr>
+              <a:t>nn.ReLU</a:t>
+            </a:r>
+            <a:r>
+              <a:rPr lang="en-US" dirty="0">
+                <a:latin typeface="Courier New" panose="02070309020205020404" pitchFamily="49" charset="0"/>
+                <a:cs typeface="Courier New" panose="02070309020205020404" pitchFamily="49" charset="0"/>
+              </a:rPr>
+              <a:t>(),</a:t>
+            </a:r>
+          </a:p>
+          <a:p>
+            <a:pPr marL="0" indent="0">
+              <a:lnSpc>
+                <a:spcPct val="120000"/>
+              </a:lnSpc>
+              <a:spcBef>
+                <a:spcPts val="0"/>
+              </a:spcBef>
+              <a:buNone/>
+            </a:pPr>
+            <a:r>
+              <a:rPr lang="en-US" dirty="0">
+                <a:latin typeface="Courier New" panose="02070309020205020404" pitchFamily="49" charset="0"/>
+                <a:cs typeface="Courier New" panose="02070309020205020404" pitchFamily="49" charset="0"/>
+              </a:rPr>
+              <a:t>            nn.MaxPool2d(</a:t>
+            </a:r>
+            <a:r>
+              <a:rPr lang="en-US" dirty="0" err="1">
+                <a:latin typeface="Courier New" panose="02070309020205020404" pitchFamily="49" charset="0"/>
+                <a:cs typeface="Courier New" panose="02070309020205020404" pitchFamily="49" charset="0"/>
+              </a:rPr>
+              <a:t>kernel_size</a:t>
+            </a:r>
+            <a:r>
+              <a:rPr lang="en-US" dirty="0">
+                <a:latin typeface="Courier New" panose="02070309020205020404" pitchFamily="49" charset="0"/>
+                <a:cs typeface="Courier New" panose="02070309020205020404" pitchFamily="49" charset="0"/>
+              </a:rPr>
+              <a:t>=2, stride=2))</a:t>
+            </a:r>
+          </a:p>
+          <a:p>
+            <a:pPr marL="0" indent="0">
+              <a:lnSpc>
+                <a:spcPct val="120000"/>
+              </a:lnSpc>
+              <a:spcBef>
+                <a:spcPts val="0"/>
+              </a:spcBef>
+              <a:buNone/>
+            </a:pPr>
+            <a:endParaRPr lang="en-US" dirty="0">
+              <a:latin typeface="Courier New" panose="02070309020205020404" pitchFamily="49" charset="0"/>
+              <a:cs typeface="Courier New" panose="02070309020205020404" pitchFamily="49" charset="0"/>
+            </a:endParaRPr>
+          </a:p>
+          <a:p>
+            <a:pPr marL="0" indent="0">
+              <a:lnSpc>
+                <a:spcPct val="120000"/>
+              </a:lnSpc>
+              <a:spcBef>
+                <a:spcPts val="0"/>
+              </a:spcBef>
+              <a:buNone/>
+            </a:pPr>
+            <a:r>
+              <a:rPr lang="en-US" dirty="0">
+                <a:latin typeface="Courier New" panose="02070309020205020404" pitchFamily="49" charset="0"/>
+                <a:cs typeface="Courier New" panose="02070309020205020404" pitchFamily="49" charset="0"/>
+              </a:rPr>
+              <a:t>	</a:t>
+            </a:r>
+            <a:r>
+              <a:rPr lang="en-US" dirty="0" err="1">
+                <a:latin typeface="Courier New" panose="02070309020205020404" pitchFamily="49" charset="0"/>
+                <a:cs typeface="Courier New" panose="02070309020205020404" pitchFamily="49" charset="0"/>
+              </a:rPr>
               <a:t>self.fc</a:t>
             </a:r>
             <a:r>
-              <a:rPr lang="en-US" dirty="0"/>
+              <a:rPr lang="en-US" dirty="0">
+                <a:latin typeface="Courier New" panose="02070309020205020404" pitchFamily="49" charset="0"/>
+                <a:cs typeface="Courier New" panose="02070309020205020404" pitchFamily="49" charset="0"/>
+              </a:rPr>
               <a:t> = </a:t>
             </a:r>
             <a:r>
-              <a:rPr lang="en-US" dirty="0" err="1"/>
+              <a:rPr lang="en-US" dirty="0" err="1">
+                <a:latin typeface="Courier New" panose="02070309020205020404" pitchFamily="49" charset="0"/>
+                <a:cs typeface="Courier New" panose="02070309020205020404" pitchFamily="49" charset="0"/>
+              </a:rPr>
               <a:t>nn.Linear</a:t>
             </a:r>
             <a:r>
-              <a:rPr lang="en-US" dirty="0"/>
+              <a:rPr lang="en-US" dirty="0">
+                <a:latin typeface="Courier New" panose="02070309020205020404" pitchFamily="49" charset="0"/>
+                <a:cs typeface="Courier New" panose="02070309020205020404" pitchFamily="49" charset="0"/>
+              </a:rPr>
               <a:t>(</a:t>
             </a:r>
             <a:r>
-              <a:rPr lang="en-US" dirty="0" err="1"/>
+              <a:rPr lang="en-US" dirty="0" err="1">
+                <a:latin typeface="Courier New" panose="02070309020205020404" pitchFamily="49" charset="0"/>
+                <a:cs typeface="Courier New" panose="02070309020205020404" pitchFamily="49" charset="0"/>
+              </a:rPr>
               <a:t>in_features</a:t>
             </a:r>
             <a:r>
-              <a:rPr lang="en-US" dirty="0"/>
+              <a:rPr lang="en-US" dirty="0">
+                <a:latin typeface="Courier New" panose="02070309020205020404" pitchFamily="49" charset="0"/>
+                <a:cs typeface="Courier New" panose="02070309020205020404" pitchFamily="49" charset="0"/>
+              </a:rPr>
               <a:t>=40000, </a:t>
             </a:r>
             <a:r>
-              <a:rPr lang="en-US" dirty="0" err="1"/>
+              <a:rPr lang="en-US" dirty="0" err="1">
+                <a:latin typeface="Courier New" panose="02070309020205020404" pitchFamily="49" charset="0"/>
+                <a:cs typeface="Courier New" panose="02070309020205020404" pitchFamily="49" charset="0"/>
+              </a:rPr>
               <a:t>out_features</a:t>
             </a:r>
             <a:r>
-              <a:rPr lang="en-US" dirty="0"/>
+              <a:rPr lang="en-US" dirty="0">
+                <a:latin typeface="Courier New" panose="02070309020205020404" pitchFamily="49" charset="0"/>
+                <a:cs typeface="Courier New" panose="02070309020205020404" pitchFamily="49" charset="0"/>
+              </a:rPr>
               <a:t>=</a:t>
             </a:r>
             <a:r>
-              <a:rPr lang="en-US" dirty="0" err="1"/>
+              <a:rPr lang="en-US" dirty="0" err="1">
+                <a:latin typeface="Courier New" panose="02070309020205020404" pitchFamily="49" charset="0"/>
+                <a:cs typeface="Courier New" panose="02070309020205020404" pitchFamily="49" charset="0"/>
+              </a:rPr>
               <a:t>num_classes</a:t>
             </a:r>
             <a:r>
-              <a:rPr lang="en-US" dirty="0"/>
+              <a:rPr lang="en-US" dirty="0">
+                <a:latin typeface="Courier New" panose="02070309020205020404" pitchFamily="49" charset="0"/>
+                <a:cs typeface="Courier New" panose="02070309020205020404" pitchFamily="49" charset="0"/>
+              </a:rPr>
               <a:t>)</a:t>
             </a:r>
           </a:p>
@@ -4664,7 +6574,7 @@
           <p:cNvPr id="2" name="Title 1">
             <a:extLst>
               <a:ext uri="{FF2B5EF4-FFF2-40B4-BE49-F238E27FC236}">
-                <a16:creationId xmlns:a16="http://schemas.microsoft.com/office/drawing/2014/main" id="{17A2265B-A4F2-42E0-858B-13D056CC899C}"/>
+                <a16:creationId xmlns:a16="http://schemas.microsoft.com/office/drawing/2014/main" id="{D2BC67D7-6C77-5342-90A5-3A34573A4626}"/>
               </a:ext>
             </a:extLst>
           </p:cNvPr>
@@ -4682,73 +6592,40 @@
           <a:p>
             <a:r>
               <a:rPr lang="en-US" dirty="0"/>
-              <a:t>Results</a:t>
-            </a:r>
-          </a:p>
-        </p:txBody>
-      </p:sp>
-      <p:pic>
-        <p:nvPicPr>
-          <p:cNvPr id="6" name="Picture 5">
+              <a:t>Results – Accuracy</a:t>
+            </a:r>
+          </a:p>
+        </p:txBody>
+      </p:sp>
+      <p:sp>
+        <p:nvSpPr>
+          <p:cNvPr id="3" name="Content Placeholder 2">
             <a:extLst>
               <a:ext uri="{FF2B5EF4-FFF2-40B4-BE49-F238E27FC236}">
-                <a16:creationId xmlns:a16="http://schemas.microsoft.com/office/drawing/2014/main" id="{16CAE3F6-EFD3-4FA6-B25A-AC766F0BCE6D}"/>
+                <a16:creationId xmlns:a16="http://schemas.microsoft.com/office/drawing/2014/main" id="{6D67F59E-5287-EC49-8790-509AA596B199}"/>
               </a:ext>
             </a:extLst>
           </p:cNvPr>
-          <p:cNvPicPr>
-            <a:picLocks noChangeAspect="1"/>
-          </p:cNvPicPr>
-          <p:nvPr/>
-        </p:nvPicPr>
-        <p:blipFill rotWithShape="1">
-          <a:blip r:embed="rId2"/>
-          <a:srcRect l="23546" t="18605" r="19157" b="53333"/>
-          <a:stretch/>
-        </p:blipFill>
-        <p:spPr>
-          <a:xfrm>
-            <a:off x="1203954" y="1418229"/>
-            <a:ext cx="9784092" cy="2695465"/>
-          </a:xfrm>
-          <a:prstGeom prst="rect">
-            <a:avLst/>
-          </a:prstGeom>
-        </p:spPr>
-      </p:pic>
-      <p:pic>
-        <p:nvPicPr>
-          <p:cNvPr id="7" name="Picture 6">
-            <a:extLst>
-              <a:ext uri="{FF2B5EF4-FFF2-40B4-BE49-F238E27FC236}">
-                <a16:creationId xmlns:a16="http://schemas.microsoft.com/office/drawing/2014/main" id="{532DD904-0959-4E3A-A66B-958421055445}"/>
-              </a:ext>
-            </a:extLst>
-          </p:cNvPr>
-          <p:cNvPicPr>
-            <a:picLocks noChangeAspect="1"/>
-          </p:cNvPicPr>
-          <p:nvPr/>
-        </p:nvPicPr>
-        <p:blipFill rotWithShape="1">
-          <a:blip r:embed="rId2"/>
-          <a:srcRect l="23546" t="57107" r="19157" b="12713"/>
-          <a:stretch/>
-        </p:blipFill>
-        <p:spPr>
-          <a:xfrm>
-            <a:off x="1630325" y="3979347"/>
-            <a:ext cx="8540907" cy="2530549"/>
-          </a:xfrm>
-          <a:prstGeom prst="rect">
-            <a:avLst/>
-          </a:prstGeom>
-        </p:spPr>
-      </p:pic>
+          <p:cNvSpPr>
+            <a:spLocks noGrp="1"/>
+          </p:cNvSpPr>
+          <p:nvPr>
+            <p:ph idx="1"/>
+          </p:nvPr>
+        </p:nvSpPr>
+        <p:spPr/>
+        <p:txBody>
+          <a:bodyPr/>
+          <a:lstStyle/>
+          <a:p>
+            <a:endParaRPr lang="en-US" dirty="0"/>
+          </a:p>
+        </p:txBody>
+      </p:sp>
     </p:spTree>
     <p:extLst>
       <p:ext uri="{BB962C8B-B14F-4D97-AF65-F5344CB8AC3E}">
-        <p14:creationId xmlns:p14="http://schemas.microsoft.com/office/powerpoint/2010/main" val="930668667"/>
+        <p14:creationId xmlns:p14="http://schemas.microsoft.com/office/powerpoint/2010/main" val="1742420780"/>
       </p:ext>
     </p:extLst>
   </p:cSld>
@@ -4759,6 +6636,264 @@
 </file>
 
 <file path=ppt/theme/theme1.xml><?xml version="1.0" encoding="utf-8"?>
+<a:theme xmlns:a="http://schemas.openxmlformats.org/drawingml/2006/main" name="Crop">
+  <a:themeElements>
+    <a:clrScheme name="Crop">
+      <a:dk1>
+        <a:sysClr val="windowText" lastClr="000000"/>
+      </a:dk1>
+      <a:lt1>
+        <a:sysClr val="window" lastClr="FFFFFF"/>
+      </a:lt1>
+      <a:dk2>
+        <a:srgbClr val="191B0E"/>
+      </a:dk2>
+      <a:lt2>
+        <a:srgbClr val="EFEDE3"/>
+      </a:lt2>
+      <a:accent1>
+        <a:srgbClr val="8C8D86"/>
+      </a:accent1>
+      <a:accent2>
+        <a:srgbClr val="E6C069"/>
+      </a:accent2>
+      <a:accent3>
+        <a:srgbClr val="897B61"/>
+      </a:accent3>
+      <a:accent4>
+        <a:srgbClr val="8DAB8E"/>
+      </a:accent4>
+      <a:accent5>
+        <a:srgbClr val="77A2BB"/>
+      </a:accent5>
+      <a:accent6>
+        <a:srgbClr val="E28394"/>
+      </a:accent6>
+      <a:hlink>
+        <a:srgbClr val="77A2BB"/>
+      </a:hlink>
+      <a:folHlink>
+        <a:srgbClr val="957A99"/>
+      </a:folHlink>
+    </a:clrScheme>
+    <a:fontScheme name="Crop">
+      <a:majorFont>
+        <a:latin typeface="Franklin Gothic Book" panose="020B0503020102020204"/>
+        <a:ea typeface=""/>
+        <a:cs typeface=""/>
+        <a:font script="Jpan" typeface="メイリオ"/>
+        <a:font script="Hang" typeface="돋움"/>
+        <a:font script="Hans" typeface="华文楷体"/>
+        <a:font script="Hant" typeface="微軟正黑體"/>
+        <a:font script="Arab" typeface="Tahoma"/>
+        <a:font script="Hebr" typeface="Aharoni"/>
+        <a:font script="Thai" typeface="LilyUPC"/>
+        <a:font script="Ethi" typeface="Nyala"/>
+        <a:font script="Beng" typeface="Vrinda"/>
+        <a:font script="Gujr" typeface="Shruti"/>
+        <a:font script="Khmr" typeface="DaunPenh"/>
+        <a:font script="Knda" typeface="Tunga"/>
+        <a:font script="Guru" typeface="Raavi"/>
+        <a:font script="Cans" typeface="Euphemia"/>
+        <a:font script="Cher" typeface="Plantagenet Cherokee"/>
+        <a:font script="Yiii" typeface="Microsoft Yi Baiti"/>
+        <a:font script="Tibt" typeface="Microsoft Himalaya"/>
+        <a:font script="Thaa" typeface="MV Boli"/>
+        <a:font script="Deva" typeface="Mangal"/>
+        <a:font script="Telu" typeface="Gautami"/>
+        <a:font script="Taml" typeface="Latha"/>
+        <a:font script="Syrc" typeface="Estrangelo Edessa"/>
+        <a:font script="Orya" typeface="Kalinga"/>
+        <a:font script="Mlym" typeface="Kartika"/>
+        <a:font script="Laoo" typeface="DokChampa"/>
+        <a:font script="Sinh" typeface="Iskoola Pota"/>
+        <a:font script="Mong" typeface="Mongolian Baiti"/>
+        <a:font script="Viet" typeface="Tahoma"/>
+        <a:font script="Uigh" typeface="Microsoft Uighur"/>
+        <a:font script="Geor" typeface="Sylfaen"/>
+      </a:majorFont>
+      <a:minorFont>
+        <a:latin typeface="Franklin Gothic Book" panose="020B0503020102020204"/>
+        <a:ea typeface=""/>
+        <a:cs typeface=""/>
+        <a:font script="Jpan" typeface="メイリオ"/>
+        <a:font script="Hang" typeface="돋움"/>
+        <a:font script="Hans" typeface="华文楷体"/>
+        <a:font script="Hant" typeface="微軟正黑體"/>
+        <a:font script="Arab" typeface="Tahoma"/>
+        <a:font script="Hebr" typeface="Aharoni"/>
+        <a:font script="Thai" typeface="LilyUPC"/>
+        <a:font script="Ethi" typeface="Nyala"/>
+        <a:font script="Beng" typeface="Vrinda"/>
+        <a:font script="Gujr" typeface="Shruti"/>
+        <a:font script="Khmr" typeface="DaunPenh"/>
+        <a:font script="Knda" typeface="Tunga"/>
+        <a:font script="Guru" typeface="Raavi"/>
+        <a:font script="Cans" typeface="Euphemia"/>
+        <a:font script="Cher" typeface="Plantagenet Cherokee"/>
+        <a:font script="Yiii" typeface="Microsoft Yi Baiti"/>
+        <a:font script="Tibt" typeface="Microsoft Himalaya"/>
+        <a:font script="Thaa" typeface="MV Boli"/>
+        <a:font script="Deva" typeface="Mangal"/>
+        <a:font script="Telu" typeface="Gautami"/>
+        <a:font script="Taml" typeface="Latha"/>
+        <a:font script="Syrc" typeface="Estrangelo Edessa"/>
+        <a:font script="Orya" typeface="Kalinga"/>
+        <a:font script="Mlym" typeface="Kartika"/>
+        <a:font script="Laoo" typeface="DokChampa"/>
+        <a:font script="Sinh" typeface="Iskoola Pota"/>
+        <a:font script="Mong" typeface="Mongolian Baiti"/>
+        <a:font script="Viet" typeface="Tahoma"/>
+        <a:font script="Uigh" typeface="Microsoft Uighur"/>
+        <a:font script="Geor" typeface="Sylfaen"/>
+      </a:minorFont>
+    </a:fontScheme>
+    <a:fmtScheme name="Crop">
+      <a:fillStyleLst>
+        <a:solidFill>
+          <a:schemeClr val="phClr"/>
+        </a:solidFill>
+        <a:gradFill rotWithShape="1">
+          <a:gsLst>
+            <a:gs pos="0">
+              <a:schemeClr val="phClr">
+                <a:tint val="67000"/>
+                <a:satMod val="105000"/>
+                <a:lumMod val="110000"/>
+              </a:schemeClr>
+            </a:gs>
+            <a:gs pos="50000">
+              <a:schemeClr val="phClr">
+                <a:tint val="73000"/>
+                <a:satMod val="103000"/>
+                <a:lumMod val="105000"/>
+              </a:schemeClr>
+            </a:gs>
+            <a:gs pos="100000">
+              <a:schemeClr val="phClr">
+                <a:tint val="81000"/>
+                <a:satMod val="109000"/>
+                <a:lumMod val="105000"/>
+              </a:schemeClr>
+            </a:gs>
+          </a:gsLst>
+          <a:lin ang="5400000" scaled="0"/>
+        </a:gradFill>
+        <a:gradFill rotWithShape="1">
+          <a:gsLst>
+            <a:gs pos="0">
+              <a:schemeClr val="phClr">
+                <a:tint val="94000"/>
+                <a:satMod val="103000"/>
+                <a:lumMod val="102000"/>
+              </a:schemeClr>
+            </a:gs>
+            <a:gs pos="50000">
+              <a:schemeClr val="phClr">
+                <a:shade val="100000"/>
+                <a:satMod val="110000"/>
+                <a:lumMod val="100000"/>
+              </a:schemeClr>
+            </a:gs>
+            <a:gs pos="100000">
+              <a:schemeClr val="phClr">
+                <a:shade val="78000"/>
+                <a:satMod val="120000"/>
+                <a:lumMod val="99000"/>
+              </a:schemeClr>
+            </a:gs>
+          </a:gsLst>
+          <a:lin ang="5400000" scaled="0"/>
+        </a:gradFill>
+      </a:fillStyleLst>
+      <a:lnStyleLst>
+        <a:ln w="6350" cap="flat" cmpd="sng" algn="in">
+          <a:solidFill>
+            <a:schemeClr val="phClr"/>
+          </a:solidFill>
+          <a:prstDash val="solid"/>
+        </a:ln>
+        <a:ln w="34925" cap="flat" cmpd="sng" algn="in">
+          <a:solidFill>
+            <a:schemeClr val="phClr"/>
+          </a:solidFill>
+          <a:prstDash val="solid"/>
+        </a:ln>
+        <a:ln w="19050" cap="flat" cmpd="sng" algn="in">
+          <a:solidFill>
+            <a:schemeClr val="phClr"/>
+          </a:solidFill>
+          <a:prstDash val="solid"/>
+        </a:ln>
+      </a:lnStyleLst>
+      <a:effectStyleLst>
+        <a:effectStyle>
+          <a:effectLst/>
+        </a:effectStyle>
+        <a:effectStyle>
+          <a:effectLst/>
+        </a:effectStyle>
+        <a:effectStyle>
+          <a:effectLst>
+            <a:outerShdw blurRad="57150" dist="19050" dir="5400000" algn="ctr" rotWithShape="0">
+              <a:srgbClr val="000000">
+                <a:alpha val="35000"/>
+              </a:srgbClr>
+            </a:outerShdw>
+          </a:effectLst>
+        </a:effectStyle>
+      </a:effectStyleLst>
+      <a:bgFillStyleLst>
+        <a:solidFill>
+          <a:schemeClr val="phClr"/>
+        </a:solidFill>
+        <a:solidFill>
+          <a:schemeClr val="phClr">
+            <a:tint val="95000"/>
+            <a:satMod val="170000"/>
+          </a:schemeClr>
+        </a:solidFill>
+        <a:gradFill rotWithShape="1">
+          <a:gsLst>
+            <a:gs pos="0">
+              <a:schemeClr val="phClr">
+                <a:tint val="93000"/>
+                <a:shade val="98000"/>
+                <a:satMod val="150000"/>
+                <a:lumMod val="102000"/>
+              </a:schemeClr>
+            </a:gs>
+            <a:gs pos="50000">
+              <a:schemeClr val="phClr">
+                <a:tint val="98000"/>
+                <a:shade val="90000"/>
+                <a:satMod val="130000"/>
+                <a:lumMod val="103000"/>
+              </a:schemeClr>
+            </a:gs>
+            <a:gs pos="100000">
+              <a:schemeClr val="phClr">
+                <a:shade val="63000"/>
+                <a:satMod val="120000"/>
+              </a:schemeClr>
+            </a:gs>
+          </a:gsLst>
+          <a:lin ang="5400000" scaled="0"/>
+        </a:gradFill>
+      </a:bgFillStyleLst>
+    </a:fmtScheme>
+  </a:themeElements>
+  <a:objectDefaults/>
+  <a:extraClrSchemeLst/>
+  <a:extLst>
+    <a:ext uri="{05A4C25C-085E-4340-85A3-A5531E510DB2}">
+      <thm15:themeFamily xmlns:thm15="http://schemas.microsoft.com/office/thememl/2012/main" name="Crop" id="{EC9488ED-E761-4D60-9AC4-764D1FE2C171}" vid="{CE19780C-D67D-4C13-9DE9-A52BC3BA51B4}"/>
+    </a:ext>
+  </a:extLst>
+</a:theme>
+</file>
+
+<file path=ppt/theme/theme2.xml><?xml version="1.0" encoding="utf-8"?>
 <a:theme xmlns:a="http://schemas.openxmlformats.org/drawingml/2006/main" name="Office Theme">
   <a:themeElements>
     <a:clrScheme name="Office">

--- a/Final-Group-Presentation/Group4ProjectPresentation.pptx
+++ b/Final-Group-Presentation/Group4ProjectPresentation.pptx
@@ -209,7 +209,7 @@
           <a:p>
             <a:fld id="{4E26F6D6-55DC-3845-A197-6CBD79D642D6}" type="datetimeFigureOut">
               <a:rPr lang="en-US" smtClean="0"/>
-              <a:t>4/23/19</a:t>
+              <a:t>4/23/2019</a:t>
             </a:fld>
             <a:endParaRPr lang="en-US"/>
           </a:p>
@@ -737,7 +737,7 @@
           <a:p>
             <a:fld id="{D4B181B7-4E45-0F4E-BAB0-4C262B2B135A}" type="datetimeFigureOut">
               <a:rPr lang="en-US" smtClean="0"/>
-              <a:t>4/23/19</a:t>
+              <a:t>4/23/2019</a:t>
             </a:fld>
             <a:endParaRPr lang="en-US" dirty="0"/>
           </a:p>
@@ -1067,7 +1067,7 @@
           <a:p>
             <a:fld id="{D4B181B7-4E45-0F4E-BAB0-4C262B2B135A}" type="datetimeFigureOut">
               <a:rPr lang="en-US" smtClean="0"/>
-              <a:t>4/23/19</a:t>
+              <a:t>4/23/2019</a:t>
             </a:fld>
             <a:endParaRPr lang="en-US" dirty="0"/>
           </a:p>
@@ -1247,7 +1247,7 @@
           <a:p>
             <a:fld id="{D4B181B7-4E45-0F4E-BAB0-4C262B2B135A}" type="datetimeFigureOut">
               <a:rPr lang="en-US" smtClean="0"/>
-              <a:t>4/23/19</a:t>
+              <a:t>4/23/2019</a:t>
             </a:fld>
             <a:endParaRPr lang="en-US" dirty="0"/>
           </a:p>
@@ -1417,7 +1417,7 @@
           <a:p>
             <a:fld id="{D4B181B7-4E45-0F4E-BAB0-4C262B2B135A}" type="datetimeFigureOut">
               <a:rPr lang="en-US" smtClean="0"/>
-              <a:t>4/23/19</a:t>
+              <a:t>4/23/2019</a:t>
             </a:fld>
             <a:endParaRPr lang="en-US" dirty="0"/>
           </a:p>
@@ -1694,7 +1694,7 @@
           <a:p>
             <a:fld id="{D4B181B7-4E45-0F4E-BAB0-4C262B2B135A}" type="datetimeFigureOut">
               <a:rPr lang="en-US" smtClean="0"/>
-              <a:t>4/23/19</a:t>
+              <a:t>4/23/2019</a:t>
             </a:fld>
             <a:endParaRPr lang="en-US" dirty="0"/>
           </a:p>
@@ -2088,7 +2088,7 @@
           <a:p>
             <a:fld id="{D4B181B7-4E45-0F4E-BAB0-4C262B2B135A}" type="datetimeFigureOut">
               <a:rPr lang="en-US" smtClean="0"/>
-              <a:t>4/23/19</a:t>
+              <a:t>4/23/2019</a:t>
             </a:fld>
             <a:endParaRPr lang="en-US" dirty="0"/>
           </a:p>
@@ -2565,7 +2565,7 @@
           <a:p>
             <a:fld id="{D4B181B7-4E45-0F4E-BAB0-4C262B2B135A}" type="datetimeFigureOut">
               <a:rPr lang="en-US" smtClean="0"/>
-              <a:t>4/23/19</a:t>
+              <a:t>4/23/2019</a:t>
             </a:fld>
             <a:endParaRPr lang="en-US" dirty="0"/>
           </a:p>
@@ -2683,7 +2683,7 @@
           <a:p>
             <a:fld id="{D4B181B7-4E45-0F4E-BAB0-4C262B2B135A}" type="datetimeFigureOut">
               <a:rPr lang="en-US" smtClean="0"/>
-              <a:t>4/23/19</a:t>
+              <a:t>4/23/2019</a:t>
             </a:fld>
             <a:endParaRPr lang="en-US" dirty="0"/>
           </a:p>
@@ -2778,7 +2778,7 @@
           <a:p>
             <a:fld id="{D4B181B7-4E45-0F4E-BAB0-4C262B2B135A}" type="datetimeFigureOut">
               <a:rPr lang="en-US" smtClean="0"/>
-              <a:t>4/23/19</a:t>
+              <a:t>4/23/2019</a:t>
             </a:fld>
             <a:endParaRPr lang="en-US" dirty="0"/>
           </a:p>
@@ -3124,7 +3124,7 @@
           <a:p>
             <a:fld id="{D4B181B7-4E45-0F4E-BAB0-4C262B2B135A}" type="datetimeFigureOut">
               <a:rPr lang="en-US" smtClean="0"/>
-              <a:t>4/23/19</a:t>
+              <a:t>4/23/2019</a:t>
             </a:fld>
             <a:endParaRPr lang="en-US" dirty="0"/>
           </a:p>
@@ -3512,7 +3512,7 @@
           <a:p>
             <a:fld id="{D4B181B7-4E45-0F4E-BAB0-4C262B2B135A}" type="datetimeFigureOut">
               <a:rPr lang="en-US" smtClean="0"/>
-              <a:t>4/23/19</a:t>
+              <a:t>4/23/2019</a:t>
             </a:fld>
             <a:endParaRPr lang="en-US" dirty="0"/>
           </a:p>
@@ -3790,7 +3790,7 @@
           <a:p>
             <a:fld id="{D4B181B7-4E45-0F4E-BAB0-4C262B2B135A}" type="datetimeFigureOut">
               <a:rPr lang="en-US" smtClean="0"/>
-              <a:t>4/23/19</a:t>
+              <a:t>4/23/2019</a:t>
             </a:fld>
             <a:endParaRPr lang="en-US" dirty="0"/>
           </a:p>
@@ -4646,12 +4646,34 @@
             <p:ph idx="1"/>
           </p:nvPr>
         </p:nvSpPr>
-        <p:spPr/>
-        <p:txBody>
-          <a:bodyPr/>
+        <p:spPr>
+          <a:xfrm>
+            <a:off x="1371600" y="2286000"/>
+            <a:ext cx="9898912" cy="3581400"/>
+          </a:xfrm>
+        </p:spPr>
+        <p:txBody>
+          <a:bodyPr>
+            <a:normAutofit/>
+          </a:bodyPr>
           <a:lstStyle/>
           <a:p>
-            <a:endParaRPr lang="en-US" dirty="0"/>
+            <a:r>
+              <a:rPr lang="en-US" sz="2200" dirty="0"/>
+              <a:t>Deep Learning was accurate between 97 and 100 percent in classifying fruits</a:t>
+            </a:r>
+          </a:p>
+          <a:p>
+            <a:r>
+              <a:rPr lang="en-US" sz="2200" dirty="0"/>
+              <a:t>Government and industry have job processes that are ripe for disruption</a:t>
+            </a:r>
+          </a:p>
+          <a:p>
+            <a:r>
+              <a:rPr lang="en-US" sz="2200" dirty="0"/>
+              <a:t>CNN and ADAM optimizer were the correct choices for our model</a:t>
+            </a:r>
           </a:p>
         </p:txBody>
       </p:sp>
@@ -6539,6 +6561,138 @@
           </a:p>
         </p:txBody>
       </p:sp>
+      <p:pic>
+        <p:nvPicPr>
+          <p:cNvPr id="4" name="Picture 3">
+            <a:extLst>
+              <a:ext uri="{FF2B5EF4-FFF2-40B4-BE49-F238E27FC236}">
+                <a16:creationId xmlns:a16="http://schemas.microsoft.com/office/drawing/2014/main" id="{6F6595E4-40F0-441E-B618-41B9DAD5458F}"/>
+              </a:ext>
+            </a:extLst>
+          </p:cNvPr>
+          <p:cNvPicPr>
+            <a:picLocks noChangeAspect="1"/>
+          </p:cNvPicPr>
+          <p:nvPr/>
+        </p:nvPicPr>
+        <p:blipFill>
+          <a:blip r:embed="rId2"/>
+          <a:stretch>
+            <a:fillRect/>
+          </a:stretch>
+        </p:blipFill>
+        <p:spPr>
+          <a:xfrm>
+            <a:off x="1219200" y="1953340"/>
+            <a:ext cx="5004057" cy="3759393"/>
+          </a:xfrm>
+          <a:prstGeom prst="rect">
+            <a:avLst/>
+          </a:prstGeom>
+        </p:spPr>
+      </p:pic>
+      <p:pic>
+        <p:nvPicPr>
+          <p:cNvPr id="6" name="Picture 5">
+            <a:extLst>
+              <a:ext uri="{FF2B5EF4-FFF2-40B4-BE49-F238E27FC236}">
+                <a16:creationId xmlns:a16="http://schemas.microsoft.com/office/drawing/2014/main" id="{2BE371C8-EFC8-49F1-B516-3856EDA3C30C}"/>
+              </a:ext>
+            </a:extLst>
+          </p:cNvPr>
+          <p:cNvPicPr>
+            <a:picLocks noChangeAspect="1"/>
+          </p:cNvPicPr>
+          <p:nvPr/>
+        </p:nvPicPr>
+        <p:blipFill>
+          <a:blip r:embed="rId3"/>
+          <a:stretch>
+            <a:fillRect/>
+          </a:stretch>
+        </p:blipFill>
+        <p:spPr>
+          <a:xfrm>
+            <a:off x="6705598" y="1953340"/>
+            <a:ext cx="4965955" cy="3746693"/>
+          </a:xfrm>
+          <a:prstGeom prst="rect">
+            <a:avLst/>
+          </a:prstGeom>
+        </p:spPr>
+      </p:pic>
+      <p:sp>
+        <p:nvSpPr>
+          <p:cNvPr id="8" name="TextBox 7">
+            <a:extLst>
+              <a:ext uri="{FF2B5EF4-FFF2-40B4-BE49-F238E27FC236}">
+                <a16:creationId xmlns:a16="http://schemas.microsoft.com/office/drawing/2014/main" id="{DC5E7A93-A15D-4546-9FB6-1240BBEED13B}"/>
+              </a:ext>
+            </a:extLst>
+          </p:cNvPr>
+          <p:cNvSpPr txBox="1"/>
+          <p:nvPr/>
+        </p:nvSpPr>
+        <p:spPr>
+          <a:xfrm>
+            <a:off x="1219199" y="6007395"/>
+            <a:ext cx="5004057" cy="430887"/>
+          </a:xfrm>
+          <a:prstGeom prst="rect">
+            <a:avLst/>
+          </a:prstGeom>
+          <a:noFill/>
+        </p:spPr>
+        <p:txBody>
+          <a:bodyPr wrap="square" rtlCol="0">
+            <a:spAutoFit/>
+          </a:bodyPr>
+          <a:lstStyle/>
+          <a:p>
+            <a:pPr algn="ctr"/>
+            <a:r>
+              <a:rPr lang="en-US" sz="2200" dirty="0"/>
+              <a:t>2 Layer Loss</a:t>
+            </a:r>
+          </a:p>
+        </p:txBody>
+      </p:sp>
+      <p:sp>
+        <p:nvSpPr>
+          <p:cNvPr id="9" name="TextBox 8">
+            <a:extLst>
+              <a:ext uri="{FF2B5EF4-FFF2-40B4-BE49-F238E27FC236}">
+                <a16:creationId xmlns:a16="http://schemas.microsoft.com/office/drawing/2014/main" id="{D8BF7015-EE2D-4DA7-9719-4C753FA61763}"/>
+              </a:ext>
+            </a:extLst>
+          </p:cNvPr>
+          <p:cNvSpPr txBox="1"/>
+          <p:nvPr/>
+        </p:nvSpPr>
+        <p:spPr>
+          <a:xfrm>
+            <a:off x="6794205" y="5956756"/>
+            <a:ext cx="4877348" cy="430887"/>
+          </a:xfrm>
+          <a:prstGeom prst="rect">
+            <a:avLst/>
+          </a:prstGeom>
+          <a:noFill/>
+        </p:spPr>
+        <p:txBody>
+          <a:bodyPr wrap="square" rtlCol="0">
+            <a:spAutoFit/>
+          </a:bodyPr>
+          <a:lstStyle/>
+          <a:p>
+            <a:pPr algn="ctr"/>
+            <a:r>
+              <a:rPr lang="en-US" sz="2200" dirty="0"/>
+              <a:t>3 Layer Loss</a:t>
+            </a:r>
+          </a:p>
+        </p:txBody>
+      </p:sp>
     </p:spTree>
     <p:extLst>
       <p:ext uri="{BB962C8B-B14F-4D97-AF65-F5344CB8AC3E}">
@@ -6597,28 +6751,134 @@
           </a:p>
         </p:txBody>
       </p:sp>
-      <p:sp>
-        <p:nvSpPr>
-          <p:cNvPr id="3" name="Content Placeholder 2">
+      <p:pic>
+        <p:nvPicPr>
+          <p:cNvPr id="5" name="Content Placeholder 4">
             <a:extLst>
               <a:ext uri="{FF2B5EF4-FFF2-40B4-BE49-F238E27FC236}">
-                <a16:creationId xmlns:a16="http://schemas.microsoft.com/office/drawing/2014/main" id="{6D67F59E-5287-EC49-8790-509AA596B199}"/>
+                <a16:creationId xmlns:a16="http://schemas.microsoft.com/office/drawing/2014/main" id="{7527F4E8-D948-475F-B90E-6B20F0DAC36D}"/>
               </a:ext>
             </a:extLst>
           </p:cNvPr>
-          <p:cNvSpPr>
-            <a:spLocks noGrp="1"/>
-          </p:cNvSpPr>
+          <p:cNvPicPr>
+            <a:picLocks noGrp="1" noChangeAspect="1"/>
+          </p:cNvPicPr>
           <p:nvPr>
             <p:ph idx="1"/>
           </p:nvPr>
-        </p:nvSpPr>
-        <p:spPr/>
-        <p:txBody>
-          <a:bodyPr/>
+        </p:nvPicPr>
+        <p:blipFill>
+          <a:blip r:embed="rId2"/>
+          <a:stretch>
+            <a:fillRect/>
+          </a:stretch>
+        </p:blipFill>
+        <p:spPr>
+          <a:xfrm>
+            <a:off x="1070758" y="1916517"/>
+            <a:ext cx="4995531" cy="3759393"/>
+          </a:xfrm>
+        </p:spPr>
+      </p:pic>
+      <p:pic>
+        <p:nvPicPr>
+          <p:cNvPr id="7" name="Picture 6">
+            <a:extLst>
+              <a:ext uri="{FF2B5EF4-FFF2-40B4-BE49-F238E27FC236}">
+                <a16:creationId xmlns:a16="http://schemas.microsoft.com/office/drawing/2014/main" id="{CFB7B5DE-79D8-46A3-B32C-299004A3FF69}"/>
+              </a:ext>
+            </a:extLst>
+          </p:cNvPr>
+          <p:cNvPicPr>
+            <a:picLocks noChangeAspect="1"/>
+          </p:cNvPicPr>
+          <p:nvPr/>
+        </p:nvPicPr>
+        <p:blipFill>
+          <a:blip r:embed="rId3"/>
+          <a:stretch>
+            <a:fillRect/>
+          </a:stretch>
+        </p:blipFill>
+        <p:spPr>
+          <a:xfrm>
+            <a:off x="6934663" y="1916517"/>
+            <a:ext cx="4978656" cy="3759393"/>
+          </a:xfrm>
+          <a:prstGeom prst="rect">
+            <a:avLst/>
+          </a:prstGeom>
+        </p:spPr>
+      </p:pic>
+      <p:sp>
+        <p:nvSpPr>
+          <p:cNvPr id="8" name="TextBox 7">
+            <a:extLst>
+              <a:ext uri="{FF2B5EF4-FFF2-40B4-BE49-F238E27FC236}">
+                <a16:creationId xmlns:a16="http://schemas.microsoft.com/office/drawing/2014/main" id="{E23D628E-4F17-4A00-92EE-215A2B9939FC}"/>
+              </a:ext>
+            </a:extLst>
+          </p:cNvPr>
+          <p:cNvSpPr txBox="1"/>
+          <p:nvPr/>
+        </p:nvSpPr>
+        <p:spPr>
+          <a:xfrm>
+            <a:off x="1219199" y="5964863"/>
+            <a:ext cx="5004057" cy="430887"/>
+          </a:xfrm>
+          <a:prstGeom prst="rect">
+            <a:avLst/>
+          </a:prstGeom>
+          <a:noFill/>
+        </p:spPr>
+        <p:txBody>
+          <a:bodyPr wrap="square" rtlCol="0">
+            <a:spAutoFit/>
+          </a:bodyPr>
           <a:lstStyle/>
           <a:p>
-            <a:endParaRPr lang="en-US" dirty="0"/>
+            <a:pPr algn="ctr"/>
+            <a:r>
+              <a:rPr lang="en-US" sz="2200" dirty="0"/>
+              <a:t>2 Layer Accuracy</a:t>
+            </a:r>
+          </a:p>
+        </p:txBody>
+      </p:sp>
+      <p:sp>
+        <p:nvSpPr>
+          <p:cNvPr id="9" name="TextBox 8">
+            <a:extLst>
+              <a:ext uri="{FF2B5EF4-FFF2-40B4-BE49-F238E27FC236}">
+                <a16:creationId xmlns:a16="http://schemas.microsoft.com/office/drawing/2014/main" id="{4CBC1A1F-1A31-43FF-96FE-8D9BAB3635FE}"/>
+              </a:ext>
+            </a:extLst>
+          </p:cNvPr>
+          <p:cNvSpPr txBox="1"/>
+          <p:nvPr/>
+        </p:nvSpPr>
+        <p:spPr>
+          <a:xfrm>
+            <a:off x="6794205" y="5956756"/>
+            <a:ext cx="4877348" cy="430887"/>
+          </a:xfrm>
+          <a:prstGeom prst="rect">
+            <a:avLst/>
+          </a:prstGeom>
+          <a:noFill/>
+        </p:spPr>
+        <p:txBody>
+          <a:bodyPr wrap="square" rtlCol="0">
+            <a:spAutoFit/>
+          </a:bodyPr>
+          <a:lstStyle/>
+          <a:p>
+            <a:pPr algn="ctr"/>
+            <a:r>
+              <a:rPr lang="en-US" sz="2200" dirty="0"/>
+              <a:t>3 Layer Accuracy</a:t>
+            </a:r>
           </a:p>
         </p:txBody>
       </p:sp>

--- a/Final-Group-Presentation/Group4ProjectPresentation.pptx
+++ b/Final-Group-Presentation/Group4ProjectPresentation.pptx
@@ -5,7 +5,7 @@
     <p:sldMasterId id="2147483660" r:id="rId1"/>
   </p:sldMasterIdLst>
   <p:notesMasterIdLst>
-    <p:notesMasterId r:id="rId15"/>
+    <p:notesMasterId r:id="rId16"/>
   </p:notesMasterIdLst>
   <p:sldIdLst>
     <p:sldId id="256" r:id="rId2"/>
@@ -18,9 +18,10 @@
     <p:sldId id="265" r:id="rId9"/>
     <p:sldId id="267" r:id="rId10"/>
     <p:sldId id="262" r:id="rId11"/>
-    <p:sldId id="263" r:id="rId12"/>
-    <p:sldId id="268" r:id="rId13"/>
-    <p:sldId id="264" r:id="rId14"/>
+    <p:sldId id="269" r:id="rId12"/>
+    <p:sldId id="263" r:id="rId13"/>
+    <p:sldId id="268" r:id="rId14"/>
+    <p:sldId id="264" r:id="rId15"/>
   </p:sldIdLst>
   <p:sldSz cx="12192000" cy="6858000"/>
   <p:notesSz cx="6858000" cy="9144000"/>
@@ -4517,6 +4518,259 @@
       </p:grpSpPr>
       <p:sp>
         <p:nvSpPr>
+          <p:cNvPr id="5" name="Rectangle 2">
+            <a:extLst>
+              <a:ext uri="{FF2B5EF4-FFF2-40B4-BE49-F238E27FC236}">
+                <a16:creationId xmlns:a16="http://schemas.microsoft.com/office/drawing/2014/main" id="{2D16C52B-7DCB-46C8-BBEE-845D32DB089A}"/>
+              </a:ext>
+            </a:extLst>
+          </p:cNvPr>
+          <p:cNvSpPr>
+            <a:spLocks noChangeArrowheads="1"/>
+          </p:cNvSpPr>
+          <p:nvPr/>
+        </p:nvSpPr>
+        <p:spPr bwMode="auto">
+          <a:xfrm>
+            <a:off x="0" y="0"/>
+            <a:ext cx="12192000" cy="457200"/>
+          </a:xfrm>
+          <a:prstGeom prst="rect">
+            <a:avLst/>
+          </a:prstGeom>
+          <a:noFill/>
+          <a:ln>
+            <a:noFill/>
+          </a:ln>
+          <a:effectLst/>
+          <a:extLst>
+            <a:ext uri="{909E8E84-426E-40DD-AFC4-6F175D3DCCD1}">
+              <a14:hiddenFill xmlns:a14="http://schemas.microsoft.com/office/drawing/2010/main">
+                <a:solidFill>
+                  <a:schemeClr val="accent1"/>
+                </a:solidFill>
+              </a14:hiddenFill>
+            </a:ext>
+            <a:ext uri="{91240B29-F687-4F45-9708-019B960494DF}">
+              <a14:hiddenLine xmlns:a14="http://schemas.microsoft.com/office/drawing/2010/main" w="9525">
+                <a:solidFill>
+                  <a:schemeClr val="tx1"/>
+                </a:solidFill>
+                <a:miter lim="800000"/>
+                <a:headEnd/>
+                <a:tailEnd/>
+              </a14:hiddenLine>
+            </a:ext>
+            <a:ext uri="{AF507438-7753-43E0-B8FC-AC1667EBCBE1}">
+              <a14:hiddenEffects xmlns:a14="http://schemas.microsoft.com/office/drawing/2010/main">
+                <a:effectLst>
+                  <a:outerShdw dist="35921" dir="2700000" algn="ctr" rotWithShape="0">
+                    <a:schemeClr val="bg2"/>
+                  </a:outerShdw>
+                </a:effectLst>
+              </a14:hiddenEffects>
+            </a:ext>
+          </a:extLst>
+        </p:spPr>
+        <p:txBody>
+          <a:bodyPr vert="horz" wrap="none" lIns="91440" tIns="45720" rIns="91440" bIns="45720" numCol="1" anchor="ctr" anchorCtr="0" compatLnSpc="1">
+            <a:prstTxWarp prst="textNoShape">
+              <a:avLst/>
+            </a:prstTxWarp>
+            <a:spAutoFit/>
+          </a:bodyPr>
+          <a:lstStyle/>
+          <a:p>
+            <a:endParaRPr lang="en-US"/>
+          </a:p>
+        </p:txBody>
+      </p:sp>
+      <p:sp>
+        <p:nvSpPr>
+          <p:cNvPr id="6" name="Rectangle 3">
+            <a:extLst>
+              <a:ext uri="{FF2B5EF4-FFF2-40B4-BE49-F238E27FC236}">
+                <a16:creationId xmlns:a16="http://schemas.microsoft.com/office/drawing/2014/main" id="{9807BD7D-ADDD-4D4C-8536-97E64D841FF5}"/>
+              </a:ext>
+            </a:extLst>
+          </p:cNvPr>
+          <p:cNvSpPr>
+            <a:spLocks noChangeArrowheads="1"/>
+          </p:cNvSpPr>
+          <p:nvPr/>
+        </p:nvSpPr>
+        <p:spPr bwMode="auto">
+          <a:xfrm>
+            <a:off x="0" y="8289925"/>
+            <a:ext cx="12192000" cy="0"/>
+          </a:xfrm>
+          <a:prstGeom prst="rect">
+            <a:avLst/>
+          </a:prstGeom>
+          <a:noFill/>
+          <a:ln>
+            <a:noFill/>
+          </a:ln>
+          <a:effectLst/>
+          <a:extLst>
+            <a:ext uri="{909E8E84-426E-40DD-AFC4-6F175D3DCCD1}">
+              <a14:hiddenFill xmlns:a14="http://schemas.microsoft.com/office/drawing/2010/main">
+                <a:solidFill>
+                  <a:schemeClr val="accent1"/>
+                </a:solidFill>
+              </a14:hiddenFill>
+            </a:ext>
+            <a:ext uri="{91240B29-F687-4F45-9708-019B960494DF}">
+              <a14:hiddenLine xmlns:a14="http://schemas.microsoft.com/office/drawing/2010/main" w="9525">
+                <a:solidFill>
+                  <a:schemeClr val="tx1"/>
+                </a:solidFill>
+                <a:miter lim="800000"/>
+                <a:headEnd/>
+                <a:tailEnd/>
+              </a14:hiddenLine>
+            </a:ext>
+            <a:ext uri="{AF507438-7753-43E0-B8FC-AC1667EBCBE1}">
+              <a14:hiddenEffects xmlns:a14="http://schemas.microsoft.com/office/drawing/2010/main">
+                <a:effectLst>
+                  <a:outerShdw dist="35921" dir="2700000" algn="ctr" rotWithShape="0">
+                    <a:schemeClr val="bg2"/>
+                  </a:outerShdw>
+                </a:effectLst>
+              </a14:hiddenEffects>
+            </a:ext>
+          </a:extLst>
+        </p:spPr>
+        <p:txBody>
+          <a:bodyPr vert="horz" wrap="none" lIns="91440" tIns="45720" rIns="91440" bIns="45720" numCol="1" anchor="ctr" anchorCtr="0" compatLnSpc="1">
+            <a:prstTxWarp prst="textNoShape">
+              <a:avLst/>
+            </a:prstTxWarp>
+            <a:spAutoFit/>
+          </a:bodyPr>
+          <a:lstStyle/>
+          <a:p>
+            <a:pPr marL="0" marR="0" lvl="0" indent="0" algn="ctr" defTabSz="914400" rtl="0" eaLnBrk="0" fontAlgn="base" latinLnBrk="0" hangingPunct="0">
+              <a:lnSpc>
+                <a:spcPct val="100000"/>
+              </a:lnSpc>
+              <a:spcBef>
+                <a:spcPct val="0"/>
+              </a:spcBef>
+              <a:spcAft>
+                <a:spcPct val="0"/>
+              </a:spcAft>
+              <a:buClrTx/>
+              <a:buSzTx/>
+              <a:buFontTx/>
+              <a:buNone/>
+              <a:tabLst/>
+            </a:pPr>
+            <a:r>
+              <a:rPr kumimoji="0" lang="en-US" altLang="en-US" sz="1100" b="1" i="0" u="none" strike="noStrike" cap="none" normalizeH="0" baseline="0">
+                <a:ln>
+                  <a:noFill/>
+                </a:ln>
+                <a:solidFill>
+                  <a:schemeClr val="tx1"/>
+                </a:solidFill>
+                <a:effectLst/>
+                <a:latin typeface="Calibri" panose="020F0502020204030204" pitchFamily="34" charset="0"/>
+                <a:ea typeface="Calibri" panose="020F0502020204030204" pitchFamily="34" charset="0"/>
+                <a:cs typeface="Times New Roman" panose="02020603050405020304" pitchFamily="18" charset="0"/>
+              </a:rPr>
+              <a:t>Figure 5. </a:t>
+            </a:r>
+            <a:r>
+              <a:rPr kumimoji="0" lang="en-US" altLang="en-US" sz="1100" b="0" i="0" u="none" strike="noStrike" cap="none" normalizeH="0" baseline="0">
+                <a:ln>
+                  <a:noFill/>
+                </a:ln>
+                <a:solidFill>
+                  <a:schemeClr val="tx1"/>
+                </a:solidFill>
+                <a:effectLst/>
+                <a:latin typeface="Calibri" panose="020F0502020204030204" pitchFamily="34" charset="0"/>
+                <a:ea typeface="Calibri" panose="020F0502020204030204" pitchFamily="34" charset="0"/>
+                <a:cs typeface="Times New Roman" panose="02020603050405020304" pitchFamily="18" charset="0"/>
+              </a:rPr>
+              <a:t>Fruit Misclassifications, 2-Layer Network</a:t>
+            </a:r>
+            <a:endParaRPr kumimoji="0" lang="en-US" altLang="en-US" sz="1800" b="0" i="0" u="none" strike="noStrike" cap="none" normalizeH="0" baseline="0">
+              <a:ln>
+                <a:noFill/>
+              </a:ln>
+              <a:solidFill>
+                <a:schemeClr val="tx1"/>
+              </a:solidFill>
+              <a:effectLst/>
+              <a:latin typeface="Arial" panose="020B0604020202020204" pitchFamily="34" charset="0"/>
+            </a:endParaRPr>
+          </a:p>
+        </p:txBody>
+      </p:sp>
+      <p:pic>
+        <p:nvPicPr>
+          <p:cNvPr id="8" name="Picture 7">
+            <a:extLst>
+              <a:ext uri="{FF2B5EF4-FFF2-40B4-BE49-F238E27FC236}">
+                <a16:creationId xmlns:a16="http://schemas.microsoft.com/office/drawing/2014/main" id="{A58E499D-7EE0-45D7-85EA-AB39A2A5B949}"/>
+              </a:ext>
+            </a:extLst>
+          </p:cNvPr>
+          <p:cNvPicPr>
+            <a:picLocks noChangeAspect="1"/>
+          </p:cNvPicPr>
+          <p:nvPr/>
+        </p:nvPicPr>
+        <p:blipFill>
+          <a:blip r:embed="rId2"/>
+          <a:stretch>
+            <a:fillRect/>
+          </a:stretch>
+        </p:blipFill>
+        <p:spPr>
+          <a:xfrm>
+            <a:off x="3239311" y="330844"/>
+            <a:ext cx="5953327" cy="6196311"/>
+          </a:xfrm>
+          <a:prstGeom prst="rect">
+            <a:avLst/>
+          </a:prstGeom>
+        </p:spPr>
+      </p:pic>
+    </p:spTree>
+    <p:extLst>
+      <p:ext uri="{BB962C8B-B14F-4D97-AF65-F5344CB8AC3E}">
+        <p14:creationId xmlns:p14="http://schemas.microsoft.com/office/powerpoint/2010/main" val="2551077465"/>
+      </p:ext>
+    </p:extLst>
+  </p:cSld>
+  <p:clrMapOvr>
+    <a:masterClrMapping/>
+  </p:clrMapOvr>
+</p:sld>
+</file>
+
+<file path=ppt/slides/slide12.xml><?xml version="1.0" encoding="utf-8"?>
+<p:sld xmlns:a="http://schemas.openxmlformats.org/drawingml/2006/main" xmlns:r="http://schemas.openxmlformats.org/officeDocument/2006/relationships" xmlns:p="http://schemas.openxmlformats.org/presentationml/2006/main">
+  <p:cSld>
+    <p:spTree>
+      <p:nvGrpSpPr>
+        <p:cNvPr id="1" name=""/>
+        <p:cNvGrpSpPr/>
+        <p:nvPr/>
+      </p:nvGrpSpPr>
+      <p:grpSpPr>
+        <a:xfrm>
+          <a:off x="0" y="0"/>
+          <a:ext cx="0" cy="0"/>
+          <a:chOff x="0" y="0"/>
+          <a:chExt cx="0" cy="0"/>
+        </a:xfrm>
+      </p:grpSpPr>
+      <p:sp>
+        <p:nvSpPr>
           <p:cNvPr id="2" name="Title 1">
             <a:extLst>
               <a:ext uri="{FF2B5EF4-FFF2-40B4-BE49-F238E27FC236}">
@@ -4585,7 +4839,7 @@
 </p:sld>
 </file>
 
-<file path=ppt/slides/slide12.xml><?xml version="1.0" encoding="utf-8"?>
+<file path=ppt/slides/slide13.xml><?xml version="1.0" encoding="utf-8"?>
 <p:sld xmlns:a="http://schemas.openxmlformats.org/drawingml/2006/main" xmlns:r="http://schemas.openxmlformats.org/officeDocument/2006/relationships" xmlns:p="http://schemas.openxmlformats.org/presentationml/2006/main">
   <p:cSld>
     <p:spTree>
@@ -4690,7 +4944,7 @@
 </p:sld>
 </file>
 
-<file path=ppt/slides/slide13.xml><?xml version="1.0" encoding="utf-8"?>
+<file path=ppt/slides/slide14.xml><?xml version="1.0" encoding="utf-8"?>
 <p:sld xmlns:a="http://schemas.openxmlformats.org/drawingml/2006/main" xmlns:r="http://schemas.openxmlformats.org/officeDocument/2006/relationships" xmlns:p="http://schemas.openxmlformats.org/presentationml/2006/main">
   <p:cSld>
     <p:bg>
@@ -6841,7 +7095,7 @@
             <a:pPr algn="ctr"/>
             <a:r>
               <a:rPr lang="en-US" sz="2200" dirty="0"/>
-              <a:t>2 Layer Accuracy</a:t>
+              <a:t>2 Layer Accuracy – 97%</a:t>
             </a:r>
           </a:p>
         </p:txBody>
@@ -6877,7 +7131,7 @@
             <a:pPr algn="ctr"/>
             <a:r>
               <a:rPr lang="en-US" sz="2200" dirty="0"/>
-              <a:t>3 Layer Accuracy</a:t>
+              <a:t>3 Layer Accuracy – 99%</a:t>
             </a:r>
           </a:p>
         </p:txBody>
